--- a/Report Presentation/Report Presentation (original format).pptx
+++ b/Report Presentation/Report Presentation (original format).pptx
@@ -12,22 +12,26 @@
     <p:sldId id="268" r:id="rId6"/>
     <p:sldId id="259" r:id="rId7"/>
     <p:sldId id="262" r:id="rId8"/>
-    <p:sldId id="263" r:id="rId9"/>
-    <p:sldId id="260" r:id="rId10"/>
-    <p:sldId id="261" r:id="rId11"/>
-    <p:sldId id="269" r:id="rId12"/>
-    <p:sldId id="270" r:id="rId13"/>
-    <p:sldId id="271" r:id="rId14"/>
-    <p:sldId id="272" r:id="rId15"/>
-    <p:sldId id="273" r:id="rId16"/>
-    <p:sldId id="274" r:id="rId17"/>
-    <p:sldId id="275" r:id="rId18"/>
-    <p:sldId id="276" r:id="rId19"/>
-    <p:sldId id="277" r:id="rId20"/>
-    <p:sldId id="278" r:id="rId21"/>
-    <p:sldId id="279" r:id="rId22"/>
-    <p:sldId id="281" r:id="rId23"/>
-    <p:sldId id="282" r:id="rId24"/>
+    <p:sldId id="283" r:id="rId9"/>
+    <p:sldId id="263" r:id="rId10"/>
+    <p:sldId id="284" r:id="rId11"/>
+    <p:sldId id="285" r:id="rId12"/>
+    <p:sldId id="286" r:id="rId13"/>
+    <p:sldId id="260" r:id="rId14"/>
+    <p:sldId id="261" r:id="rId15"/>
+    <p:sldId id="269" r:id="rId16"/>
+    <p:sldId id="270" r:id="rId17"/>
+    <p:sldId id="271" r:id="rId18"/>
+    <p:sldId id="272" r:id="rId19"/>
+    <p:sldId id="273" r:id="rId20"/>
+    <p:sldId id="274" r:id="rId21"/>
+    <p:sldId id="275" r:id="rId22"/>
+    <p:sldId id="276" r:id="rId23"/>
+    <p:sldId id="277" r:id="rId24"/>
+    <p:sldId id="278" r:id="rId25"/>
+    <p:sldId id="279" r:id="rId26"/>
+    <p:sldId id="281" r:id="rId27"/>
+    <p:sldId id="282" r:id="rId28"/>
   </p:sldIdLst>
   <p:sldSz cx="12192000" cy="6858000"/>
   <p:notesSz cx="6858000" cy="9144000"/>
@@ -156,6 +160,11 @@
       </a:defRPr>
     </a:lvl9pPr>
   </p:defaultTextStyle>
+  <p:extLst>
+    <p:ext uri="{EFAFB233-063F-42B5-8137-9DF3F51BA10A}">
+      <p15:sldGuideLst xmlns:p15="http://schemas.microsoft.com/office/powerpoint/2012/main"/>
+    </p:ext>
+  </p:extLst>
 </p:presentation>
 </file>
 
@@ -6918,6 +6927,2367 @@
       </p:grpSpPr>
       <p:sp>
         <p:nvSpPr>
+          <p:cNvPr id="2" name="Title 1"/>
+          <p:cNvSpPr>
+            <a:spLocks noGrp="1"/>
+          </p:cNvSpPr>
+          <p:nvPr>
+            <p:ph type="title"/>
+          </p:nvPr>
+        </p:nvSpPr>
+        <p:spPr/>
+        <p:txBody>
+          <a:bodyPr/>
+          <a:lstStyle/>
+          <a:p>
+            <a:r>
+              <a:rPr lang="en-US" dirty="0" smtClean="0"/>
+              <a:t>…</a:t>
+            </a:r>
+            <a:endParaRPr lang="en-US" dirty="0"/>
+          </a:p>
+        </p:txBody>
+      </p:sp>
+      <p:sp>
+        <p:nvSpPr>
+          <p:cNvPr id="3" name="Content Placeholder 2"/>
+          <p:cNvSpPr>
+            <a:spLocks noGrp="1"/>
+          </p:cNvSpPr>
+          <p:nvPr>
+            <p:ph idx="1"/>
+          </p:nvPr>
+        </p:nvSpPr>
+        <p:spPr>
+          <a:xfrm>
+            <a:off x="1103313" y="1490456"/>
+            <a:ext cx="8947150" cy="5089248"/>
+          </a:xfrm>
+        </p:spPr>
+        <p:txBody>
+          <a:bodyPr/>
+          <a:lstStyle/>
+          <a:p>
+            <a:r>
+              <a:rPr lang="en-US" dirty="0" smtClean="0"/>
+              <a:t>For Sides:</a:t>
+            </a:r>
+          </a:p>
+          <a:p>
+            <a:pPr lvl="1"/>
+            <a:r>
+              <a:rPr lang="en-ZA" dirty="0"/>
+              <a:t>Copy value of vertical/horizontal </a:t>
+            </a:r>
+            <a:r>
+              <a:rPr lang="en-ZA" dirty="0" smtClean="0"/>
+              <a:t>neighbour</a:t>
+            </a:r>
+          </a:p>
+          <a:p>
+            <a:pPr lvl="1"/>
+            <a:endParaRPr lang="en-ZA" dirty="0"/>
+          </a:p>
+          <a:p>
+            <a:pPr lvl="1"/>
+            <a:endParaRPr lang="en-ZA" dirty="0" smtClean="0"/>
+          </a:p>
+          <a:p>
+            <a:pPr lvl="1"/>
+            <a:endParaRPr lang="en-ZA" dirty="0"/>
+          </a:p>
+          <a:p>
+            <a:pPr lvl="1"/>
+            <a:endParaRPr lang="en-ZA" dirty="0" smtClean="0"/>
+          </a:p>
+          <a:p>
+            <a:pPr lvl="1"/>
+            <a:endParaRPr lang="en-ZA" dirty="0"/>
+          </a:p>
+          <a:p>
+            <a:pPr lvl="1"/>
+            <a:endParaRPr lang="en-ZA" dirty="0" smtClean="0"/>
+          </a:p>
+          <a:p>
+            <a:pPr lvl="1"/>
+            <a:endParaRPr lang="en-US" dirty="0" smtClean="0"/>
+          </a:p>
+          <a:p>
+            <a:r>
+              <a:rPr lang="en-US" dirty="0" smtClean="0"/>
+              <a:t>For Corners:</a:t>
+            </a:r>
+          </a:p>
+          <a:p>
+            <a:pPr lvl="1"/>
+            <a:r>
+              <a:rPr lang="en-ZA" dirty="0" smtClean="0"/>
+              <a:t>Copy </a:t>
+            </a:r>
+            <a:r>
+              <a:rPr lang="en-ZA" dirty="0"/>
+              <a:t>value of vertical OR horizontal OR diagonal</a:t>
+            </a:r>
+          </a:p>
+          <a:p>
+            <a:pPr lvl="1">
+              <a:buSzPct val="45000"/>
+              <a:buFont typeface="Wingdings" panose="05000000000000000000" pitchFamily="2" charset="2"/>
+              <a:buNone/>
+            </a:pPr>
+            <a:r>
+              <a:rPr lang="en-ZA" dirty="0" smtClean="0"/>
+              <a:t>	neighbour.</a:t>
+            </a:r>
+            <a:endParaRPr lang="en-US" dirty="0"/>
+          </a:p>
+        </p:txBody>
+      </p:sp>
+      <p:pic>
+        <p:nvPicPr>
+          <p:cNvPr id="4" name="Picture 3"/>
+          <p:cNvPicPr>
+            <a:picLocks noChangeAspect="1"/>
+          </p:cNvPicPr>
+          <p:nvPr/>
+        </p:nvPicPr>
+        <p:blipFill>
+          <a:blip r:embed="rId2">
+            <a:extLst>
+              <a:ext uri="{28A0092B-C50C-407E-A947-70E740481C1C}">
+                <a14:useLocalDpi xmlns:a14="http://schemas.microsoft.com/office/drawing/2010/main" val="0"/>
+              </a:ext>
+            </a:extLst>
+          </a:blip>
+          <a:stretch>
+            <a:fillRect/>
+          </a:stretch>
+        </p:blipFill>
+        <p:spPr>
+          <a:xfrm>
+            <a:off x="3752628" y="2391292"/>
+            <a:ext cx="3191320" cy="3057952"/>
+          </a:xfrm>
+          <a:prstGeom prst="rect">
+            <a:avLst/>
+          </a:prstGeom>
+        </p:spPr>
+      </p:pic>
+    </p:spTree>
+    <p:extLst>
+      <p:ext uri="{BB962C8B-B14F-4D97-AF65-F5344CB8AC3E}">
+        <p14:creationId xmlns:p14="http://schemas.microsoft.com/office/powerpoint/2010/main" val="2068725228"/>
+      </p:ext>
+    </p:extLst>
+  </p:cSld>
+  <p:clrMapOvr>
+    <a:masterClrMapping/>
+  </p:clrMapOvr>
+  <p:timing>
+    <p:tnLst>
+      <p:par>
+        <p:cTn id="1" dur="indefinite" restart="never" nodeType="tmRoot">
+          <p:childTnLst>
+            <p:seq concurrent="1" nextAc="seek">
+              <p:cTn id="2" dur="indefinite" nodeType="mainSeq">
+                <p:childTnLst>
+                  <p:par>
+                    <p:cTn id="3" fill="hold">
+                      <p:stCondLst>
+                        <p:cond delay="indefinite"/>
+                      </p:stCondLst>
+                      <p:childTnLst>
+                        <p:par>
+                          <p:cTn id="4" fill="hold">
+                            <p:stCondLst>
+                              <p:cond delay="0"/>
+                            </p:stCondLst>
+                            <p:childTnLst>
+                              <p:par>
+                                <p:cTn id="5" presetID="2" presetClass="entr" presetSubtype="4" fill="hold" nodeType="clickEffect">
+                                  <p:stCondLst>
+                                    <p:cond delay="0"/>
+                                  </p:stCondLst>
+                                  <p:childTnLst>
+                                    <p:set>
+                                      <p:cBhvr>
+                                        <p:cTn id="6" dur="1" fill="hold">
+                                          <p:stCondLst>
+                                            <p:cond delay="0"/>
+                                          </p:stCondLst>
+                                        </p:cTn>
+                                        <p:tgtEl>
+                                          <p:spTgt spid="4"/>
+                                        </p:tgtEl>
+                                        <p:attrNameLst>
+                                          <p:attrName>style.visibility</p:attrName>
+                                        </p:attrNameLst>
+                                      </p:cBhvr>
+                                      <p:to>
+                                        <p:strVal val="visible"/>
+                                      </p:to>
+                                    </p:set>
+                                    <p:anim calcmode="lin" valueType="num">
+                                      <p:cBhvr additive="base">
+                                        <p:cTn id="7" dur="500" fill="hold"/>
+                                        <p:tgtEl>
+                                          <p:spTgt spid="4"/>
+                                        </p:tgtEl>
+                                        <p:attrNameLst>
+                                          <p:attrName>ppt_x</p:attrName>
+                                        </p:attrNameLst>
+                                      </p:cBhvr>
+                                      <p:tavLst>
+                                        <p:tav tm="0">
+                                          <p:val>
+                                            <p:strVal val="#ppt_x"/>
+                                          </p:val>
+                                        </p:tav>
+                                        <p:tav tm="100000">
+                                          <p:val>
+                                            <p:strVal val="#ppt_x"/>
+                                          </p:val>
+                                        </p:tav>
+                                      </p:tavLst>
+                                    </p:anim>
+                                    <p:anim calcmode="lin" valueType="num">
+                                      <p:cBhvr additive="base">
+                                        <p:cTn id="8" dur="500" fill="hold"/>
+                                        <p:tgtEl>
+                                          <p:spTgt spid="4"/>
+                                        </p:tgtEl>
+                                        <p:attrNameLst>
+                                          <p:attrName>ppt_y</p:attrName>
+                                        </p:attrNameLst>
+                                      </p:cBhvr>
+                                      <p:tavLst>
+                                        <p:tav tm="0">
+                                          <p:val>
+                                            <p:strVal val="1+#ppt_h/2"/>
+                                          </p:val>
+                                        </p:tav>
+                                        <p:tav tm="100000">
+                                          <p:val>
+                                            <p:strVal val="#ppt_y"/>
+                                          </p:val>
+                                        </p:tav>
+                                      </p:tavLst>
+                                    </p:anim>
+                                  </p:childTnLst>
+                                </p:cTn>
+                              </p:par>
+                            </p:childTnLst>
+                          </p:cTn>
+                        </p:par>
+                      </p:childTnLst>
+                    </p:cTn>
+                  </p:par>
+                  <p:par>
+                    <p:cTn id="9" fill="hold">
+                      <p:stCondLst>
+                        <p:cond delay="indefinite"/>
+                      </p:stCondLst>
+                      <p:childTnLst>
+                        <p:par>
+                          <p:cTn id="10" fill="hold">
+                            <p:stCondLst>
+                              <p:cond delay="0"/>
+                            </p:stCondLst>
+                            <p:childTnLst>
+                              <p:par>
+                                <p:cTn id="11" presetID="10" presetClass="entr" presetSubtype="0" fill="hold" nodeType="clickEffect">
+                                  <p:stCondLst>
+                                    <p:cond delay="0"/>
+                                  </p:stCondLst>
+                                  <p:childTnLst>
+                                    <p:set>
+                                      <p:cBhvr>
+                                        <p:cTn id="12" dur="1" fill="hold">
+                                          <p:stCondLst>
+                                            <p:cond delay="0"/>
+                                          </p:stCondLst>
+                                        </p:cTn>
+                                        <p:tgtEl>
+                                          <p:spTgt spid="3">
+                                            <p:txEl>
+                                              <p:pRg st="0" end="0"/>
+                                            </p:txEl>
+                                          </p:spTgt>
+                                        </p:tgtEl>
+                                        <p:attrNameLst>
+                                          <p:attrName>style.visibility</p:attrName>
+                                        </p:attrNameLst>
+                                      </p:cBhvr>
+                                      <p:to>
+                                        <p:strVal val="visible"/>
+                                      </p:to>
+                                    </p:set>
+                                    <p:animEffect transition="in" filter="fade">
+                                      <p:cBhvr>
+                                        <p:cTn id="13" dur="500"/>
+                                        <p:tgtEl>
+                                          <p:spTgt spid="3">
+                                            <p:txEl>
+                                              <p:pRg st="0" end="0"/>
+                                            </p:txEl>
+                                          </p:spTgt>
+                                        </p:tgtEl>
+                                      </p:cBhvr>
+                                    </p:animEffect>
+                                  </p:childTnLst>
+                                </p:cTn>
+                              </p:par>
+                              <p:par>
+                                <p:cTn id="14" presetID="10" presetClass="entr" presetSubtype="0" fill="hold" nodeType="withEffect">
+                                  <p:stCondLst>
+                                    <p:cond delay="0"/>
+                                  </p:stCondLst>
+                                  <p:childTnLst>
+                                    <p:set>
+                                      <p:cBhvr>
+                                        <p:cTn id="15" dur="1" fill="hold">
+                                          <p:stCondLst>
+                                            <p:cond delay="0"/>
+                                          </p:stCondLst>
+                                        </p:cTn>
+                                        <p:tgtEl>
+                                          <p:spTgt spid="3">
+                                            <p:txEl>
+                                              <p:pRg st="1" end="1"/>
+                                            </p:txEl>
+                                          </p:spTgt>
+                                        </p:tgtEl>
+                                        <p:attrNameLst>
+                                          <p:attrName>style.visibility</p:attrName>
+                                        </p:attrNameLst>
+                                      </p:cBhvr>
+                                      <p:to>
+                                        <p:strVal val="visible"/>
+                                      </p:to>
+                                    </p:set>
+                                    <p:animEffect transition="in" filter="fade">
+                                      <p:cBhvr>
+                                        <p:cTn id="16" dur="500"/>
+                                        <p:tgtEl>
+                                          <p:spTgt spid="3">
+                                            <p:txEl>
+                                              <p:pRg st="1" end="1"/>
+                                            </p:txEl>
+                                          </p:spTgt>
+                                        </p:tgtEl>
+                                      </p:cBhvr>
+                                    </p:animEffect>
+                                  </p:childTnLst>
+                                </p:cTn>
+                              </p:par>
+                            </p:childTnLst>
+                          </p:cTn>
+                        </p:par>
+                      </p:childTnLst>
+                    </p:cTn>
+                  </p:par>
+                  <p:par>
+                    <p:cTn id="17" fill="hold">
+                      <p:stCondLst>
+                        <p:cond delay="indefinite"/>
+                      </p:stCondLst>
+                      <p:childTnLst>
+                        <p:par>
+                          <p:cTn id="18" fill="hold">
+                            <p:stCondLst>
+                              <p:cond delay="0"/>
+                            </p:stCondLst>
+                            <p:childTnLst>
+                              <p:par>
+                                <p:cTn id="19" presetID="10" presetClass="entr" presetSubtype="0" fill="hold" nodeType="clickEffect">
+                                  <p:stCondLst>
+                                    <p:cond delay="0"/>
+                                  </p:stCondLst>
+                                  <p:childTnLst>
+                                    <p:set>
+                                      <p:cBhvr>
+                                        <p:cTn id="20" dur="1" fill="hold">
+                                          <p:stCondLst>
+                                            <p:cond delay="0"/>
+                                          </p:stCondLst>
+                                        </p:cTn>
+                                        <p:tgtEl>
+                                          <p:spTgt spid="3">
+                                            <p:txEl>
+                                              <p:pRg st="9" end="9"/>
+                                            </p:txEl>
+                                          </p:spTgt>
+                                        </p:tgtEl>
+                                        <p:attrNameLst>
+                                          <p:attrName>style.visibility</p:attrName>
+                                        </p:attrNameLst>
+                                      </p:cBhvr>
+                                      <p:to>
+                                        <p:strVal val="visible"/>
+                                      </p:to>
+                                    </p:set>
+                                    <p:animEffect transition="in" filter="fade">
+                                      <p:cBhvr>
+                                        <p:cTn id="21" dur="500"/>
+                                        <p:tgtEl>
+                                          <p:spTgt spid="3">
+                                            <p:txEl>
+                                              <p:pRg st="9" end="9"/>
+                                            </p:txEl>
+                                          </p:spTgt>
+                                        </p:tgtEl>
+                                      </p:cBhvr>
+                                    </p:animEffect>
+                                  </p:childTnLst>
+                                </p:cTn>
+                              </p:par>
+                              <p:par>
+                                <p:cTn id="22" presetID="10" presetClass="entr" presetSubtype="0" fill="hold" nodeType="withEffect">
+                                  <p:stCondLst>
+                                    <p:cond delay="0"/>
+                                  </p:stCondLst>
+                                  <p:childTnLst>
+                                    <p:set>
+                                      <p:cBhvr>
+                                        <p:cTn id="23" dur="1" fill="hold">
+                                          <p:stCondLst>
+                                            <p:cond delay="0"/>
+                                          </p:stCondLst>
+                                        </p:cTn>
+                                        <p:tgtEl>
+                                          <p:spTgt spid="3">
+                                            <p:txEl>
+                                              <p:pRg st="10" end="10"/>
+                                            </p:txEl>
+                                          </p:spTgt>
+                                        </p:tgtEl>
+                                        <p:attrNameLst>
+                                          <p:attrName>style.visibility</p:attrName>
+                                        </p:attrNameLst>
+                                      </p:cBhvr>
+                                      <p:to>
+                                        <p:strVal val="visible"/>
+                                      </p:to>
+                                    </p:set>
+                                    <p:animEffect transition="in" filter="fade">
+                                      <p:cBhvr>
+                                        <p:cTn id="24" dur="500"/>
+                                        <p:tgtEl>
+                                          <p:spTgt spid="3">
+                                            <p:txEl>
+                                              <p:pRg st="10" end="10"/>
+                                            </p:txEl>
+                                          </p:spTgt>
+                                        </p:tgtEl>
+                                      </p:cBhvr>
+                                    </p:animEffect>
+                                  </p:childTnLst>
+                                </p:cTn>
+                              </p:par>
+                              <p:par>
+                                <p:cTn id="25" presetID="10" presetClass="entr" presetSubtype="0" fill="hold" nodeType="withEffect">
+                                  <p:stCondLst>
+                                    <p:cond delay="0"/>
+                                  </p:stCondLst>
+                                  <p:childTnLst>
+                                    <p:set>
+                                      <p:cBhvr>
+                                        <p:cTn id="26" dur="1" fill="hold">
+                                          <p:stCondLst>
+                                            <p:cond delay="0"/>
+                                          </p:stCondLst>
+                                        </p:cTn>
+                                        <p:tgtEl>
+                                          <p:spTgt spid="3">
+                                            <p:txEl>
+                                              <p:pRg st="11" end="11"/>
+                                            </p:txEl>
+                                          </p:spTgt>
+                                        </p:tgtEl>
+                                        <p:attrNameLst>
+                                          <p:attrName>style.visibility</p:attrName>
+                                        </p:attrNameLst>
+                                      </p:cBhvr>
+                                      <p:to>
+                                        <p:strVal val="visible"/>
+                                      </p:to>
+                                    </p:set>
+                                    <p:animEffect transition="in" filter="fade">
+                                      <p:cBhvr>
+                                        <p:cTn id="27" dur="500"/>
+                                        <p:tgtEl>
+                                          <p:spTgt spid="3">
+                                            <p:txEl>
+                                              <p:pRg st="11" end="11"/>
+                                            </p:txEl>
+                                          </p:spTgt>
+                                        </p:tgtEl>
+                                      </p:cBhvr>
+                                    </p:animEffect>
+                                  </p:childTnLst>
+                                </p:cTn>
+                              </p:par>
+                            </p:childTnLst>
+                          </p:cTn>
+                        </p:par>
+                      </p:childTnLst>
+                    </p:cTn>
+                  </p:par>
+                </p:childTnLst>
+              </p:cTn>
+              <p:prevCondLst>
+                <p:cond evt="onPrev" delay="0">
+                  <p:tgtEl>
+                    <p:sldTgt/>
+                  </p:tgtEl>
+                </p:cond>
+              </p:prevCondLst>
+              <p:nextCondLst>
+                <p:cond evt="onNext" delay="0">
+                  <p:tgtEl>
+                    <p:sldTgt/>
+                  </p:tgtEl>
+                </p:cond>
+              </p:nextCondLst>
+            </p:seq>
+          </p:childTnLst>
+        </p:cTn>
+      </p:par>
+    </p:tnLst>
+  </p:timing>
+</p:sld>
+</file>
+
+<file path=ppt/slides/slide11.xml><?xml version="1.0" encoding="utf-8"?>
+<p:sld xmlns:a="http://schemas.openxmlformats.org/drawingml/2006/main" xmlns:r="http://schemas.openxmlformats.org/officeDocument/2006/relationships" xmlns:p="http://schemas.openxmlformats.org/presentationml/2006/main">
+  <p:cSld>
+    <p:spTree>
+      <p:nvGrpSpPr>
+        <p:cNvPr id="1" name=""/>
+        <p:cNvGrpSpPr/>
+        <p:nvPr/>
+      </p:nvGrpSpPr>
+      <p:grpSpPr>
+        <a:xfrm>
+          <a:off x="0" y="0"/>
+          <a:ext cx="0" cy="0"/>
+          <a:chOff x="0" y="0"/>
+          <a:chExt cx="0" cy="0"/>
+        </a:xfrm>
+      </p:grpSpPr>
+      <p:sp>
+        <p:nvSpPr>
+          <p:cNvPr id="2" name="Title 1"/>
+          <p:cNvSpPr>
+            <a:spLocks noGrp="1"/>
+          </p:cNvSpPr>
+          <p:nvPr>
+            <p:ph type="title"/>
+          </p:nvPr>
+        </p:nvSpPr>
+        <p:spPr/>
+        <p:txBody>
+          <a:bodyPr/>
+          <a:lstStyle/>
+          <a:p>
+            <a:r>
+              <a:rPr lang="en-US" dirty="0" smtClean="0"/>
+              <a:t>…</a:t>
+            </a:r>
+            <a:endParaRPr lang="en-US" dirty="0"/>
+          </a:p>
+        </p:txBody>
+      </p:sp>
+      <p:sp>
+        <p:nvSpPr>
+          <p:cNvPr id="3" name="Content Placeholder 2"/>
+          <p:cNvSpPr>
+            <a:spLocks noGrp="1"/>
+          </p:cNvSpPr>
+          <p:nvPr>
+            <p:ph idx="1"/>
+          </p:nvPr>
+        </p:nvSpPr>
+        <p:spPr/>
+        <p:txBody>
+          <a:bodyPr/>
+          <a:lstStyle/>
+          <a:p>
+            <a:r>
+              <a:rPr lang="en-ZA" dirty="0"/>
+              <a:t>5x5 or larger convolution</a:t>
+            </a:r>
+            <a:r>
+              <a:rPr lang="en-ZA" dirty="0" smtClean="0"/>
+              <a:t>?</a:t>
+            </a:r>
+          </a:p>
+          <a:p>
+            <a:r>
+              <a:rPr lang="en-ZA" dirty="0" smtClean="0"/>
+              <a:t>Simply apply this technique </a:t>
+            </a:r>
+          </a:p>
+          <a:p>
+            <a:pPr marL="0" indent="0">
+              <a:buNone/>
+            </a:pPr>
+            <a:r>
+              <a:rPr lang="en-ZA" dirty="0"/>
+              <a:t>	</a:t>
+            </a:r>
+            <a:r>
+              <a:rPr lang="en-ZA" dirty="0" smtClean="0"/>
+              <a:t>recursively </a:t>
+            </a:r>
+            <a:r>
+              <a:rPr lang="en-ZA" dirty="0"/>
+              <a:t>for the amount of </a:t>
+            </a:r>
+            <a:endParaRPr lang="en-ZA" dirty="0" smtClean="0"/>
+          </a:p>
+          <a:p>
+            <a:pPr marL="0" indent="0">
+              <a:buNone/>
+            </a:pPr>
+            <a:r>
+              <a:rPr lang="en-ZA" dirty="0"/>
+              <a:t>	</a:t>
+            </a:r>
+            <a:r>
+              <a:rPr lang="en-ZA" dirty="0" smtClean="0"/>
+              <a:t>extension </a:t>
+            </a:r>
+            <a:r>
+              <a:rPr lang="en-ZA" dirty="0"/>
+              <a:t>needed!</a:t>
+            </a:r>
+            <a:endParaRPr lang="en-US" dirty="0"/>
+          </a:p>
+        </p:txBody>
+      </p:sp>
+      <p:pic>
+        <p:nvPicPr>
+          <p:cNvPr id="4" name="Picture 3"/>
+          <p:cNvPicPr>
+            <a:picLocks noChangeAspect="1"/>
+          </p:cNvPicPr>
+          <p:nvPr/>
+        </p:nvPicPr>
+        <p:blipFill>
+          <a:blip r:embed="rId2">
+            <a:extLst>
+              <a:ext uri="{28A0092B-C50C-407E-A947-70E740481C1C}">
+                <a14:useLocalDpi xmlns:a14="http://schemas.microsoft.com/office/drawing/2010/main" val="0"/>
+              </a:ext>
+            </a:extLst>
+          </a:blip>
+          <a:stretch>
+            <a:fillRect/>
+          </a:stretch>
+        </p:blipFill>
+        <p:spPr>
+          <a:xfrm>
+            <a:off x="5891383" y="2483411"/>
+            <a:ext cx="3505689" cy="3334215"/>
+          </a:xfrm>
+          <a:prstGeom prst="rect">
+            <a:avLst/>
+          </a:prstGeom>
+        </p:spPr>
+      </p:pic>
+    </p:spTree>
+    <p:extLst>
+      <p:ext uri="{BB962C8B-B14F-4D97-AF65-F5344CB8AC3E}">
+        <p14:creationId xmlns:p14="http://schemas.microsoft.com/office/powerpoint/2010/main" val="2697158888"/>
+      </p:ext>
+    </p:extLst>
+  </p:cSld>
+  <p:clrMapOvr>
+    <a:masterClrMapping/>
+  </p:clrMapOvr>
+  <p:timing>
+    <p:tnLst>
+      <p:par>
+        <p:cTn id="1" dur="indefinite" restart="never" nodeType="tmRoot">
+          <p:childTnLst>
+            <p:seq concurrent="1" nextAc="seek">
+              <p:cTn id="2" dur="indefinite" nodeType="mainSeq">
+                <p:childTnLst>
+                  <p:par>
+                    <p:cTn id="3" fill="hold">
+                      <p:stCondLst>
+                        <p:cond delay="indefinite"/>
+                      </p:stCondLst>
+                      <p:childTnLst>
+                        <p:par>
+                          <p:cTn id="4" fill="hold">
+                            <p:stCondLst>
+                              <p:cond delay="0"/>
+                            </p:stCondLst>
+                            <p:childTnLst>
+                              <p:par>
+                                <p:cTn id="5" presetID="10" presetClass="entr" presetSubtype="0" fill="hold" nodeType="clickEffect">
+                                  <p:stCondLst>
+                                    <p:cond delay="0"/>
+                                  </p:stCondLst>
+                                  <p:childTnLst>
+                                    <p:set>
+                                      <p:cBhvr>
+                                        <p:cTn id="6" dur="1" fill="hold">
+                                          <p:stCondLst>
+                                            <p:cond delay="0"/>
+                                          </p:stCondLst>
+                                        </p:cTn>
+                                        <p:tgtEl>
+                                          <p:spTgt spid="3">
+                                            <p:txEl>
+                                              <p:pRg st="0" end="0"/>
+                                            </p:txEl>
+                                          </p:spTgt>
+                                        </p:tgtEl>
+                                        <p:attrNameLst>
+                                          <p:attrName>style.visibility</p:attrName>
+                                        </p:attrNameLst>
+                                      </p:cBhvr>
+                                      <p:to>
+                                        <p:strVal val="visible"/>
+                                      </p:to>
+                                    </p:set>
+                                    <p:animEffect transition="in" filter="fade">
+                                      <p:cBhvr>
+                                        <p:cTn id="7" dur="500"/>
+                                        <p:tgtEl>
+                                          <p:spTgt spid="3">
+                                            <p:txEl>
+                                              <p:pRg st="0" end="0"/>
+                                            </p:txEl>
+                                          </p:spTgt>
+                                        </p:tgtEl>
+                                      </p:cBhvr>
+                                    </p:animEffect>
+                                  </p:childTnLst>
+                                </p:cTn>
+                              </p:par>
+                            </p:childTnLst>
+                          </p:cTn>
+                        </p:par>
+                      </p:childTnLst>
+                    </p:cTn>
+                  </p:par>
+                  <p:par>
+                    <p:cTn id="8" fill="hold">
+                      <p:stCondLst>
+                        <p:cond delay="indefinite"/>
+                      </p:stCondLst>
+                      <p:childTnLst>
+                        <p:par>
+                          <p:cTn id="9" fill="hold">
+                            <p:stCondLst>
+                              <p:cond delay="0"/>
+                            </p:stCondLst>
+                            <p:childTnLst>
+                              <p:par>
+                                <p:cTn id="10" presetID="2" presetClass="entr" presetSubtype="4" fill="hold" nodeType="clickEffect">
+                                  <p:stCondLst>
+                                    <p:cond delay="0"/>
+                                  </p:stCondLst>
+                                  <p:childTnLst>
+                                    <p:set>
+                                      <p:cBhvr>
+                                        <p:cTn id="11" dur="1" fill="hold">
+                                          <p:stCondLst>
+                                            <p:cond delay="0"/>
+                                          </p:stCondLst>
+                                        </p:cTn>
+                                        <p:tgtEl>
+                                          <p:spTgt spid="4"/>
+                                        </p:tgtEl>
+                                        <p:attrNameLst>
+                                          <p:attrName>style.visibility</p:attrName>
+                                        </p:attrNameLst>
+                                      </p:cBhvr>
+                                      <p:to>
+                                        <p:strVal val="visible"/>
+                                      </p:to>
+                                    </p:set>
+                                    <p:anim calcmode="lin" valueType="num">
+                                      <p:cBhvr additive="base">
+                                        <p:cTn id="12" dur="500" fill="hold"/>
+                                        <p:tgtEl>
+                                          <p:spTgt spid="4"/>
+                                        </p:tgtEl>
+                                        <p:attrNameLst>
+                                          <p:attrName>ppt_x</p:attrName>
+                                        </p:attrNameLst>
+                                      </p:cBhvr>
+                                      <p:tavLst>
+                                        <p:tav tm="0">
+                                          <p:val>
+                                            <p:strVal val="#ppt_x"/>
+                                          </p:val>
+                                        </p:tav>
+                                        <p:tav tm="100000">
+                                          <p:val>
+                                            <p:strVal val="#ppt_x"/>
+                                          </p:val>
+                                        </p:tav>
+                                      </p:tavLst>
+                                    </p:anim>
+                                    <p:anim calcmode="lin" valueType="num">
+                                      <p:cBhvr additive="base">
+                                        <p:cTn id="13" dur="500" fill="hold"/>
+                                        <p:tgtEl>
+                                          <p:spTgt spid="4"/>
+                                        </p:tgtEl>
+                                        <p:attrNameLst>
+                                          <p:attrName>ppt_y</p:attrName>
+                                        </p:attrNameLst>
+                                      </p:cBhvr>
+                                      <p:tavLst>
+                                        <p:tav tm="0">
+                                          <p:val>
+                                            <p:strVal val="1+#ppt_h/2"/>
+                                          </p:val>
+                                        </p:tav>
+                                        <p:tav tm="100000">
+                                          <p:val>
+                                            <p:strVal val="#ppt_y"/>
+                                          </p:val>
+                                        </p:tav>
+                                      </p:tavLst>
+                                    </p:anim>
+                                  </p:childTnLst>
+                                </p:cTn>
+                              </p:par>
+                            </p:childTnLst>
+                          </p:cTn>
+                        </p:par>
+                      </p:childTnLst>
+                    </p:cTn>
+                  </p:par>
+                  <p:par>
+                    <p:cTn id="14" fill="hold">
+                      <p:stCondLst>
+                        <p:cond delay="indefinite"/>
+                      </p:stCondLst>
+                      <p:childTnLst>
+                        <p:par>
+                          <p:cTn id="15" fill="hold">
+                            <p:stCondLst>
+                              <p:cond delay="0"/>
+                            </p:stCondLst>
+                            <p:childTnLst>
+                              <p:par>
+                                <p:cTn id="16" presetID="10" presetClass="entr" presetSubtype="0" fill="hold" nodeType="clickEffect">
+                                  <p:stCondLst>
+                                    <p:cond delay="0"/>
+                                  </p:stCondLst>
+                                  <p:childTnLst>
+                                    <p:set>
+                                      <p:cBhvr>
+                                        <p:cTn id="17" dur="1" fill="hold">
+                                          <p:stCondLst>
+                                            <p:cond delay="0"/>
+                                          </p:stCondLst>
+                                        </p:cTn>
+                                        <p:tgtEl>
+                                          <p:spTgt spid="3">
+                                            <p:txEl>
+                                              <p:pRg st="1" end="1"/>
+                                            </p:txEl>
+                                          </p:spTgt>
+                                        </p:tgtEl>
+                                        <p:attrNameLst>
+                                          <p:attrName>style.visibility</p:attrName>
+                                        </p:attrNameLst>
+                                      </p:cBhvr>
+                                      <p:to>
+                                        <p:strVal val="visible"/>
+                                      </p:to>
+                                    </p:set>
+                                    <p:animEffect transition="in" filter="fade">
+                                      <p:cBhvr>
+                                        <p:cTn id="18" dur="500"/>
+                                        <p:tgtEl>
+                                          <p:spTgt spid="3">
+                                            <p:txEl>
+                                              <p:pRg st="1" end="1"/>
+                                            </p:txEl>
+                                          </p:spTgt>
+                                        </p:tgtEl>
+                                      </p:cBhvr>
+                                    </p:animEffect>
+                                  </p:childTnLst>
+                                </p:cTn>
+                              </p:par>
+                              <p:par>
+                                <p:cTn id="19" presetID="10" presetClass="entr" presetSubtype="0" fill="hold" nodeType="withEffect">
+                                  <p:stCondLst>
+                                    <p:cond delay="0"/>
+                                  </p:stCondLst>
+                                  <p:childTnLst>
+                                    <p:set>
+                                      <p:cBhvr>
+                                        <p:cTn id="20" dur="1" fill="hold">
+                                          <p:stCondLst>
+                                            <p:cond delay="0"/>
+                                          </p:stCondLst>
+                                        </p:cTn>
+                                        <p:tgtEl>
+                                          <p:spTgt spid="3">
+                                            <p:txEl>
+                                              <p:pRg st="2" end="2"/>
+                                            </p:txEl>
+                                          </p:spTgt>
+                                        </p:tgtEl>
+                                        <p:attrNameLst>
+                                          <p:attrName>style.visibility</p:attrName>
+                                        </p:attrNameLst>
+                                      </p:cBhvr>
+                                      <p:to>
+                                        <p:strVal val="visible"/>
+                                      </p:to>
+                                    </p:set>
+                                    <p:animEffect transition="in" filter="fade">
+                                      <p:cBhvr>
+                                        <p:cTn id="21" dur="500"/>
+                                        <p:tgtEl>
+                                          <p:spTgt spid="3">
+                                            <p:txEl>
+                                              <p:pRg st="2" end="2"/>
+                                            </p:txEl>
+                                          </p:spTgt>
+                                        </p:tgtEl>
+                                      </p:cBhvr>
+                                    </p:animEffect>
+                                  </p:childTnLst>
+                                </p:cTn>
+                              </p:par>
+                              <p:par>
+                                <p:cTn id="22" presetID="10" presetClass="entr" presetSubtype="0" fill="hold" nodeType="withEffect">
+                                  <p:stCondLst>
+                                    <p:cond delay="0"/>
+                                  </p:stCondLst>
+                                  <p:childTnLst>
+                                    <p:set>
+                                      <p:cBhvr>
+                                        <p:cTn id="23" dur="1" fill="hold">
+                                          <p:stCondLst>
+                                            <p:cond delay="0"/>
+                                          </p:stCondLst>
+                                        </p:cTn>
+                                        <p:tgtEl>
+                                          <p:spTgt spid="3">
+                                            <p:txEl>
+                                              <p:pRg st="3" end="3"/>
+                                            </p:txEl>
+                                          </p:spTgt>
+                                        </p:tgtEl>
+                                        <p:attrNameLst>
+                                          <p:attrName>style.visibility</p:attrName>
+                                        </p:attrNameLst>
+                                      </p:cBhvr>
+                                      <p:to>
+                                        <p:strVal val="visible"/>
+                                      </p:to>
+                                    </p:set>
+                                    <p:animEffect transition="in" filter="fade">
+                                      <p:cBhvr>
+                                        <p:cTn id="24" dur="500"/>
+                                        <p:tgtEl>
+                                          <p:spTgt spid="3">
+                                            <p:txEl>
+                                              <p:pRg st="3" end="3"/>
+                                            </p:txEl>
+                                          </p:spTgt>
+                                        </p:tgtEl>
+                                      </p:cBhvr>
+                                    </p:animEffect>
+                                  </p:childTnLst>
+                                </p:cTn>
+                              </p:par>
+                            </p:childTnLst>
+                          </p:cTn>
+                        </p:par>
+                      </p:childTnLst>
+                    </p:cTn>
+                  </p:par>
+                </p:childTnLst>
+              </p:cTn>
+              <p:prevCondLst>
+                <p:cond evt="onPrev" delay="0">
+                  <p:tgtEl>
+                    <p:sldTgt/>
+                  </p:tgtEl>
+                </p:cond>
+              </p:prevCondLst>
+              <p:nextCondLst>
+                <p:cond evt="onNext" delay="0">
+                  <p:tgtEl>
+                    <p:sldTgt/>
+                  </p:tgtEl>
+                </p:cond>
+              </p:nextCondLst>
+            </p:seq>
+          </p:childTnLst>
+        </p:cTn>
+      </p:par>
+    </p:tnLst>
+  </p:timing>
+</p:sld>
+</file>
+
+<file path=ppt/slides/slide12.xml><?xml version="1.0" encoding="utf-8"?>
+<p:sld xmlns:a="http://schemas.openxmlformats.org/drawingml/2006/main" xmlns:r="http://schemas.openxmlformats.org/officeDocument/2006/relationships" xmlns:p="http://schemas.openxmlformats.org/presentationml/2006/main">
+  <p:cSld>
+    <p:spTree>
+      <p:nvGrpSpPr>
+        <p:cNvPr id="1" name=""/>
+        <p:cNvGrpSpPr/>
+        <p:nvPr/>
+      </p:nvGrpSpPr>
+      <p:grpSpPr>
+        <a:xfrm>
+          <a:off x="0" y="0"/>
+          <a:ext cx="0" cy="0"/>
+          <a:chOff x="0" y="0"/>
+          <a:chExt cx="0" cy="0"/>
+        </a:xfrm>
+      </p:grpSpPr>
+      <p:sp>
+        <p:nvSpPr>
+          <p:cNvPr id="2" name="Title 1"/>
+          <p:cNvSpPr>
+            <a:spLocks noGrp="1"/>
+          </p:cNvSpPr>
+          <p:nvPr>
+            <p:ph type="title"/>
+          </p:nvPr>
+        </p:nvSpPr>
+        <p:spPr/>
+        <p:txBody>
+          <a:bodyPr/>
+          <a:lstStyle/>
+          <a:p>
+            <a:r>
+              <a:rPr lang="en-US" dirty="0" smtClean="0"/>
+              <a:t>…</a:t>
+            </a:r>
+            <a:endParaRPr lang="en-US" dirty="0"/>
+          </a:p>
+        </p:txBody>
+      </p:sp>
+      <p:sp>
+        <p:nvSpPr>
+          <p:cNvPr id="3" name="Content Placeholder 2"/>
+          <p:cNvSpPr>
+            <a:spLocks noGrp="1"/>
+          </p:cNvSpPr>
+          <p:nvPr>
+            <p:ph idx="1"/>
+          </p:nvPr>
+        </p:nvSpPr>
+        <p:spPr>
+          <a:xfrm>
+            <a:off x="1103313" y="1852613"/>
+            <a:ext cx="8947150" cy="4195762"/>
+          </a:xfrm>
+        </p:spPr>
+        <p:txBody>
+          <a:bodyPr/>
+          <a:lstStyle/>
+          <a:p>
+            <a:r>
+              <a:rPr lang="en-US" dirty="0" smtClean="0"/>
+              <a:t>We do not  need to </a:t>
+            </a:r>
+            <a:r>
+              <a:rPr lang="en-ZA" dirty="0" smtClean="0"/>
+              <a:t>process </a:t>
+            </a:r>
+            <a:r>
+              <a:rPr lang="en-ZA" dirty="0"/>
+              <a:t>the kernel for an extended edge pixel </a:t>
+            </a:r>
+            <a:endParaRPr lang="en-ZA" dirty="0" smtClean="0"/>
+          </a:p>
+          <a:p>
+            <a:pPr marL="0" indent="0">
+              <a:buNone/>
+            </a:pPr>
+            <a:r>
+              <a:rPr lang="en-ZA" dirty="0"/>
+              <a:t>	</a:t>
+            </a:r>
+            <a:r>
+              <a:rPr lang="en-ZA" dirty="0" smtClean="0"/>
+              <a:t>-&gt; </a:t>
+            </a:r>
+            <a:r>
+              <a:rPr lang="en-ZA" dirty="0"/>
+              <a:t>not part of final </a:t>
+            </a:r>
+            <a:r>
+              <a:rPr lang="en-ZA" dirty="0" smtClean="0"/>
+              <a:t>image.</a:t>
+            </a:r>
+          </a:p>
+          <a:p>
+            <a:r>
+              <a:rPr lang="en-ZA" dirty="0"/>
+              <a:t>Although we are using “false” picture </a:t>
+            </a:r>
+            <a:endParaRPr lang="en-ZA" dirty="0" smtClean="0"/>
+          </a:p>
+          <a:p>
+            <a:pPr marL="0" indent="0">
+              <a:buNone/>
+            </a:pPr>
+            <a:r>
+              <a:rPr lang="en-ZA" dirty="0"/>
+              <a:t>	</a:t>
+            </a:r>
+            <a:r>
+              <a:rPr lang="en-ZA" dirty="0" smtClean="0"/>
+              <a:t>information, it </a:t>
+            </a:r>
+            <a:r>
+              <a:rPr lang="en-ZA" dirty="0"/>
+              <a:t>is only a very small </a:t>
+            </a:r>
+            <a:endParaRPr lang="en-ZA" dirty="0" smtClean="0"/>
+          </a:p>
+          <a:p>
+            <a:pPr marL="0" indent="0">
+              <a:buNone/>
+            </a:pPr>
+            <a:r>
+              <a:rPr lang="en-ZA" dirty="0"/>
+              <a:t>	</a:t>
+            </a:r>
+            <a:r>
+              <a:rPr lang="en-ZA" dirty="0" smtClean="0"/>
+              <a:t>percentage </a:t>
+            </a:r>
+            <a:r>
+              <a:rPr lang="en-ZA" dirty="0"/>
+              <a:t>of the image.</a:t>
+            </a:r>
+            <a:endParaRPr lang="en-US" dirty="0"/>
+          </a:p>
+        </p:txBody>
+      </p:sp>
+      <p:pic>
+        <p:nvPicPr>
+          <p:cNvPr id="4" name="Picture 3"/>
+          <p:cNvPicPr>
+            <a:picLocks noChangeAspect="1"/>
+          </p:cNvPicPr>
+          <p:nvPr/>
+        </p:nvPicPr>
+        <p:blipFill>
+          <a:blip r:embed="rId2">
+            <a:extLst>
+              <a:ext uri="{28A0092B-C50C-407E-A947-70E740481C1C}">
+                <a14:useLocalDpi xmlns:a14="http://schemas.microsoft.com/office/drawing/2010/main" val="0"/>
+              </a:ext>
+            </a:extLst>
+          </a:blip>
+          <a:stretch>
+            <a:fillRect/>
+          </a:stretch>
+        </p:blipFill>
+        <p:spPr>
+          <a:xfrm>
+            <a:off x="6533098" y="2849004"/>
+            <a:ext cx="3200847" cy="3048425"/>
+          </a:xfrm>
+          <a:prstGeom prst="rect">
+            <a:avLst/>
+          </a:prstGeom>
+        </p:spPr>
+      </p:pic>
+    </p:spTree>
+    <p:extLst>
+      <p:ext uri="{BB962C8B-B14F-4D97-AF65-F5344CB8AC3E}">
+        <p14:creationId xmlns:p14="http://schemas.microsoft.com/office/powerpoint/2010/main" val="1851805217"/>
+      </p:ext>
+    </p:extLst>
+  </p:cSld>
+  <p:clrMapOvr>
+    <a:masterClrMapping/>
+  </p:clrMapOvr>
+  <p:timing>
+    <p:tnLst>
+      <p:par>
+        <p:cTn id="1" dur="indefinite" restart="never" nodeType="tmRoot">
+          <p:childTnLst>
+            <p:seq concurrent="1" nextAc="seek">
+              <p:cTn id="2" dur="indefinite" nodeType="mainSeq">
+                <p:childTnLst>
+                  <p:par>
+                    <p:cTn id="3" fill="hold">
+                      <p:stCondLst>
+                        <p:cond delay="indefinite"/>
+                      </p:stCondLst>
+                      <p:childTnLst>
+                        <p:par>
+                          <p:cTn id="4" fill="hold">
+                            <p:stCondLst>
+                              <p:cond delay="0"/>
+                            </p:stCondLst>
+                            <p:childTnLst>
+                              <p:par>
+                                <p:cTn id="5" presetID="10" presetClass="entr" presetSubtype="0" fill="hold" nodeType="clickEffect">
+                                  <p:stCondLst>
+                                    <p:cond delay="0"/>
+                                  </p:stCondLst>
+                                  <p:childTnLst>
+                                    <p:set>
+                                      <p:cBhvr>
+                                        <p:cTn id="6" dur="1" fill="hold">
+                                          <p:stCondLst>
+                                            <p:cond delay="0"/>
+                                          </p:stCondLst>
+                                        </p:cTn>
+                                        <p:tgtEl>
+                                          <p:spTgt spid="3">
+                                            <p:txEl>
+                                              <p:pRg st="0" end="0"/>
+                                            </p:txEl>
+                                          </p:spTgt>
+                                        </p:tgtEl>
+                                        <p:attrNameLst>
+                                          <p:attrName>style.visibility</p:attrName>
+                                        </p:attrNameLst>
+                                      </p:cBhvr>
+                                      <p:to>
+                                        <p:strVal val="visible"/>
+                                      </p:to>
+                                    </p:set>
+                                    <p:animEffect transition="in" filter="fade">
+                                      <p:cBhvr>
+                                        <p:cTn id="7" dur="500"/>
+                                        <p:tgtEl>
+                                          <p:spTgt spid="3">
+                                            <p:txEl>
+                                              <p:pRg st="0" end="0"/>
+                                            </p:txEl>
+                                          </p:spTgt>
+                                        </p:tgtEl>
+                                      </p:cBhvr>
+                                    </p:animEffect>
+                                  </p:childTnLst>
+                                </p:cTn>
+                              </p:par>
+                              <p:par>
+                                <p:cTn id="8" presetID="10" presetClass="entr" presetSubtype="0" fill="hold" nodeType="withEffect">
+                                  <p:stCondLst>
+                                    <p:cond delay="0"/>
+                                  </p:stCondLst>
+                                  <p:childTnLst>
+                                    <p:set>
+                                      <p:cBhvr>
+                                        <p:cTn id="9" dur="1" fill="hold">
+                                          <p:stCondLst>
+                                            <p:cond delay="0"/>
+                                          </p:stCondLst>
+                                        </p:cTn>
+                                        <p:tgtEl>
+                                          <p:spTgt spid="3">
+                                            <p:txEl>
+                                              <p:pRg st="1" end="1"/>
+                                            </p:txEl>
+                                          </p:spTgt>
+                                        </p:tgtEl>
+                                        <p:attrNameLst>
+                                          <p:attrName>style.visibility</p:attrName>
+                                        </p:attrNameLst>
+                                      </p:cBhvr>
+                                      <p:to>
+                                        <p:strVal val="visible"/>
+                                      </p:to>
+                                    </p:set>
+                                    <p:animEffect transition="in" filter="fade">
+                                      <p:cBhvr>
+                                        <p:cTn id="10" dur="500"/>
+                                        <p:tgtEl>
+                                          <p:spTgt spid="3">
+                                            <p:txEl>
+                                              <p:pRg st="1" end="1"/>
+                                            </p:txEl>
+                                          </p:spTgt>
+                                        </p:tgtEl>
+                                      </p:cBhvr>
+                                    </p:animEffect>
+                                  </p:childTnLst>
+                                </p:cTn>
+                              </p:par>
+                            </p:childTnLst>
+                          </p:cTn>
+                        </p:par>
+                      </p:childTnLst>
+                    </p:cTn>
+                  </p:par>
+                  <p:par>
+                    <p:cTn id="11" fill="hold">
+                      <p:stCondLst>
+                        <p:cond delay="indefinite"/>
+                      </p:stCondLst>
+                      <p:childTnLst>
+                        <p:par>
+                          <p:cTn id="12" fill="hold">
+                            <p:stCondLst>
+                              <p:cond delay="0"/>
+                            </p:stCondLst>
+                            <p:childTnLst>
+                              <p:par>
+                                <p:cTn id="13" presetID="2" presetClass="entr" presetSubtype="4" fill="hold" nodeType="clickEffect">
+                                  <p:stCondLst>
+                                    <p:cond delay="0"/>
+                                  </p:stCondLst>
+                                  <p:childTnLst>
+                                    <p:set>
+                                      <p:cBhvr>
+                                        <p:cTn id="14" dur="1" fill="hold">
+                                          <p:stCondLst>
+                                            <p:cond delay="0"/>
+                                          </p:stCondLst>
+                                        </p:cTn>
+                                        <p:tgtEl>
+                                          <p:spTgt spid="4"/>
+                                        </p:tgtEl>
+                                        <p:attrNameLst>
+                                          <p:attrName>style.visibility</p:attrName>
+                                        </p:attrNameLst>
+                                      </p:cBhvr>
+                                      <p:to>
+                                        <p:strVal val="visible"/>
+                                      </p:to>
+                                    </p:set>
+                                    <p:anim calcmode="lin" valueType="num">
+                                      <p:cBhvr additive="base">
+                                        <p:cTn id="15" dur="500" fill="hold"/>
+                                        <p:tgtEl>
+                                          <p:spTgt spid="4"/>
+                                        </p:tgtEl>
+                                        <p:attrNameLst>
+                                          <p:attrName>ppt_x</p:attrName>
+                                        </p:attrNameLst>
+                                      </p:cBhvr>
+                                      <p:tavLst>
+                                        <p:tav tm="0">
+                                          <p:val>
+                                            <p:strVal val="#ppt_x"/>
+                                          </p:val>
+                                        </p:tav>
+                                        <p:tav tm="100000">
+                                          <p:val>
+                                            <p:strVal val="#ppt_x"/>
+                                          </p:val>
+                                        </p:tav>
+                                      </p:tavLst>
+                                    </p:anim>
+                                    <p:anim calcmode="lin" valueType="num">
+                                      <p:cBhvr additive="base">
+                                        <p:cTn id="16" dur="500" fill="hold"/>
+                                        <p:tgtEl>
+                                          <p:spTgt spid="4"/>
+                                        </p:tgtEl>
+                                        <p:attrNameLst>
+                                          <p:attrName>ppt_y</p:attrName>
+                                        </p:attrNameLst>
+                                      </p:cBhvr>
+                                      <p:tavLst>
+                                        <p:tav tm="0">
+                                          <p:val>
+                                            <p:strVal val="1+#ppt_h/2"/>
+                                          </p:val>
+                                        </p:tav>
+                                        <p:tav tm="100000">
+                                          <p:val>
+                                            <p:strVal val="#ppt_y"/>
+                                          </p:val>
+                                        </p:tav>
+                                      </p:tavLst>
+                                    </p:anim>
+                                  </p:childTnLst>
+                                </p:cTn>
+                              </p:par>
+                            </p:childTnLst>
+                          </p:cTn>
+                        </p:par>
+                      </p:childTnLst>
+                    </p:cTn>
+                  </p:par>
+                  <p:par>
+                    <p:cTn id="17" fill="hold">
+                      <p:stCondLst>
+                        <p:cond delay="indefinite"/>
+                      </p:stCondLst>
+                      <p:childTnLst>
+                        <p:par>
+                          <p:cTn id="18" fill="hold">
+                            <p:stCondLst>
+                              <p:cond delay="0"/>
+                            </p:stCondLst>
+                            <p:childTnLst>
+                              <p:par>
+                                <p:cTn id="19" presetID="10" presetClass="entr" presetSubtype="0" fill="hold" nodeType="clickEffect">
+                                  <p:stCondLst>
+                                    <p:cond delay="0"/>
+                                  </p:stCondLst>
+                                  <p:childTnLst>
+                                    <p:set>
+                                      <p:cBhvr>
+                                        <p:cTn id="20" dur="1" fill="hold">
+                                          <p:stCondLst>
+                                            <p:cond delay="0"/>
+                                          </p:stCondLst>
+                                        </p:cTn>
+                                        <p:tgtEl>
+                                          <p:spTgt spid="3">
+                                            <p:txEl>
+                                              <p:pRg st="2" end="2"/>
+                                            </p:txEl>
+                                          </p:spTgt>
+                                        </p:tgtEl>
+                                        <p:attrNameLst>
+                                          <p:attrName>style.visibility</p:attrName>
+                                        </p:attrNameLst>
+                                      </p:cBhvr>
+                                      <p:to>
+                                        <p:strVal val="visible"/>
+                                      </p:to>
+                                    </p:set>
+                                    <p:animEffect transition="in" filter="fade">
+                                      <p:cBhvr>
+                                        <p:cTn id="21" dur="500"/>
+                                        <p:tgtEl>
+                                          <p:spTgt spid="3">
+                                            <p:txEl>
+                                              <p:pRg st="2" end="2"/>
+                                            </p:txEl>
+                                          </p:spTgt>
+                                        </p:tgtEl>
+                                      </p:cBhvr>
+                                    </p:animEffect>
+                                  </p:childTnLst>
+                                </p:cTn>
+                              </p:par>
+                              <p:par>
+                                <p:cTn id="22" presetID="10" presetClass="entr" presetSubtype="0" fill="hold" nodeType="withEffect">
+                                  <p:stCondLst>
+                                    <p:cond delay="0"/>
+                                  </p:stCondLst>
+                                  <p:childTnLst>
+                                    <p:set>
+                                      <p:cBhvr>
+                                        <p:cTn id="23" dur="1" fill="hold">
+                                          <p:stCondLst>
+                                            <p:cond delay="0"/>
+                                          </p:stCondLst>
+                                        </p:cTn>
+                                        <p:tgtEl>
+                                          <p:spTgt spid="3">
+                                            <p:txEl>
+                                              <p:pRg st="3" end="3"/>
+                                            </p:txEl>
+                                          </p:spTgt>
+                                        </p:tgtEl>
+                                        <p:attrNameLst>
+                                          <p:attrName>style.visibility</p:attrName>
+                                        </p:attrNameLst>
+                                      </p:cBhvr>
+                                      <p:to>
+                                        <p:strVal val="visible"/>
+                                      </p:to>
+                                    </p:set>
+                                    <p:animEffect transition="in" filter="fade">
+                                      <p:cBhvr>
+                                        <p:cTn id="24" dur="500"/>
+                                        <p:tgtEl>
+                                          <p:spTgt spid="3">
+                                            <p:txEl>
+                                              <p:pRg st="3" end="3"/>
+                                            </p:txEl>
+                                          </p:spTgt>
+                                        </p:tgtEl>
+                                      </p:cBhvr>
+                                    </p:animEffect>
+                                  </p:childTnLst>
+                                </p:cTn>
+                              </p:par>
+                              <p:par>
+                                <p:cTn id="25" presetID="10" presetClass="entr" presetSubtype="0" fill="hold" nodeType="withEffect">
+                                  <p:stCondLst>
+                                    <p:cond delay="0"/>
+                                  </p:stCondLst>
+                                  <p:childTnLst>
+                                    <p:set>
+                                      <p:cBhvr>
+                                        <p:cTn id="26" dur="1" fill="hold">
+                                          <p:stCondLst>
+                                            <p:cond delay="0"/>
+                                          </p:stCondLst>
+                                        </p:cTn>
+                                        <p:tgtEl>
+                                          <p:spTgt spid="3">
+                                            <p:txEl>
+                                              <p:pRg st="4" end="4"/>
+                                            </p:txEl>
+                                          </p:spTgt>
+                                        </p:tgtEl>
+                                        <p:attrNameLst>
+                                          <p:attrName>style.visibility</p:attrName>
+                                        </p:attrNameLst>
+                                      </p:cBhvr>
+                                      <p:to>
+                                        <p:strVal val="visible"/>
+                                      </p:to>
+                                    </p:set>
+                                    <p:animEffect transition="in" filter="fade">
+                                      <p:cBhvr>
+                                        <p:cTn id="27" dur="500"/>
+                                        <p:tgtEl>
+                                          <p:spTgt spid="3">
+                                            <p:txEl>
+                                              <p:pRg st="4" end="4"/>
+                                            </p:txEl>
+                                          </p:spTgt>
+                                        </p:tgtEl>
+                                      </p:cBhvr>
+                                    </p:animEffect>
+                                  </p:childTnLst>
+                                </p:cTn>
+                              </p:par>
+                            </p:childTnLst>
+                          </p:cTn>
+                        </p:par>
+                      </p:childTnLst>
+                    </p:cTn>
+                  </p:par>
+                </p:childTnLst>
+              </p:cTn>
+              <p:prevCondLst>
+                <p:cond evt="onPrev" delay="0">
+                  <p:tgtEl>
+                    <p:sldTgt/>
+                  </p:tgtEl>
+                </p:cond>
+              </p:prevCondLst>
+              <p:nextCondLst>
+                <p:cond evt="onNext" delay="0">
+                  <p:tgtEl>
+                    <p:sldTgt/>
+                  </p:tgtEl>
+                </p:cond>
+              </p:nextCondLst>
+            </p:seq>
+          </p:childTnLst>
+        </p:cTn>
+      </p:par>
+    </p:tnLst>
+  </p:timing>
+</p:sld>
+</file>
+
+<file path=ppt/slides/slide13.xml><?xml version="1.0" encoding="utf-8"?>
+<p:sld xmlns:a="http://schemas.openxmlformats.org/drawingml/2006/main" xmlns:r="http://schemas.openxmlformats.org/officeDocument/2006/relationships" xmlns:p="http://schemas.openxmlformats.org/presentationml/2006/main">
+  <p:cSld>
+    <p:spTree>
+      <p:nvGrpSpPr>
+        <p:cNvPr id="1" name=""/>
+        <p:cNvGrpSpPr/>
+        <p:nvPr/>
+      </p:nvGrpSpPr>
+      <p:grpSpPr>
+        <a:xfrm>
+          <a:off x="0" y="0"/>
+          <a:ext cx="0" cy="0"/>
+          <a:chOff x="0" y="0"/>
+          <a:chExt cx="0" cy="0"/>
+        </a:xfrm>
+      </p:grpSpPr>
+      <p:sp>
+        <p:nvSpPr>
+          <p:cNvPr id="11266" name="Title 1"/>
+          <p:cNvSpPr>
+            <a:spLocks noGrp="1"/>
+          </p:cNvSpPr>
+          <p:nvPr>
+            <p:ph type="title"/>
+          </p:nvPr>
+        </p:nvSpPr>
+        <p:spPr/>
+        <p:txBody>
+          <a:bodyPr/>
+          <a:lstStyle/>
+          <a:p>
+            <a:pPr eaLnBrk="1" hangingPunct="1"/>
+            <a:r>
+              <a:rPr lang="en-ZA" dirty="0" smtClean="0"/>
+              <a:t>Parallel Implementation</a:t>
+            </a:r>
+            <a:r>
+              <a:rPr lang="en-US" dirty="0" smtClean="0"/>
+              <a:t>:</a:t>
+            </a:r>
+            <a:br>
+              <a:rPr lang="en-US" dirty="0" smtClean="0"/>
+            </a:br>
+            <a:endParaRPr lang="en-US" dirty="0" smtClean="0"/>
+          </a:p>
+        </p:txBody>
+      </p:sp>
+      <p:sp>
+        <p:nvSpPr>
+          <p:cNvPr id="3" name="Content Placeholder 2"/>
+          <p:cNvSpPr>
+            <a:spLocks noGrp="1"/>
+          </p:cNvSpPr>
+          <p:nvPr>
+            <p:ph idx="1"/>
+          </p:nvPr>
+        </p:nvSpPr>
+        <p:spPr>
+          <a:xfrm>
+            <a:off x="1103313" y="1357313"/>
+            <a:ext cx="8947150" cy="5162550"/>
+          </a:xfrm>
+        </p:spPr>
+        <p:txBody>
+          <a:bodyPr rtlCol="0">
+            <a:normAutofit/>
+          </a:bodyPr>
+          <a:lstStyle/>
+          <a:p>
+            <a:pPr eaLnBrk="1" fontAlgn="auto" hangingPunct="1">
+              <a:spcAft>
+                <a:spcPts val="0"/>
+              </a:spcAft>
+              <a:buClr>
+                <a:schemeClr val="bg2">
+                  <a:lumMod val="40000"/>
+                  <a:lumOff val="60000"/>
+                </a:schemeClr>
+              </a:buClr>
+              <a:buFont typeface="Wingdings 3" charset="2"/>
+              <a:buChar char=""/>
+              <a:defRPr/>
+            </a:pPr>
+            <a:r>
+              <a:rPr lang="en-ZA" dirty="0"/>
+              <a:t>Instead of one thread doing the kernel for a single pixel at a time, we have several</a:t>
+            </a:r>
+            <a:r>
+              <a:rPr lang="en-ZA" dirty="0" smtClean="0"/>
+              <a:t>.</a:t>
+            </a:r>
+            <a:endParaRPr lang="en-US" dirty="0"/>
+          </a:p>
+          <a:p>
+            <a:pPr eaLnBrk="1" fontAlgn="auto" hangingPunct="1">
+              <a:spcAft>
+                <a:spcPts val="0"/>
+              </a:spcAft>
+              <a:buClr>
+                <a:schemeClr val="bg2">
+                  <a:lumMod val="40000"/>
+                  <a:lumOff val="60000"/>
+                </a:schemeClr>
+              </a:buClr>
+              <a:buFont typeface="Wingdings 3" charset="2"/>
+              <a:buChar char=""/>
+              <a:defRPr/>
+            </a:pPr>
+            <a:r>
+              <a:rPr lang="en-ZA" dirty="0"/>
+              <a:t>Let each thread handle one vertical “chunk” of the image. </a:t>
+            </a:r>
+            <a:r>
+              <a:rPr lang="en-US" dirty="0" smtClean="0"/>
+              <a:t>Converting </a:t>
+            </a:r>
+            <a:r>
+              <a:rPr lang="en-US" dirty="0"/>
+              <a:t>Images into a matrix representation of their pixel color values. Both BW and RGB.</a:t>
+            </a:r>
+          </a:p>
+          <a:p>
+            <a:pPr eaLnBrk="1" fontAlgn="auto" hangingPunct="1">
+              <a:spcAft>
+                <a:spcPts val="0"/>
+              </a:spcAft>
+              <a:buClr>
+                <a:schemeClr val="bg2">
+                  <a:lumMod val="40000"/>
+                  <a:lumOff val="60000"/>
+                </a:schemeClr>
+              </a:buClr>
+              <a:buFont typeface="Wingdings 3" charset="2"/>
+              <a:buChar char=""/>
+              <a:defRPr/>
+            </a:pPr>
+            <a:r>
+              <a:rPr lang="en-ZA" dirty="0"/>
+              <a:t>All threads use the same object </a:t>
+            </a:r>
+            <a:endParaRPr lang="en-ZA" dirty="0" smtClean="0"/>
+          </a:p>
+          <a:p>
+            <a:pPr marL="0" indent="0" eaLnBrk="1" fontAlgn="auto" hangingPunct="1">
+              <a:spcAft>
+                <a:spcPts val="0"/>
+              </a:spcAft>
+              <a:buClr>
+                <a:schemeClr val="bg2">
+                  <a:lumMod val="40000"/>
+                  <a:lumOff val="60000"/>
+                </a:schemeClr>
+              </a:buClr>
+              <a:buFont typeface="Wingdings 3" panose="05040102010807070707" pitchFamily="18" charset="2"/>
+              <a:buNone/>
+              <a:defRPr/>
+            </a:pPr>
+            <a:r>
+              <a:rPr lang="en-ZA" dirty="0"/>
+              <a:t> </a:t>
+            </a:r>
+            <a:r>
+              <a:rPr lang="en-ZA" dirty="0" smtClean="0"/>
+              <a:t>    for </a:t>
+            </a:r>
+            <a:r>
+              <a:rPr lang="en-ZA" dirty="0"/>
+              <a:t>reading pixels and the same </a:t>
+            </a:r>
+            <a:endParaRPr lang="en-ZA" dirty="0" smtClean="0"/>
+          </a:p>
+          <a:p>
+            <a:pPr marL="0" indent="0" eaLnBrk="1" fontAlgn="auto" hangingPunct="1">
+              <a:spcAft>
+                <a:spcPts val="0"/>
+              </a:spcAft>
+              <a:buClr>
+                <a:schemeClr val="bg2">
+                  <a:lumMod val="40000"/>
+                  <a:lumOff val="60000"/>
+                </a:schemeClr>
+              </a:buClr>
+              <a:buFont typeface="Wingdings 3" panose="05040102010807070707" pitchFamily="18" charset="2"/>
+              <a:buNone/>
+              <a:defRPr/>
+            </a:pPr>
+            <a:r>
+              <a:rPr lang="en-ZA" dirty="0"/>
+              <a:t> </a:t>
+            </a:r>
+            <a:r>
+              <a:rPr lang="en-ZA" dirty="0" smtClean="0"/>
+              <a:t>    object </a:t>
+            </a:r>
+            <a:r>
+              <a:rPr lang="en-ZA" dirty="0"/>
+              <a:t>for writing pixels.</a:t>
+            </a:r>
+            <a:endParaRPr lang="en-US" dirty="0" smtClean="0"/>
+          </a:p>
+          <a:p>
+            <a:pPr eaLnBrk="1" fontAlgn="auto" hangingPunct="1">
+              <a:spcAft>
+                <a:spcPts val="0"/>
+              </a:spcAft>
+              <a:buClr>
+                <a:schemeClr val="bg2">
+                  <a:lumMod val="40000"/>
+                  <a:lumOff val="60000"/>
+                </a:schemeClr>
+              </a:buClr>
+              <a:buFont typeface="Wingdings 3" charset="2"/>
+              <a:buChar char=""/>
+              <a:defRPr/>
+            </a:pPr>
+            <a:endParaRPr lang="en-US" dirty="0"/>
+          </a:p>
+          <a:p>
+            <a:pPr eaLnBrk="1" fontAlgn="auto" hangingPunct="1">
+              <a:spcAft>
+                <a:spcPts val="0"/>
+              </a:spcAft>
+              <a:buClr>
+                <a:schemeClr val="bg2">
+                  <a:lumMod val="40000"/>
+                  <a:lumOff val="60000"/>
+                </a:schemeClr>
+              </a:buClr>
+              <a:buFont typeface="Wingdings 3" charset="2"/>
+              <a:buChar char=""/>
+              <a:defRPr/>
+            </a:pPr>
+            <a:endParaRPr lang="en-US" dirty="0"/>
+          </a:p>
+          <a:p>
+            <a:pPr eaLnBrk="1" fontAlgn="auto" hangingPunct="1">
+              <a:spcAft>
+                <a:spcPts val="0"/>
+              </a:spcAft>
+              <a:buClr>
+                <a:schemeClr val="bg2">
+                  <a:lumMod val="40000"/>
+                  <a:lumOff val="60000"/>
+                </a:schemeClr>
+              </a:buClr>
+              <a:buFont typeface="Wingdings 3" charset="2"/>
+              <a:buChar char=""/>
+              <a:defRPr/>
+            </a:pPr>
+            <a:endParaRPr lang="en-US" dirty="0"/>
+          </a:p>
+        </p:txBody>
+      </p:sp>
+      <p:pic>
+        <p:nvPicPr>
+          <p:cNvPr id="11268" name="Picture 3"/>
+          <p:cNvPicPr>
+            <a:picLocks noChangeAspect="1" noChangeArrowheads="1"/>
+          </p:cNvPicPr>
+          <p:nvPr/>
+        </p:nvPicPr>
+        <p:blipFill>
+          <a:blip r:embed="rId2">
+            <a:extLst>
+              <a:ext uri="{28A0092B-C50C-407E-A947-70E740481C1C}">
+                <a14:useLocalDpi xmlns:a14="http://schemas.microsoft.com/office/drawing/2010/main" val="0"/>
+              </a:ext>
+            </a:extLst>
+          </a:blip>
+          <a:srcRect/>
+          <a:stretch>
+            <a:fillRect/>
+          </a:stretch>
+        </p:blipFill>
+        <p:spPr bwMode="auto">
+          <a:xfrm>
+            <a:off x="5826125" y="2946400"/>
+            <a:ext cx="3300413" cy="3275013"/>
+          </a:xfrm>
+          <a:prstGeom prst="rect">
+            <a:avLst/>
+          </a:prstGeom>
+          <a:noFill/>
+          <a:ln>
+            <a:noFill/>
+          </a:ln>
+          <a:effectLst/>
+          <a:extLst>
+            <a:ext uri="{909E8E84-426E-40DD-AFC4-6F175D3DCCD1}">
+              <a14:hiddenFill xmlns:a14="http://schemas.microsoft.com/office/drawing/2010/main">
+                <a:blipFill dpi="0" rotWithShape="0">
+                  <a:blip/>
+                  <a:srcRect/>
+                  <a:stretch>
+                    <a:fillRect/>
+                  </a:stretch>
+                </a:blipFill>
+              </a14:hiddenFill>
+            </a:ext>
+            <a:ext uri="{91240B29-F687-4F45-9708-019B960494DF}">
+              <a14:hiddenLine xmlns:a14="http://schemas.microsoft.com/office/drawing/2010/main" w="9525">
+                <a:solidFill>
+                  <a:srgbClr val="3465A4"/>
+                </a:solidFill>
+                <a:round/>
+                <a:headEnd/>
+                <a:tailEnd/>
+              </a14:hiddenLine>
+            </a:ext>
+            <a:ext uri="{AF507438-7753-43E0-B8FC-AC1667EBCBE1}">
+              <a14:hiddenEffects xmlns:a14="http://schemas.microsoft.com/office/drawing/2010/main">
+                <a:effectLst>
+                  <a:outerShdw dist="35921" dir="2700000" algn="ctr" rotWithShape="0">
+                    <a:srgbClr val="808080"/>
+                  </a:outerShdw>
+                </a:effectLst>
+              </a14:hiddenEffects>
+            </a:ext>
+          </a:extLst>
+        </p:spPr>
+      </p:pic>
+    </p:spTree>
+  </p:cSld>
+  <p:clrMapOvr>
+    <a:masterClrMapping/>
+  </p:clrMapOvr>
+  <p:timing>
+    <p:tnLst>
+      <p:par>
+        <p:cTn id="1" dur="indefinite" restart="never" nodeType="tmRoot">
+          <p:childTnLst>
+            <p:seq concurrent="1" nextAc="seek">
+              <p:cTn id="2" dur="indefinite" nodeType="mainSeq">
+                <p:childTnLst>
+                  <p:par>
+                    <p:cTn id="3" fill="hold">
+                      <p:stCondLst>
+                        <p:cond delay="indefinite"/>
+                      </p:stCondLst>
+                      <p:childTnLst>
+                        <p:par>
+                          <p:cTn id="4" fill="hold">
+                            <p:stCondLst>
+                              <p:cond delay="0"/>
+                            </p:stCondLst>
+                            <p:childTnLst>
+                              <p:par>
+                                <p:cTn id="5" presetID="10" presetClass="entr" presetSubtype="0" fill="hold" grpId="0" nodeType="clickEffect">
+                                  <p:stCondLst>
+                                    <p:cond delay="0"/>
+                                  </p:stCondLst>
+                                  <p:childTnLst>
+                                    <p:set>
+                                      <p:cBhvr>
+                                        <p:cTn id="6" dur="1" fill="hold">
+                                          <p:stCondLst>
+                                            <p:cond delay="0"/>
+                                          </p:stCondLst>
+                                        </p:cTn>
+                                        <p:tgtEl>
+                                          <p:spTgt spid="11266"/>
+                                        </p:tgtEl>
+                                        <p:attrNameLst>
+                                          <p:attrName>style.visibility</p:attrName>
+                                        </p:attrNameLst>
+                                      </p:cBhvr>
+                                      <p:to>
+                                        <p:strVal val="visible"/>
+                                      </p:to>
+                                    </p:set>
+                                    <p:animEffect transition="in" filter="fade">
+                                      <p:cBhvr>
+                                        <p:cTn id="7" dur="500"/>
+                                        <p:tgtEl>
+                                          <p:spTgt spid="11266"/>
+                                        </p:tgtEl>
+                                      </p:cBhvr>
+                                    </p:animEffect>
+                                  </p:childTnLst>
+                                </p:cTn>
+                              </p:par>
+                            </p:childTnLst>
+                          </p:cTn>
+                        </p:par>
+                      </p:childTnLst>
+                    </p:cTn>
+                  </p:par>
+                  <p:par>
+                    <p:cTn id="8" fill="hold">
+                      <p:stCondLst>
+                        <p:cond delay="indefinite"/>
+                      </p:stCondLst>
+                      <p:childTnLst>
+                        <p:par>
+                          <p:cTn id="9" fill="hold">
+                            <p:stCondLst>
+                              <p:cond delay="0"/>
+                            </p:stCondLst>
+                            <p:childTnLst>
+                              <p:par>
+                                <p:cTn id="10" presetID="10" presetClass="entr" presetSubtype="0" fill="hold" nodeType="clickEffect">
+                                  <p:stCondLst>
+                                    <p:cond delay="0"/>
+                                  </p:stCondLst>
+                                  <p:childTnLst>
+                                    <p:set>
+                                      <p:cBhvr>
+                                        <p:cTn id="11" dur="1" fill="hold">
+                                          <p:stCondLst>
+                                            <p:cond delay="0"/>
+                                          </p:stCondLst>
+                                        </p:cTn>
+                                        <p:tgtEl>
+                                          <p:spTgt spid="3">
+                                            <p:txEl>
+                                              <p:pRg st="0" end="0"/>
+                                            </p:txEl>
+                                          </p:spTgt>
+                                        </p:tgtEl>
+                                        <p:attrNameLst>
+                                          <p:attrName>style.visibility</p:attrName>
+                                        </p:attrNameLst>
+                                      </p:cBhvr>
+                                      <p:to>
+                                        <p:strVal val="visible"/>
+                                      </p:to>
+                                    </p:set>
+                                    <p:animEffect transition="in" filter="fade">
+                                      <p:cBhvr>
+                                        <p:cTn id="12" dur="500"/>
+                                        <p:tgtEl>
+                                          <p:spTgt spid="3">
+                                            <p:txEl>
+                                              <p:pRg st="0" end="0"/>
+                                            </p:txEl>
+                                          </p:spTgt>
+                                        </p:tgtEl>
+                                      </p:cBhvr>
+                                    </p:animEffect>
+                                  </p:childTnLst>
+                                </p:cTn>
+                              </p:par>
+                            </p:childTnLst>
+                          </p:cTn>
+                        </p:par>
+                      </p:childTnLst>
+                    </p:cTn>
+                  </p:par>
+                  <p:par>
+                    <p:cTn id="13" fill="hold">
+                      <p:stCondLst>
+                        <p:cond delay="indefinite"/>
+                      </p:stCondLst>
+                      <p:childTnLst>
+                        <p:par>
+                          <p:cTn id="14" fill="hold">
+                            <p:stCondLst>
+                              <p:cond delay="0"/>
+                            </p:stCondLst>
+                            <p:childTnLst>
+                              <p:par>
+                                <p:cTn id="15" presetID="10" presetClass="entr" presetSubtype="0" fill="hold" nodeType="clickEffect">
+                                  <p:stCondLst>
+                                    <p:cond delay="0"/>
+                                  </p:stCondLst>
+                                  <p:childTnLst>
+                                    <p:set>
+                                      <p:cBhvr>
+                                        <p:cTn id="16" dur="1" fill="hold">
+                                          <p:stCondLst>
+                                            <p:cond delay="0"/>
+                                          </p:stCondLst>
+                                        </p:cTn>
+                                        <p:tgtEl>
+                                          <p:spTgt spid="3">
+                                            <p:txEl>
+                                              <p:pRg st="1" end="1"/>
+                                            </p:txEl>
+                                          </p:spTgt>
+                                        </p:tgtEl>
+                                        <p:attrNameLst>
+                                          <p:attrName>style.visibility</p:attrName>
+                                        </p:attrNameLst>
+                                      </p:cBhvr>
+                                      <p:to>
+                                        <p:strVal val="visible"/>
+                                      </p:to>
+                                    </p:set>
+                                    <p:animEffect transition="in" filter="fade">
+                                      <p:cBhvr>
+                                        <p:cTn id="17" dur="500"/>
+                                        <p:tgtEl>
+                                          <p:spTgt spid="3">
+                                            <p:txEl>
+                                              <p:pRg st="1" end="1"/>
+                                            </p:txEl>
+                                          </p:spTgt>
+                                        </p:tgtEl>
+                                      </p:cBhvr>
+                                    </p:animEffect>
+                                  </p:childTnLst>
+                                </p:cTn>
+                              </p:par>
+                            </p:childTnLst>
+                          </p:cTn>
+                        </p:par>
+                      </p:childTnLst>
+                    </p:cTn>
+                  </p:par>
+                  <p:par>
+                    <p:cTn id="18" fill="hold">
+                      <p:stCondLst>
+                        <p:cond delay="indefinite"/>
+                      </p:stCondLst>
+                      <p:childTnLst>
+                        <p:par>
+                          <p:cTn id="19" fill="hold">
+                            <p:stCondLst>
+                              <p:cond delay="0"/>
+                            </p:stCondLst>
+                            <p:childTnLst>
+                              <p:par>
+                                <p:cTn id="20" presetID="2" presetClass="entr" presetSubtype="4" fill="hold" nodeType="clickEffect">
+                                  <p:stCondLst>
+                                    <p:cond delay="0"/>
+                                  </p:stCondLst>
+                                  <p:childTnLst>
+                                    <p:set>
+                                      <p:cBhvr>
+                                        <p:cTn id="21" dur="1" fill="hold">
+                                          <p:stCondLst>
+                                            <p:cond delay="0"/>
+                                          </p:stCondLst>
+                                        </p:cTn>
+                                        <p:tgtEl>
+                                          <p:spTgt spid="11268"/>
+                                        </p:tgtEl>
+                                        <p:attrNameLst>
+                                          <p:attrName>style.visibility</p:attrName>
+                                        </p:attrNameLst>
+                                      </p:cBhvr>
+                                      <p:to>
+                                        <p:strVal val="visible"/>
+                                      </p:to>
+                                    </p:set>
+                                    <p:anim calcmode="lin" valueType="num">
+                                      <p:cBhvr additive="base">
+                                        <p:cTn id="22" dur="500" fill="hold"/>
+                                        <p:tgtEl>
+                                          <p:spTgt spid="11268"/>
+                                        </p:tgtEl>
+                                        <p:attrNameLst>
+                                          <p:attrName>ppt_x</p:attrName>
+                                        </p:attrNameLst>
+                                      </p:cBhvr>
+                                      <p:tavLst>
+                                        <p:tav tm="0">
+                                          <p:val>
+                                            <p:strVal val="#ppt_x"/>
+                                          </p:val>
+                                        </p:tav>
+                                        <p:tav tm="100000">
+                                          <p:val>
+                                            <p:strVal val="#ppt_x"/>
+                                          </p:val>
+                                        </p:tav>
+                                      </p:tavLst>
+                                    </p:anim>
+                                    <p:anim calcmode="lin" valueType="num">
+                                      <p:cBhvr additive="base">
+                                        <p:cTn id="23" dur="500" fill="hold"/>
+                                        <p:tgtEl>
+                                          <p:spTgt spid="11268"/>
+                                        </p:tgtEl>
+                                        <p:attrNameLst>
+                                          <p:attrName>ppt_y</p:attrName>
+                                        </p:attrNameLst>
+                                      </p:cBhvr>
+                                      <p:tavLst>
+                                        <p:tav tm="0">
+                                          <p:val>
+                                            <p:strVal val="1+#ppt_h/2"/>
+                                          </p:val>
+                                        </p:tav>
+                                        <p:tav tm="100000">
+                                          <p:val>
+                                            <p:strVal val="#ppt_y"/>
+                                          </p:val>
+                                        </p:tav>
+                                      </p:tavLst>
+                                    </p:anim>
+                                  </p:childTnLst>
+                                </p:cTn>
+                              </p:par>
+                            </p:childTnLst>
+                          </p:cTn>
+                        </p:par>
+                      </p:childTnLst>
+                    </p:cTn>
+                  </p:par>
+                  <p:par>
+                    <p:cTn id="24" fill="hold">
+                      <p:stCondLst>
+                        <p:cond delay="indefinite"/>
+                      </p:stCondLst>
+                      <p:childTnLst>
+                        <p:par>
+                          <p:cTn id="25" fill="hold">
+                            <p:stCondLst>
+                              <p:cond delay="0"/>
+                            </p:stCondLst>
+                            <p:childTnLst>
+                              <p:par>
+                                <p:cTn id="26" presetID="10" presetClass="entr" presetSubtype="0" fill="hold" nodeType="clickEffect">
+                                  <p:stCondLst>
+                                    <p:cond delay="0"/>
+                                  </p:stCondLst>
+                                  <p:childTnLst>
+                                    <p:set>
+                                      <p:cBhvr>
+                                        <p:cTn id="27" dur="1" fill="hold">
+                                          <p:stCondLst>
+                                            <p:cond delay="0"/>
+                                          </p:stCondLst>
+                                        </p:cTn>
+                                        <p:tgtEl>
+                                          <p:spTgt spid="3">
+                                            <p:txEl>
+                                              <p:pRg st="2" end="2"/>
+                                            </p:txEl>
+                                          </p:spTgt>
+                                        </p:tgtEl>
+                                        <p:attrNameLst>
+                                          <p:attrName>style.visibility</p:attrName>
+                                        </p:attrNameLst>
+                                      </p:cBhvr>
+                                      <p:to>
+                                        <p:strVal val="visible"/>
+                                      </p:to>
+                                    </p:set>
+                                    <p:animEffect transition="in" filter="fade">
+                                      <p:cBhvr>
+                                        <p:cTn id="28" dur="500"/>
+                                        <p:tgtEl>
+                                          <p:spTgt spid="3">
+                                            <p:txEl>
+                                              <p:pRg st="2" end="2"/>
+                                            </p:txEl>
+                                          </p:spTgt>
+                                        </p:tgtEl>
+                                      </p:cBhvr>
+                                    </p:animEffect>
+                                  </p:childTnLst>
+                                </p:cTn>
+                              </p:par>
+                              <p:par>
+                                <p:cTn id="29" presetID="10" presetClass="entr" presetSubtype="0" fill="hold" nodeType="withEffect">
+                                  <p:stCondLst>
+                                    <p:cond delay="0"/>
+                                  </p:stCondLst>
+                                  <p:childTnLst>
+                                    <p:set>
+                                      <p:cBhvr>
+                                        <p:cTn id="30" dur="1" fill="hold">
+                                          <p:stCondLst>
+                                            <p:cond delay="0"/>
+                                          </p:stCondLst>
+                                        </p:cTn>
+                                        <p:tgtEl>
+                                          <p:spTgt spid="3">
+                                            <p:txEl>
+                                              <p:pRg st="3" end="3"/>
+                                            </p:txEl>
+                                          </p:spTgt>
+                                        </p:tgtEl>
+                                        <p:attrNameLst>
+                                          <p:attrName>style.visibility</p:attrName>
+                                        </p:attrNameLst>
+                                      </p:cBhvr>
+                                      <p:to>
+                                        <p:strVal val="visible"/>
+                                      </p:to>
+                                    </p:set>
+                                    <p:animEffect transition="in" filter="fade">
+                                      <p:cBhvr>
+                                        <p:cTn id="31" dur="500"/>
+                                        <p:tgtEl>
+                                          <p:spTgt spid="3">
+                                            <p:txEl>
+                                              <p:pRg st="3" end="3"/>
+                                            </p:txEl>
+                                          </p:spTgt>
+                                        </p:tgtEl>
+                                      </p:cBhvr>
+                                    </p:animEffect>
+                                  </p:childTnLst>
+                                </p:cTn>
+                              </p:par>
+                              <p:par>
+                                <p:cTn id="32" presetID="10" presetClass="entr" presetSubtype="0" fill="hold" nodeType="withEffect">
+                                  <p:stCondLst>
+                                    <p:cond delay="0"/>
+                                  </p:stCondLst>
+                                  <p:childTnLst>
+                                    <p:set>
+                                      <p:cBhvr>
+                                        <p:cTn id="33" dur="1" fill="hold">
+                                          <p:stCondLst>
+                                            <p:cond delay="0"/>
+                                          </p:stCondLst>
+                                        </p:cTn>
+                                        <p:tgtEl>
+                                          <p:spTgt spid="3">
+                                            <p:txEl>
+                                              <p:pRg st="4" end="4"/>
+                                            </p:txEl>
+                                          </p:spTgt>
+                                        </p:tgtEl>
+                                        <p:attrNameLst>
+                                          <p:attrName>style.visibility</p:attrName>
+                                        </p:attrNameLst>
+                                      </p:cBhvr>
+                                      <p:to>
+                                        <p:strVal val="visible"/>
+                                      </p:to>
+                                    </p:set>
+                                    <p:animEffect transition="in" filter="fade">
+                                      <p:cBhvr>
+                                        <p:cTn id="34" dur="500"/>
+                                        <p:tgtEl>
+                                          <p:spTgt spid="3">
+                                            <p:txEl>
+                                              <p:pRg st="4" end="4"/>
+                                            </p:txEl>
+                                          </p:spTgt>
+                                        </p:tgtEl>
+                                      </p:cBhvr>
+                                    </p:animEffect>
+                                  </p:childTnLst>
+                                </p:cTn>
+                              </p:par>
+                            </p:childTnLst>
+                          </p:cTn>
+                        </p:par>
+                      </p:childTnLst>
+                    </p:cTn>
+                  </p:par>
+                </p:childTnLst>
+              </p:cTn>
+              <p:prevCondLst>
+                <p:cond evt="onPrev" delay="0">
+                  <p:tgtEl>
+                    <p:sldTgt/>
+                  </p:tgtEl>
+                </p:cond>
+              </p:prevCondLst>
+              <p:nextCondLst>
+                <p:cond evt="onNext" delay="0">
+                  <p:tgtEl>
+                    <p:sldTgt/>
+                  </p:tgtEl>
+                </p:cond>
+              </p:nextCondLst>
+            </p:seq>
+          </p:childTnLst>
+        </p:cTn>
+      </p:par>
+    </p:tnLst>
+    <p:bldLst>
+      <p:bldP spid="11266" grpId="0"/>
+    </p:bldLst>
+  </p:timing>
+</p:sld>
+</file>
+
+<file path=ppt/slides/slide14.xml><?xml version="1.0" encoding="utf-8"?>
+<p:sld xmlns:a="http://schemas.openxmlformats.org/drawingml/2006/main" xmlns:r="http://schemas.openxmlformats.org/officeDocument/2006/relationships" xmlns:p="http://schemas.openxmlformats.org/presentationml/2006/main">
+  <p:cSld>
+    <p:spTree>
+      <p:nvGrpSpPr>
+        <p:cNvPr id="1" name=""/>
+        <p:cNvGrpSpPr/>
+        <p:nvPr/>
+      </p:nvGrpSpPr>
+      <p:grpSpPr>
+        <a:xfrm>
+          <a:off x="0" y="0"/>
+          <a:ext cx="0" cy="0"/>
+          <a:chOff x="0" y="0"/>
+          <a:chExt cx="0" cy="0"/>
+        </a:xfrm>
+      </p:grpSpPr>
+      <p:sp>
+        <p:nvSpPr>
           <p:cNvPr id="12290" name="Title 1"/>
           <p:cNvSpPr>
             <a:spLocks noGrp="1"/>
@@ -7483,7 +9853,7 @@
 </p:sld>
 </file>
 
-<file path=ppt/slides/slide11.xml><?xml version="1.0" encoding="utf-8"?>
+<file path=ppt/slides/slide15.xml><?xml version="1.0" encoding="utf-8"?>
 <p:sld xmlns:a="http://schemas.openxmlformats.org/drawingml/2006/main" xmlns:r="http://schemas.openxmlformats.org/officeDocument/2006/relationships" xmlns:p="http://schemas.openxmlformats.org/presentationml/2006/main">
   <p:cSld>
     <p:spTree>
@@ -7556,7 +9926,7 @@
 </p:sld>
 </file>
 
-<file path=ppt/slides/slide12.xml><?xml version="1.0" encoding="utf-8"?>
+<file path=ppt/slides/slide16.xml><?xml version="1.0" encoding="utf-8"?>
 <p:sld xmlns:a="http://schemas.openxmlformats.org/drawingml/2006/main" xmlns:r="http://schemas.openxmlformats.org/officeDocument/2006/relationships" xmlns:p="http://schemas.openxmlformats.org/presentationml/2006/main">
   <p:cSld>
     <p:spTree>
@@ -7926,7 +10296,7 @@
 </p:sld>
 </file>
 
-<file path=ppt/slides/slide13.xml><?xml version="1.0" encoding="utf-8"?>
+<file path=ppt/slides/slide17.xml><?xml version="1.0" encoding="utf-8"?>
 <p:sld xmlns:a="http://schemas.openxmlformats.org/drawingml/2006/main" xmlns:r="http://schemas.openxmlformats.org/officeDocument/2006/relationships" xmlns:p="http://schemas.openxmlformats.org/presentationml/2006/main">
   <p:cSld>
     <p:spTree>
@@ -8026,7 +10396,7 @@
                             </p:stCondLst>
                             <p:childTnLst>
                               <p:par>
-                                <p:cTn id="5" presetID="10" presetClass="entr" presetSubtype="0" fill="hold" nodeType="clickEffect">
+                                <p:cTn id="5" presetID="10" presetClass="entr" presetSubtype="0" fill="hold" grpId="0" nodeType="clickEffect">
                                   <p:stCondLst>
                                     <p:cond delay="0"/>
                                   </p:stCondLst>
@@ -8039,11 +10409,7 @@
                                           </p:stCondLst>
                                         </p:cTn>
                                         <p:tgtEl>
-                                          <p:spTgt spid="3">
-                                            <p:txEl>
-                                              <p:pRg st="0" end="0"/>
-                                            </p:txEl>
-                                          </p:spTgt>
+                                          <p:spTgt spid="2"/>
                                         </p:tgtEl>
                                         <p:attrNameLst>
                                           <p:attrName>style.visibility</p:attrName>
@@ -8057,11 +10423,7 @@
                                       <p:cBhvr>
                                         <p:cTn id="7" dur="500"/>
                                         <p:tgtEl>
-                                          <p:spTgt spid="3">
-                                            <p:txEl>
-                                              <p:pRg st="0" end="0"/>
-                                            </p:txEl>
-                                          </p:spTgt>
+                                          <p:spTgt spid="2"/>
                                         </p:tgtEl>
                                       </p:cBhvr>
                                     </p:animEffect>
@@ -8087,7 +10449,7 @@
                             </p:stCondLst>
                             <p:childTnLst>
                               <p:par>
-                                <p:cTn id="10" presetID="10" presetClass="entr" presetSubtype="0" fill="hold" nodeType="clickEffect">
+                                <p:cTn id="10" presetID="10" presetClass="entr" presetSubtype="0" fill="hold" grpId="0" nodeType="clickEffect">
                                   <p:stCondLst>
                                     <p:cond delay="0"/>
                                   </p:stCondLst>
@@ -8102,7 +10464,7 @@
                                         <p:tgtEl>
                                           <p:spTgt spid="3">
                                             <p:txEl>
-                                              <p:pRg st="1" end="1"/>
+                                              <p:pRg st="0" end="0"/>
                                             </p:txEl>
                                           </p:spTgt>
                                         </p:tgtEl>
@@ -8117,6 +10479,67 @@
                                     <p:animEffect transition="in" filter="fade">
                                       <p:cBhvr>
                                         <p:cTn id="12" dur="500"/>
+                                        <p:tgtEl>
+                                          <p:spTgt spid="3">
+                                            <p:txEl>
+                                              <p:pRg st="0" end="0"/>
+                                            </p:txEl>
+                                          </p:spTgt>
+                                        </p:tgtEl>
+                                      </p:cBhvr>
+                                    </p:animEffect>
+                                  </p:childTnLst>
+                                </p:cTn>
+                              </p:par>
+                            </p:childTnLst>
+                          </p:cTn>
+                        </p:par>
+                      </p:childTnLst>
+                    </p:cTn>
+                  </p:par>
+                  <p:par>
+                    <p:cTn id="13" fill="hold">
+                      <p:stCondLst>
+                        <p:cond delay="indefinite"/>
+                      </p:stCondLst>
+                      <p:childTnLst>
+                        <p:par>
+                          <p:cTn id="14" fill="hold">
+                            <p:stCondLst>
+                              <p:cond delay="0"/>
+                            </p:stCondLst>
+                            <p:childTnLst>
+                              <p:par>
+                                <p:cTn id="15" presetID="10" presetClass="entr" presetSubtype="0" fill="hold" grpId="0" nodeType="clickEffect">
+                                  <p:stCondLst>
+                                    <p:cond delay="0"/>
+                                  </p:stCondLst>
+                                  <p:childTnLst>
+                                    <p:set>
+                                      <p:cBhvr>
+                                        <p:cTn id="16" dur="1" fill="hold">
+                                          <p:stCondLst>
+                                            <p:cond delay="0"/>
+                                          </p:stCondLst>
+                                        </p:cTn>
+                                        <p:tgtEl>
+                                          <p:spTgt spid="3">
+                                            <p:txEl>
+                                              <p:pRg st="1" end="1"/>
+                                            </p:txEl>
+                                          </p:spTgt>
+                                        </p:tgtEl>
+                                        <p:attrNameLst>
+                                          <p:attrName>style.visibility</p:attrName>
+                                        </p:attrNameLst>
+                                      </p:cBhvr>
+                                      <p:to>
+                                        <p:strVal val="visible"/>
+                                      </p:to>
+                                    </p:set>
+                                    <p:animEffect transition="in" filter="fade">
+                                      <p:cBhvr>
+                                        <p:cTn id="17" dur="500"/>
                                         <p:tgtEl>
                                           <p:spTgt spid="3">
                                             <p:txEl>
@@ -8156,11 +10579,15 @@
         </p:cTn>
       </p:par>
     </p:tnLst>
+    <p:bldLst>
+      <p:bldP spid="2" grpId="0"/>
+      <p:bldP spid="3" grpId="0" build="p"/>
+    </p:bldLst>
   </p:timing>
 </p:sld>
 </file>
 
-<file path=ppt/slides/slide14.xml><?xml version="1.0" encoding="utf-8"?>
+<file path=ppt/slides/slide18.xml><?xml version="1.0" encoding="utf-8"?>
 <p:sld xmlns:a="http://schemas.openxmlformats.org/drawingml/2006/main" xmlns:r="http://schemas.openxmlformats.org/officeDocument/2006/relationships" xmlns:p="http://schemas.openxmlformats.org/presentationml/2006/main">
   <p:cSld>
     <p:spTree>
@@ -8372,7 +10799,7 @@
                             </p:stCondLst>
                             <p:childTnLst>
                               <p:par>
-                                <p:cTn id="5" presetID="10" presetClass="entr" presetSubtype="0" fill="hold" nodeType="clickEffect">
+                                <p:cTn id="5" presetID="10" presetClass="entr" presetSubtype="0" fill="hold" grpId="0" nodeType="clickEffect">
                                   <p:stCondLst>
                                     <p:cond delay="0"/>
                                   </p:stCondLst>
@@ -8385,7 +10812,7 @@
                                           </p:stCondLst>
                                         </p:cTn>
                                         <p:tgtEl>
-                                          <p:spTgt spid="4"/>
+                                          <p:spTgt spid="2"/>
                                         </p:tgtEl>
                                         <p:attrNameLst>
                                           <p:attrName>style.visibility</p:attrName>
@@ -8399,7 +10826,7 @@
                                       <p:cBhvr>
                                         <p:cTn id="7" dur="500"/>
                                         <p:tgtEl>
-                                          <p:spTgt spid="4"/>
+                                          <p:spTgt spid="2"/>
                                         </p:tgtEl>
                                       </p:cBhvr>
                                     </p:animEffect>
@@ -8425,7 +10852,7 @@
                             </p:stCondLst>
                             <p:childTnLst>
                               <p:par>
-                                <p:cTn id="10" presetID="10" presetClass="entr" presetSubtype="0" fill="hold" grpId="0" nodeType="clickEffect">
+                                <p:cTn id="10" presetID="2" presetClass="entr" presetSubtype="4" fill="hold" nodeType="clickEffect">
                                   <p:stCondLst>
                                     <p:cond delay="0"/>
                                   </p:stCondLst>
@@ -8438,6 +10865,97 @@
                                           </p:stCondLst>
                                         </p:cTn>
                                         <p:tgtEl>
+                                          <p:spTgt spid="4"/>
+                                        </p:tgtEl>
+                                        <p:attrNameLst>
+                                          <p:attrName>style.visibility</p:attrName>
+                                        </p:attrNameLst>
+                                      </p:cBhvr>
+                                      <p:to>
+                                        <p:strVal val="visible"/>
+                                      </p:to>
+                                    </p:set>
+                                    <p:anim calcmode="lin" valueType="num">
+                                      <p:cBhvr additive="base">
+                                        <p:cTn id="12" dur="500" fill="hold"/>
+                                        <p:tgtEl>
+                                          <p:spTgt spid="4"/>
+                                        </p:tgtEl>
+                                        <p:attrNameLst>
+                                          <p:attrName>ppt_x</p:attrName>
+                                        </p:attrNameLst>
+                                      </p:cBhvr>
+                                      <p:tavLst>
+                                        <p:tav tm="0">
+                                          <p:val>
+                                            <p:strVal val="#ppt_x"/>
+                                          </p:val>
+                                        </p:tav>
+                                        <p:tav tm="100000">
+                                          <p:val>
+                                            <p:strVal val="#ppt_x"/>
+                                          </p:val>
+                                        </p:tav>
+                                      </p:tavLst>
+                                    </p:anim>
+                                    <p:anim calcmode="lin" valueType="num">
+                                      <p:cBhvr additive="base">
+                                        <p:cTn id="13" dur="500" fill="hold"/>
+                                        <p:tgtEl>
+                                          <p:spTgt spid="4"/>
+                                        </p:tgtEl>
+                                        <p:attrNameLst>
+                                          <p:attrName>ppt_y</p:attrName>
+                                        </p:attrNameLst>
+                                      </p:cBhvr>
+                                      <p:tavLst>
+                                        <p:tav tm="0">
+                                          <p:val>
+                                            <p:strVal val="1+#ppt_h/2"/>
+                                          </p:val>
+                                        </p:tav>
+                                        <p:tav tm="100000">
+                                          <p:val>
+                                            <p:strVal val="#ppt_y"/>
+                                          </p:val>
+                                        </p:tav>
+                                      </p:tavLst>
+                                    </p:anim>
+                                  </p:childTnLst>
+                                </p:cTn>
+                              </p:par>
+                            </p:childTnLst>
+                          </p:cTn>
+                        </p:par>
+                      </p:childTnLst>
+                    </p:cTn>
+                  </p:par>
+                  <p:par>
+                    <p:cTn id="14" fill="hold">
+                      <p:stCondLst>
+                        <p:cond delay="indefinite"/>
+                      </p:stCondLst>
+                      <p:childTnLst>
+                        <p:par>
+                          <p:cTn id="15" fill="hold">
+                            <p:stCondLst>
+                              <p:cond delay="0"/>
+                            </p:stCondLst>
+                            <p:childTnLst>
+                              <p:par>
+                                <p:cTn id="16" presetID="10" presetClass="entr" presetSubtype="0" fill="hold" grpId="0" nodeType="clickEffect">
+                                  <p:stCondLst>
+                                    <p:cond delay="0"/>
+                                  </p:stCondLst>
+                                  <p:childTnLst>
+                                    <p:set>
+                                      <p:cBhvr>
+                                        <p:cTn id="17" dur="1" fill="hold">
+                                          <p:stCondLst>
+                                            <p:cond delay="0"/>
+                                          </p:stCondLst>
+                                        </p:cTn>
+                                        <p:tgtEl>
                                           <p:spTgt spid="3">
                                             <p:txEl>
                                               <p:pRg st="9" end="9"/>
@@ -8454,7 +10972,7 @@
                                     </p:set>
                                     <p:animEffect transition="in" filter="fade">
                                       <p:cBhvr>
-                                        <p:cTn id="12" dur="500"/>
+                                        <p:cTn id="18" dur="500"/>
                                         <p:tgtEl>
                                           <p:spTgt spid="3">
                                             <p:txEl>
@@ -8495,13 +11013,14 @@
       </p:par>
     </p:tnLst>
     <p:bldLst>
+      <p:bldP spid="2" grpId="0"/>
       <p:bldP spid="3" grpId="0" build="p"/>
     </p:bldLst>
   </p:timing>
 </p:sld>
 </file>
 
-<file path=ppt/slides/slide15.xml><?xml version="1.0" encoding="utf-8"?>
+<file path=ppt/slides/slide19.xml><?xml version="1.0" encoding="utf-8"?>
 <p:sld xmlns:a="http://schemas.openxmlformats.org/drawingml/2006/main" xmlns:r="http://schemas.openxmlformats.org/officeDocument/2006/relationships" xmlns:p="http://schemas.openxmlformats.org/presentationml/2006/main">
   <p:cSld>
     <p:spTree>
@@ -8826,7 +11345,452 @@
 </p:sld>
 </file>
 
-<file path=ppt/slides/slide16.xml><?xml version="1.0" encoding="utf-8"?>
+<file path=ppt/slides/slide2.xml><?xml version="1.0" encoding="utf-8"?>
+<p:sld xmlns:a="http://schemas.openxmlformats.org/drawingml/2006/main" xmlns:r="http://schemas.openxmlformats.org/officeDocument/2006/relationships" xmlns:p="http://schemas.openxmlformats.org/presentationml/2006/main">
+  <p:cSld>
+    <p:spTree>
+      <p:nvGrpSpPr>
+        <p:cNvPr id="1" name=""/>
+        <p:cNvGrpSpPr/>
+        <p:nvPr/>
+      </p:nvGrpSpPr>
+      <p:grpSpPr>
+        <a:xfrm>
+          <a:off x="0" y="0"/>
+          <a:ext cx="0" cy="0"/>
+          <a:chOff x="0" y="0"/>
+          <a:chExt cx="0" cy="0"/>
+        </a:xfrm>
+      </p:grpSpPr>
+      <p:sp>
+        <p:nvSpPr>
+          <p:cNvPr id="6146" name="Title 1"/>
+          <p:cNvSpPr>
+            <a:spLocks noGrp="1"/>
+          </p:cNvSpPr>
+          <p:nvPr>
+            <p:ph type="title"/>
+          </p:nvPr>
+        </p:nvSpPr>
+        <p:spPr/>
+        <p:txBody>
+          <a:bodyPr/>
+          <a:lstStyle/>
+          <a:p>
+            <a:pPr eaLnBrk="1" hangingPunct="1"/>
+            <a:r>
+              <a:rPr lang="en-US" altLang="en-US" smtClean="0"/>
+              <a:t>Introduction</a:t>
+            </a:r>
+          </a:p>
+        </p:txBody>
+      </p:sp>
+      <p:sp>
+        <p:nvSpPr>
+          <p:cNvPr id="6147" name="Content Placeholder 2"/>
+          <p:cNvSpPr>
+            <a:spLocks noGrp="1"/>
+          </p:cNvSpPr>
+          <p:nvPr>
+            <p:ph idx="1"/>
+          </p:nvPr>
+        </p:nvSpPr>
+        <p:spPr/>
+        <p:txBody>
+          <a:bodyPr/>
+          <a:lstStyle/>
+          <a:p>
+            <a:pPr eaLnBrk="1" hangingPunct="1">
+              <a:defRPr/>
+            </a:pPr>
+            <a:r>
+              <a:rPr lang="en-US" altLang="en-US" dirty="0"/>
+              <a:t>Visual Information transmitted in the form of digital images is a major method of communication in the modern age, but the image is often corrupted with noise.</a:t>
+            </a:r>
+          </a:p>
+          <a:p>
+            <a:pPr eaLnBrk="1" hangingPunct="1">
+              <a:defRPr/>
+            </a:pPr>
+            <a:r>
+              <a:rPr lang="en-US" altLang="en-US" dirty="0"/>
+              <a:t>The received image needs processing before it can be used in applications.</a:t>
+            </a:r>
+          </a:p>
+          <a:p>
+            <a:pPr eaLnBrk="1" hangingPunct="1">
+              <a:defRPr/>
+            </a:pPr>
+            <a:r>
+              <a:rPr lang="en-ZA" altLang="en-US" dirty="0"/>
+              <a:t>That is where we come in ;) </a:t>
+            </a:r>
+            <a:endParaRPr lang="en-US" altLang="en-US" dirty="0"/>
+          </a:p>
+          <a:p>
+            <a:pPr eaLnBrk="1" hangingPunct="1">
+              <a:defRPr/>
+            </a:pPr>
+            <a:r>
+              <a:rPr lang="en-US" altLang="en-US" dirty="0"/>
+              <a:t>Image </a:t>
+            </a:r>
+            <a:r>
+              <a:rPr lang="en-US" altLang="en-US" dirty="0" err="1"/>
+              <a:t>denoising</a:t>
+            </a:r>
+            <a:r>
+              <a:rPr lang="en-US" altLang="en-US" dirty="0"/>
+              <a:t> involves the manipulation of the image data to produce a visually high quality image.</a:t>
+            </a:r>
+          </a:p>
+          <a:p>
+            <a:pPr marL="0" indent="0" eaLnBrk="1" hangingPunct="1">
+              <a:buFont typeface="Wingdings 3" panose="05040102010807070707" pitchFamily="18" charset="2"/>
+              <a:buNone/>
+              <a:defRPr/>
+            </a:pPr>
+            <a:endParaRPr lang="en-US" altLang="en-US" dirty="0"/>
+          </a:p>
+        </p:txBody>
+      </p:sp>
+    </p:spTree>
+    <p:extLst>
+      <p:ext uri="{BB962C8B-B14F-4D97-AF65-F5344CB8AC3E}">
+        <p14:creationId xmlns:p14="http://schemas.microsoft.com/office/powerpoint/2010/main" val="1726962920"/>
+      </p:ext>
+    </p:extLst>
+  </p:cSld>
+  <p:clrMapOvr>
+    <a:masterClrMapping/>
+  </p:clrMapOvr>
+  <p:timing>
+    <p:tnLst>
+      <p:par>
+        <p:cTn id="1" dur="indefinite" restart="never" nodeType="tmRoot">
+          <p:childTnLst>
+            <p:seq concurrent="1" nextAc="seek">
+              <p:cTn id="2" dur="indefinite" nodeType="mainSeq">
+                <p:childTnLst>
+                  <p:par>
+                    <p:cTn id="3" fill="hold" nodeType="clickPar">
+                      <p:stCondLst>
+                        <p:cond delay="indefinite"/>
+                      </p:stCondLst>
+                      <p:childTnLst>
+                        <p:par>
+                          <p:cTn id="4" fill="hold" nodeType="withGroup">
+                            <p:stCondLst>
+                              <p:cond delay="0"/>
+                            </p:stCondLst>
+                            <p:childTnLst>
+                              <p:par>
+                                <p:cTn id="5" presetID="1" presetClass="entr" presetSubtype="0" fill="hold" grpId="0" nodeType="clickEffect">
+                                  <p:stCondLst>
+                                    <p:cond delay="0"/>
+                                  </p:stCondLst>
+                                  <p:childTnLst>
+                                    <p:set>
+                                      <p:cBhvr>
+                                        <p:cTn id="6" dur="1" fill="hold">
+                                          <p:stCondLst>
+                                            <p:cond delay="0"/>
+                                          </p:stCondLst>
+                                        </p:cTn>
+                                        <p:tgtEl>
+                                          <p:spTgt spid="6146"/>
+                                        </p:tgtEl>
+                                        <p:attrNameLst>
+                                          <p:attrName>style.visibility</p:attrName>
+                                        </p:attrNameLst>
+                                      </p:cBhvr>
+                                      <p:to>
+                                        <p:strVal val="visible"/>
+                                      </p:to>
+                                    </p:set>
+                                  </p:childTnLst>
+                                </p:cTn>
+                              </p:par>
+                            </p:childTnLst>
+                          </p:cTn>
+                        </p:par>
+                      </p:childTnLst>
+                    </p:cTn>
+                  </p:par>
+                  <p:par>
+                    <p:cTn id="7" fill="hold" nodeType="clickPar">
+                      <p:stCondLst>
+                        <p:cond delay="indefinite"/>
+                      </p:stCondLst>
+                      <p:childTnLst>
+                        <p:par>
+                          <p:cTn id="8" fill="hold" nodeType="withGroup">
+                            <p:stCondLst>
+                              <p:cond delay="0"/>
+                            </p:stCondLst>
+                            <p:childTnLst>
+                              <p:par>
+                                <p:cTn id="9" presetID="10" presetClass="entr" presetSubtype="0" fill="hold" grpId="0" nodeType="clickEffect">
+                                  <p:stCondLst>
+                                    <p:cond delay="0"/>
+                                  </p:stCondLst>
+                                  <p:childTnLst>
+                                    <p:set>
+                                      <p:cBhvr>
+                                        <p:cTn id="10" dur="1" fill="hold">
+                                          <p:stCondLst>
+                                            <p:cond delay="0"/>
+                                          </p:stCondLst>
+                                        </p:cTn>
+                                        <p:tgtEl>
+                                          <p:spTgt spid="6147">
+                                            <p:txEl>
+                                              <p:pRg st="0" end="0"/>
+                                            </p:txEl>
+                                          </p:spTgt>
+                                        </p:tgtEl>
+                                        <p:attrNameLst>
+                                          <p:attrName>style.visibility</p:attrName>
+                                        </p:attrNameLst>
+                                      </p:cBhvr>
+                                      <p:to>
+                                        <p:strVal val="visible"/>
+                                      </p:to>
+                                    </p:set>
+                                    <p:animEffect transition="in" filter="fade">
+                                      <p:cBhvr>
+                                        <p:cTn id="11" dur="500"/>
+                                        <p:tgtEl>
+                                          <p:spTgt spid="6147">
+                                            <p:txEl>
+                                              <p:pRg st="0" end="0"/>
+                                            </p:txEl>
+                                          </p:spTgt>
+                                        </p:tgtEl>
+                                      </p:cBhvr>
+                                    </p:animEffect>
+                                  </p:childTnLst>
+                                </p:cTn>
+                              </p:par>
+                            </p:childTnLst>
+                          </p:cTn>
+                        </p:par>
+                      </p:childTnLst>
+                    </p:cTn>
+                  </p:par>
+                  <p:par>
+                    <p:cTn id="12" fill="hold" nodeType="clickPar">
+                      <p:stCondLst>
+                        <p:cond delay="indefinite"/>
+                      </p:stCondLst>
+                      <p:childTnLst>
+                        <p:par>
+                          <p:cTn id="13" fill="hold" nodeType="withGroup">
+                            <p:stCondLst>
+                              <p:cond delay="0"/>
+                            </p:stCondLst>
+                            <p:childTnLst>
+                              <p:par>
+                                <p:cTn id="14" presetID="10" presetClass="entr" presetSubtype="0" fill="hold" grpId="0" nodeType="clickEffect">
+                                  <p:stCondLst>
+                                    <p:cond delay="0"/>
+                                  </p:stCondLst>
+                                  <p:childTnLst>
+                                    <p:set>
+                                      <p:cBhvr>
+                                        <p:cTn id="15" dur="1" fill="hold">
+                                          <p:stCondLst>
+                                            <p:cond delay="0"/>
+                                          </p:stCondLst>
+                                        </p:cTn>
+                                        <p:tgtEl>
+                                          <p:spTgt spid="6147">
+                                            <p:txEl>
+                                              <p:pRg st="1" end="1"/>
+                                            </p:txEl>
+                                          </p:spTgt>
+                                        </p:tgtEl>
+                                        <p:attrNameLst>
+                                          <p:attrName>style.visibility</p:attrName>
+                                        </p:attrNameLst>
+                                      </p:cBhvr>
+                                      <p:to>
+                                        <p:strVal val="visible"/>
+                                      </p:to>
+                                    </p:set>
+                                    <p:animEffect transition="in" filter="fade">
+                                      <p:cBhvr>
+                                        <p:cTn id="16" dur="500"/>
+                                        <p:tgtEl>
+                                          <p:spTgt spid="6147">
+                                            <p:txEl>
+                                              <p:pRg st="1" end="1"/>
+                                            </p:txEl>
+                                          </p:spTgt>
+                                        </p:tgtEl>
+                                      </p:cBhvr>
+                                    </p:animEffect>
+                                  </p:childTnLst>
+                                </p:cTn>
+                              </p:par>
+                            </p:childTnLst>
+                          </p:cTn>
+                        </p:par>
+                      </p:childTnLst>
+                    </p:cTn>
+                  </p:par>
+                  <p:par>
+                    <p:cTn id="17" fill="hold" nodeType="clickPar">
+                      <p:stCondLst>
+                        <p:cond delay="indefinite"/>
+                      </p:stCondLst>
+                      <p:childTnLst>
+                        <p:par>
+                          <p:cTn id="18" fill="hold" nodeType="withGroup">
+                            <p:stCondLst>
+                              <p:cond delay="0"/>
+                            </p:stCondLst>
+                            <p:childTnLst>
+                              <p:par>
+                                <p:cTn id="19" presetID="10" presetClass="entr" presetSubtype="0" fill="hold" grpId="0" nodeType="clickEffect">
+                                  <p:stCondLst>
+                                    <p:cond delay="0"/>
+                                  </p:stCondLst>
+                                  <p:childTnLst>
+                                    <p:set>
+                                      <p:cBhvr>
+                                        <p:cTn id="20" dur="1" fill="hold">
+                                          <p:stCondLst>
+                                            <p:cond delay="0"/>
+                                          </p:stCondLst>
+                                        </p:cTn>
+                                        <p:tgtEl>
+                                          <p:spTgt spid="6147">
+                                            <p:txEl>
+                                              <p:pRg st="2" end="2"/>
+                                            </p:txEl>
+                                          </p:spTgt>
+                                        </p:tgtEl>
+                                        <p:attrNameLst>
+                                          <p:attrName>style.visibility</p:attrName>
+                                        </p:attrNameLst>
+                                      </p:cBhvr>
+                                      <p:to>
+                                        <p:strVal val="visible"/>
+                                      </p:to>
+                                    </p:set>
+                                    <p:animEffect transition="in" filter="fade">
+                                      <p:cBhvr>
+                                        <p:cTn id="21" dur="500"/>
+                                        <p:tgtEl>
+                                          <p:spTgt spid="6147">
+                                            <p:txEl>
+                                              <p:pRg st="2" end="2"/>
+                                            </p:txEl>
+                                          </p:spTgt>
+                                        </p:tgtEl>
+                                      </p:cBhvr>
+                                    </p:animEffect>
+                                  </p:childTnLst>
+                                </p:cTn>
+                              </p:par>
+                            </p:childTnLst>
+                          </p:cTn>
+                        </p:par>
+                      </p:childTnLst>
+                    </p:cTn>
+                  </p:par>
+                  <p:par>
+                    <p:cTn id="22" fill="hold" nodeType="clickPar">
+                      <p:stCondLst>
+                        <p:cond delay="indefinite"/>
+                      </p:stCondLst>
+                      <p:childTnLst>
+                        <p:par>
+                          <p:cTn id="23" fill="hold" nodeType="withGroup">
+                            <p:stCondLst>
+                              <p:cond delay="0"/>
+                            </p:stCondLst>
+                            <p:childTnLst>
+                              <p:par>
+                                <p:cTn id="24" presetID="10" presetClass="entr" presetSubtype="0" fill="hold" grpId="0" nodeType="clickEffect">
+                                  <p:stCondLst>
+                                    <p:cond delay="0"/>
+                                  </p:stCondLst>
+                                  <p:childTnLst>
+                                    <p:set>
+                                      <p:cBhvr>
+                                        <p:cTn id="25" dur="1" fill="hold">
+                                          <p:stCondLst>
+                                            <p:cond delay="0"/>
+                                          </p:stCondLst>
+                                        </p:cTn>
+                                        <p:tgtEl>
+                                          <p:spTgt spid="6147">
+                                            <p:txEl>
+                                              <p:pRg st="3" end="3"/>
+                                            </p:txEl>
+                                          </p:spTgt>
+                                        </p:tgtEl>
+                                        <p:attrNameLst>
+                                          <p:attrName>style.visibility</p:attrName>
+                                        </p:attrNameLst>
+                                      </p:cBhvr>
+                                      <p:to>
+                                        <p:strVal val="visible"/>
+                                      </p:to>
+                                    </p:set>
+                                    <p:animEffect transition="in" filter="fade">
+                                      <p:cBhvr>
+                                        <p:cTn id="26" dur="500"/>
+                                        <p:tgtEl>
+                                          <p:spTgt spid="6147">
+                                            <p:txEl>
+                                              <p:pRg st="3" end="3"/>
+                                            </p:txEl>
+                                          </p:spTgt>
+                                        </p:tgtEl>
+                                      </p:cBhvr>
+                                    </p:animEffect>
+                                  </p:childTnLst>
+                                </p:cTn>
+                              </p:par>
+                            </p:childTnLst>
+                          </p:cTn>
+                        </p:par>
+                      </p:childTnLst>
+                    </p:cTn>
+                  </p:par>
+                </p:childTnLst>
+              </p:cTn>
+              <p:prevCondLst>
+                <p:cond evt="onPrev" delay="0">
+                  <p:tgtEl>
+                    <p:sldTgt/>
+                  </p:tgtEl>
+                </p:cond>
+              </p:prevCondLst>
+              <p:nextCondLst>
+                <p:cond evt="onNext" delay="0">
+                  <p:tgtEl>
+                    <p:sldTgt/>
+                  </p:tgtEl>
+                </p:cond>
+              </p:nextCondLst>
+            </p:seq>
+          </p:childTnLst>
+        </p:cTn>
+      </p:par>
+    </p:tnLst>
+    <p:bldLst>
+      <p:bldP spid="6146" grpId="0"/>
+      <p:bldP spid="6147" grpId="0" uiExpand="1" build="p"/>
+    </p:bldLst>
+  </p:timing>
+</p:sld>
+</file>
+
+<file path=ppt/slides/slide20.xml><?xml version="1.0" encoding="utf-8"?>
 <p:sld xmlns:a="http://schemas.openxmlformats.org/drawingml/2006/main" xmlns:r="http://schemas.openxmlformats.org/officeDocument/2006/relationships" xmlns:p="http://schemas.openxmlformats.org/presentationml/2006/main">
   <p:cSld>
     <p:spTree>
@@ -9062,11 +12026,7 @@
                                           </p:stCondLst>
                                         </p:cTn>
                                         <p:tgtEl>
-                                          <p:spTgt spid="3">
-                                            <p:txEl>
-                                              <p:pRg st="0" end="0"/>
-                                            </p:txEl>
-                                          </p:spTgt>
+                                          <p:spTgt spid="2"/>
                                         </p:tgtEl>
                                         <p:attrNameLst>
                                           <p:attrName>style.visibility</p:attrName>
@@ -9080,11 +12040,7 @@
                                       <p:cBhvr>
                                         <p:cTn id="7" dur="500"/>
                                         <p:tgtEl>
-                                          <p:spTgt spid="3">
-                                            <p:txEl>
-                                              <p:pRg st="0" end="0"/>
-                                            </p:txEl>
-                                          </p:spTgt>
+                                          <p:spTgt spid="2"/>
                                         </p:tgtEl>
                                       </p:cBhvr>
                                     </p:animEffect>
@@ -9125,7 +12081,7 @@
                                         <p:tgtEl>
                                           <p:spTgt spid="3">
                                             <p:txEl>
-                                              <p:pRg st="1" end="1"/>
+                                              <p:pRg st="0" end="0"/>
                                             </p:txEl>
                                           </p:spTgt>
                                         </p:tgtEl>
@@ -9143,7 +12099,7 @@
                                         <p:tgtEl>
                                           <p:spTgt spid="3">
                                             <p:txEl>
-                                              <p:pRg st="1" end="1"/>
+                                              <p:pRg st="0" end="0"/>
                                             </p:txEl>
                                           </p:spTgt>
                                         </p:tgtEl>
@@ -9186,7 +12142,7 @@
                                         <p:tgtEl>
                                           <p:spTgt spid="3">
                                             <p:txEl>
-                                              <p:pRg st="2" end="2"/>
+                                              <p:pRg st="1" end="1"/>
                                             </p:txEl>
                                           </p:spTgt>
                                         </p:tgtEl>
@@ -9204,7 +12160,7 @@
                                         <p:tgtEl>
                                           <p:spTgt spid="3">
                                             <p:txEl>
-                                              <p:pRg st="2" end="2"/>
+                                              <p:pRg st="1" end="1"/>
                                             </p:txEl>
                                           </p:spTgt>
                                         </p:tgtEl>
@@ -9232,7 +12188,7 @@
                             </p:stCondLst>
                             <p:childTnLst>
                               <p:par>
-                                <p:cTn id="20" presetID="10" presetClass="entr" presetSubtype="0" fill="hold" nodeType="clickEffect">
+                                <p:cTn id="20" presetID="10" presetClass="entr" presetSubtype="0" fill="hold" grpId="0" nodeType="clickEffect">
                                   <p:stCondLst>
                                     <p:cond delay="0"/>
                                   </p:stCondLst>
@@ -9245,7 +12201,11 @@
                                           </p:stCondLst>
                                         </p:cTn>
                                         <p:tgtEl>
-                                          <p:spTgt spid="4"/>
+                                          <p:spTgt spid="3">
+                                            <p:txEl>
+                                              <p:pRg st="2" end="2"/>
+                                            </p:txEl>
+                                          </p:spTgt>
                                         </p:tgtEl>
                                         <p:attrNameLst>
                                           <p:attrName>style.visibility</p:attrName>
@@ -9259,10 +12219,105 @@
                                       <p:cBhvr>
                                         <p:cTn id="22" dur="500"/>
                                         <p:tgtEl>
+                                          <p:spTgt spid="3">
+                                            <p:txEl>
+                                              <p:pRg st="2" end="2"/>
+                                            </p:txEl>
+                                          </p:spTgt>
+                                        </p:tgtEl>
+                                      </p:cBhvr>
+                                    </p:animEffect>
+                                  </p:childTnLst>
+                                </p:cTn>
+                              </p:par>
+                            </p:childTnLst>
+                          </p:cTn>
+                        </p:par>
+                      </p:childTnLst>
+                    </p:cTn>
+                  </p:par>
+                  <p:par>
+                    <p:cTn id="23" fill="hold">
+                      <p:stCondLst>
+                        <p:cond delay="indefinite"/>
+                      </p:stCondLst>
+                      <p:childTnLst>
+                        <p:par>
+                          <p:cTn id="24" fill="hold">
+                            <p:stCondLst>
+                              <p:cond delay="0"/>
+                            </p:stCondLst>
+                            <p:childTnLst>
+                              <p:par>
+                                <p:cTn id="25" presetID="2" presetClass="entr" presetSubtype="4" fill="hold" nodeType="clickEffect">
+                                  <p:stCondLst>
+                                    <p:cond delay="0"/>
+                                  </p:stCondLst>
+                                  <p:childTnLst>
+                                    <p:set>
+                                      <p:cBhvr>
+                                        <p:cTn id="26" dur="1" fill="hold">
+                                          <p:stCondLst>
+                                            <p:cond delay="0"/>
+                                          </p:stCondLst>
+                                        </p:cTn>
+                                        <p:tgtEl>
                                           <p:spTgt spid="4"/>
                                         </p:tgtEl>
-                                      </p:cBhvr>
-                                    </p:animEffect>
+                                        <p:attrNameLst>
+                                          <p:attrName>style.visibility</p:attrName>
+                                        </p:attrNameLst>
+                                      </p:cBhvr>
+                                      <p:to>
+                                        <p:strVal val="visible"/>
+                                      </p:to>
+                                    </p:set>
+                                    <p:anim calcmode="lin" valueType="num">
+                                      <p:cBhvr additive="base">
+                                        <p:cTn id="27" dur="500" fill="hold"/>
+                                        <p:tgtEl>
+                                          <p:spTgt spid="4"/>
+                                        </p:tgtEl>
+                                        <p:attrNameLst>
+                                          <p:attrName>ppt_x</p:attrName>
+                                        </p:attrNameLst>
+                                      </p:cBhvr>
+                                      <p:tavLst>
+                                        <p:tav tm="0">
+                                          <p:val>
+                                            <p:strVal val="#ppt_x"/>
+                                          </p:val>
+                                        </p:tav>
+                                        <p:tav tm="100000">
+                                          <p:val>
+                                            <p:strVal val="#ppt_x"/>
+                                          </p:val>
+                                        </p:tav>
+                                      </p:tavLst>
+                                    </p:anim>
+                                    <p:anim calcmode="lin" valueType="num">
+                                      <p:cBhvr additive="base">
+                                        <p:cTn id="28" dur="500" fill="hold"/>
+                                        <p:tgtEl>
+                                          <p:spTgt spid="4"/>
+                                        </p:tgtEl>
+                                        <p:attrNameLst>
+                                          <p:attrName>ppt_y</p:attrName>
+                                        </p:attrNameLst>
+                                      </p:cBhvr>
+                                      <p:tavLst>
+                                        <p:tav tm="0">
+                                          <p:val>
+                                            <p:strVal val="1+#ppt_h/2"/>
+                                          </p:val>
+                                        </p:tav>
+                                        <p:tav tm="100000">
+                                          <p:val>
+                                            <p:strVal val="#ppt_y"/>
+                                          </p:val>
+                                        </p:tav>
+                                      </p:tavLst>
+                                    </p:anim>
                                   </p:childTnLst>
                                 </p:cTn>
                               </p:par>
@@ -9294,13 +12349,14 @@
       </p:par>
     </p:tnLst>
     <p:bldLst>
+      <p:bldP spid="2" grpId="0"/>
       <p:bldP spid="3" grpId="0" build="p"/>
     </p:bldLst>
   </p:timing>
 </p:sld>
 </file>
 
-<file path=ppt/slides/slide17.xml><?xml version="1.0" encoding="utf-8"?>
+<file path=ppt/slides/slide21.xml><?xml version="1.0" encoding="utf-8"?>
 <p:sld xmlns:a="http://schemas.openxmlformats.org/drawingml/2006/main" xmlns:r="http://schemas.openxmlformats.org/officeDocument/2006/relationships" xmlns:p="http://schemas.openxmlformats.org/presentationml/2006/main">
   <p:cSld>
     <p:spTree>
@@ -9888,7 +12944,7 @@
 </p:sld>
 </file>
 
-<file path=ppt/slides/slide18.xml><?xml version="1.0" encoding="utf-8"?>
+<file path=ppt/slides/slide22.xml><?xml version="1.0" encoding="utf-8"?>
 <p:sld xmlns:a="http://schemas.openxmlformats.org/drawingml/2006/main" xmlns:r="http://schemas.openxmlformats.org/officeDocument/2006/relationships" xmlns:p="http://schemas.openxmlformats.org/presentationml/2006/main">
   <p:cSld>
     <p:spTree>
@@ -9996,7 +13052,7 @@
                             </p:stCondLst>
                             <p:childTnLst>
                               <p:par>
-                                <p:cTn id="5" presetID="10" presetClass="entr" presetSubtype="0" fill="hold" nodeType="clickEffect">
+                                <p:cTn id="5" presetID="10" presetClass="entr" presetSubtype="0" fill="hold" grpId="0" nodeType="clickEffect">
                                   <p:stCondLst>
                                     <p:cond delay="0"/>
                                   </p:stCondLst>
@@ -10009,11 +13065,7 @@
                                           </p:stCondLst>
                                         </p:cTn>
                                         <p:tgtEl>
-                                          <p:spTgt spid="3">
-                                            <p:txEl>
-                                              <p:pRg st="0" end="0"/>
-                                            </p:txEl>
-                                          </p:spTgt>
+                                          <p:spTgt spid="2"/>
                                         </p:tgtEl>
                                         <p:attrNameLst>
                                           <p:attrName>style.visibility</p:attrName>
@@ -10027,11 +13079,7 @@
                                       <p:cBhvr>
                                         <p:cTn id="7" dur="500"/>
                                         <p:tgtEl>
-                                          <p:spTgt spid="3">
-                                            <p:txEl>
-                                              <p:pRg st="0" end="0"/>
-                                            </p:txEl>
-                                          </p:spTgt>
+                                          <p:spTgt spid="2"/>
                                         </p:tgtEl>
                                       </p:cBhvr>
                                     </p:animEffect>
@@ -10057,7 +13105,7 @@
                             </p:stCondLst>
                             <p:childTnLst>
                               <p:par>
-                                <p:cTn id="10" presetID="10" presetClass="entr" presetSubtype="0" fill="hold" nodeType="clickEffect">
+                                <p:cTn id="10" presetID="10" presetClass="entr" presetSubtype="0" fill="hold" grpId="0" nodeType="clickEffect">
                                   <p:stCondLst>
                                     <p:cond delay="0"/>
                                   </p:stCondLst>
@@ -10072,7 +13120,7 @@
                                         <p:tgtEl>
                                           <p:spTgt spid="3">
                                             <p:txEl>
-                                              <p:pRg st="1" end="1"/>
+                                              <p:pRg st="0" end="0"/>
                                             </p:txEl>
                                           </p:spTgt>
                                         </p:tgtEl>
@@ -10087,6 +13135,67 @@
                                     <p:animEffect transition="in" filter="fade">
                                       <p:cBhvr>
                                         <p:cTn id="12" dur="500"/>
+                                        <p:tgtEl>
+                                          <p:spTgt spid="3">
+                                            <p:txEl>
+                                              <p:pRg st="0" end="0"/>
+                                            </p:txEl>
+                                          </p:spTgt>
+                                        </p:tgtEl>
+                                      </p:cBhvr>
+                                    </p:animEffect>
+                                  </p:childTnLst>
+                                </p:cTn>
+                              </p:par>
+                            </p:childTnLst>
+                          </p:cTn>
+                        </p:par>
+                      </p:childTnLst>
+                    </p:cTn>
+                  </p:par>
+                  <p:par>
+                    <p:cTn id="13" fill="hold">
+                      <p:stCondLst>
+                        <p:cond delay="indefinite"/>
+                      </p:stCondLst>
+                      <p:childTnLst>
+                        <p:par>
+                          <p:cTn id="14" fill="hold">
+                            <p:stCondLst>
+                              <p:cond delay="0"/>
+                            </p:stCondLst>
+                            <p:childTnLst>
+                              <p:par>
+                                <p:cTn id="15" presetID="10" presetClass="entr" presetSubtype="0" fill="hold" grpId="0" nodeType="clickEffect">
+                                  <p:stCondLst>
+                                    <p:cond delay="0"/>
+                                  </p:stCondLst>
+                                  <p:childTnLst>
+                                    <p:set>
+                                      <p:cBhvr>
+                                        <p:cTn id="16" dur="1" fill="hold">
+                                          <p:stCondLst>
+                                            <p:cond delay="0"/>
+                                          </p:stCondLst>
+                                        </p:cTn>
+                                        <p:tgtEl>
+                                          <p:spTgt spid="3">
+                                            <p:txEl>
+                                              <p:pRg st="1" end="1"/>
+                                            </p:txEl>
+                                          </p:spTgt>
+                                        </p:tgtEl>
+                                        <p:attrNameLst>
+                                          <p:attrName>style.visibility</p:attrName>
+                                        </p:attrNameLst>
+                                      </p:cBhvr>
+                                      <p:to>
+                                        <p:strVal val="visible"/>
+                                      </p:to>
+                                    </p:set>
+                                    <p:animEffect transition="in" filter="fade">
+                                      <p:cBhvr>
+                                        <p:cTn id="17" dur="500"/>
                                         <p:tgtEl>
                                           <p:spTgt spid="3">
                                             <p:txEl>
@@ -10126,11 +13235,15 @@
         </p:cTn>
       </p:par>
     </p:tnLst>
+    <p:bldLst>
+      <p:bldP spid="2" grpId="0"/>
+      <p:bldP spid="3" grpId="0" build="p"/>
+    </p:bldLst>
   </p:timing>
 </p:sld>
 </file>
 
-<file path=ppt/slides/slide19.xml><?xml version="1.0" encoding="utf-8"?>
+<file path=ppt/slides/slide23.xml><?xml version="1.0" encoding="utf-8"?>
 <p:sld xmlns:a="http://schemas.openxmlformats.org/drawingml/2006/main" xmlns:r="http://schemas.openxmlformats.org/officeDocument/2006/relationships" xmlns:p="http://schemas.openxmlformats.org/presentationml/2006/main">
   <p:cSld>
     <p:spTree>
@@ -10276,7 +13389,7 @@
                             </p:stCondLst>
                             <p:childTnLst>
                               <p:par>
-                                <p:cTn id="5" presetID="2" presetClass="entr" presetSubtype="4" fill="hold" nodeType="clickEffect">
+                                <p:cTn id="5" presetID="10" presetClass="entr" presetSubtype="0" fill="hold" grpId="0" nodeType="clickEffect">
                                   <p:stCondLst>
                                     <p:cond delay="0"/>
                                   </p:stCondLst>
@@ -10284,6 +13397,59 @@
                                     <p:set>
                                       <p:cBhvr>
                                         <p:cTn id="6" dur="1" fill="hold">
+                                          <p:stCondLst>
+                                            <p:cond delay="0"/>
+                                          </p:stCondLst>
+                                        </p:cTn>
+                                        <p:tgtEl>
+                                          <p:spTgt spid="2"/>
+                                        </p:tgtEl>
+                                        <p:attrNameLst>
+                                          <p:attrName>style.visibility</p:attrName>
+                                        </p:attrNameLst>
+                                      </p:cBhvr>
+                                      <p:to>
+                                        <p:strVal val="visible"/>
+                                      </p:to>
+                                    </p:set>
+                                    <p:animEffect transition="in" filter="fade">
+                                      <p:cBhvr>
+                                        <p:cTn id="7" dur="500"/>
+                                        <p:tgtEl>
+                                          <p:spTgt spid="2"/>
+                                        </p:tgtEl>
+                                      </p:cBhvr>
+                                    </p:animEffect>
+                                  </p:childTnLst>
+                                </p:cTn>
+                              </p:par>
+                            </p:childTnLst>
+                          </p:cTn>
+                        </p:par>
+                      </p:childTnLst>
+                    </p:cTn>
+                  </p:par>
+                  <p:par>
+                    <p:cTn id="8" fill="hold">
+                      <p:stCondLst>
+                        <p:cond delay="indefinite"/>
+                      </p:stCondLst>
+                      <p:childTnLst>
+                        <p:par>
+                          <p:cTn id="9" fill="hold">
+                            <p:stCondLst>
+                              <p:cond delay="0"/>
+                            </p:stCondLst>
+                            <p:childTnLst>
+                              <p:par>
+                                <p:cTn id="10" presetID="2" presetClass="entr" presetSubtype="4" fill="hold" nodeType="clickEffect">
+                                  <p:stCondLst>
+                                    <p:cond delay="0"/>
+                                  </p:stCondLst>
+                                  <p:childTnLst>
+                                    <p:set>
+                                      <p:cBhvr>
+                                        <p:cTn id="11" dur="1" fill="hold">
                                           <p:stCondLst>
                                             <p:cond delay="0"/>
                                           </p:stCondLst>
@@ -10301,7 +13467,7 @@
                                     </p:set>
                                     <p:anim calcmode="lin" valueType="num">
                                       <p:cBhvr additive="base">
-                                        <p:cTn id="7" dur="500" fill="hold"/>
+                                        <p:cTn id="12" dur="500" fill="hold"/>
                                         <p:tgtEl>
                                           <p:spTgt spid="4"/>
                                         </p:tgtEl>
@@ -10324,7 +13490,7 @@
                                     </p:anim>
                                     <p:anim calcmode="lin" valueType="num">
                                       <p:cBhvr additive="base">
-                                        <p:cTn id="8" dur="500" fill="hold"/>
+                                        <p:cTn id="13" dur="500" fill="hold"/>
                                         <p:tgtEl>
                                           <p:spTgt spid="4"/>
                                         </p:tgtEl>
@@ -10375,456 +13541,14 @@
         </p:cTn>
       </p:par>
     </p:tnLst>
-  </p:timing>
-</p:sld>
-</file>
-
-<file path=ppt/slides/slide2.xml><?xml version="1.0" encoding="utf-8"?>
-<p:sld xmlns:a="http://schemas.openxmlformats.org/drawingml/2006/main" xmlns:r="http://schemas.openxmlformats.org/officeDocument/2006/relationships" xmlns:p="http://schemas.openxmlformats.org/presentationml/2006/main">
-  <p:cSld>
-    <p:spTree>
-      <p:nvGrpSpPr>
-        <p:cNvPr id="1" name=""/>
-        <p:cNvGrpSpPr/>
-        <p:nvPr/>
-      </p:nvGrpSpPr>
-      <p:grpSpPr>
-        <a:xfrm>
-          <a:off x="0" y="0"/>
-          <a:ext cx="0" cy="0"/>
-          <a:chOff x="0" y="0"/>
-          <a:chExt cx="0" cy="0"/>
-        </a:xfrm>
-      </p:grpSpPr>
-      <p:sp>
-        <p:nvSpPr>
-          <p:cNvPr id="6146" name="Title 1"/>
-          <p:cNvSpPr>
-            <a:spLocks noGrp="1"/>
-          </p:cNvSpPr>
-          <p:nvPr>
-            <p:ph type="title"/>
-          </p:nvPr>
-        </p:nvSpPr>
-        <p:spPr/>
-        <p:txBody>
-          <a:bodyPr/>
-          <a:lstStyle/>
-          <a:p>
-            <a:pPr eaLnBrk="1" hangingPunct="1"/>
-            <a:r>
-              <a:rPr lang="en-US" altLang="en-US" smtClean="0"/>
-              <a:t>Introduction</a:t>
-            </a:r>
-          </a:p>
-        </p:txBody>
-      </p:sp>
-      <p:sp>
-        <p:nvSpPr>
-          <p:cNvPr id="6147" name="Content Placeholder 2"/>
-          <p:cNvSpPr>
-            <a:spLocks noGrp="1"/>
-          </p:cNvSpPr>
-          <p:nvPr>
-            <p:ph idx="1"/>
-          </p:nvPr>
-        </p:nvSpPr>
-        <p:spPr/>
-        <p:txBody>
-          <a:bodyPr/>
-          <a:lstStyle/>
-          <a:p>
-            <a:pPr eaLnBrk="1" hangingPunct="1">
-              <a:defRPr/>
-            </a:pPr>
-            <a:r>
-              <a:rPr lang="en-US" altLang="en-US" dirty="0"/>
-              <a:t>Visual Information transmitted in the form of digital images is a major method of communication in the modern age, but the image is often corrupted with noise.</a:t>
-            </a:r>
-          </a:p>
-          <a:p>
-            <a:pPr eaLnBrk="1" hangingPunct="1">
-              <a:defRPr/>
-            </a:pPr>
-            <a:r>
-              <a:rPr lang="en-US" altLang="en-US" dirty="0"/>
-              <a:t>The received image needs processing before it can be used in applications.</a:t>
-            </a:r>
-          </a:p>
-          <a:p>
-            <a:pPr eaLnBrk="1" hangingPunct="1">
-              <a:defRPr/>
-            </a:pPr>
-            <a:r>
-              <a:rPr lang="en-ZA" altLang="en-US" dirty="0"/>
-              <a:t>That is where we come in ;) </a:t>
-            </a:r>
-            <a:endParaRPr lang="en-US" altLang="en-US" dirty="0"/>
-          </a:p>
-          <a:p>
-            <a:pPr eaLnBrk="1" hangingPunct="1">
-              <a:defRPr/>
-            </a:pPr>
-            <a:r>
-              <a:rPr lang="en-US" altLang="en-US" dirty="0"/>
-              <a:t>Image </a:t>
-            </a:r>
-            <a:r>
-              <a:rPr lang="en-US" altLang="en-US" dirty="0" err="1"/>
-              <a:t>denoising</a:t>
-            </a:r>
-            <a:r>
-              <a:rPr lang="en-US" altLang="en-US" dirty="0"/>
-              <a:t> involves the manipulation of the image data to produce a visually high quality image.</a:t>
-            </a:r>
-          </a:p>
-          <a:p>
-            <a:pPr marL="0" indent="0" eaLnBrk="1" hangingPunct="1">
-              <a:buFont typeface="Wingdings 3" panose="05040102010807070707" pitchFamily="18" charset="2"/>
-              <a:buNone/>
-              <a:defRPr/>
-            </a:pPr>
-            <a:endParaRPr lang="en-US" altLang="en-US" dirty="0"/>
-          </a:p>
-        </p:txBody>
-      </p:sp>
-    </p:spTree>
-    <p:extLst>
-      <p:ext uri="{BB962C8B-B14F-4D97-AF65-F5344CB8AC3E}">
-        <p14:creationId xmlns:p14="http://schemas.microsoft.com/office/powerpoint/2010/main" val="1726962920"/>
-      </p:ext>
-    </p:extLst>
-  </p:cSld>
-  <p:clrMapOvr>
-    <a:masterClrMapping/>
-  </p:clrMapOvr>
-  <p:timing>
-    <p:tnLst>
-      <p:par>
-        <p:cTn id="1" dur="indefinite" restart="never" nodeType="tmRoot">
-          <p:childTnLst>
-            <p:seq concurrent="1" nextAc="seek">
-              <p:cTn id="2" dur="indefinite" nodeType="mainSeq">
-                <p:childTnLst>
-                  <p:par>
-                    <p:cTn id="3" fill="hold" nodeType="clickPar">
-                      <p:stCondLst>
-                        <p:cond delay="indefinite"/>
-                      </p:stCondLst>
-                      <p:childTnLst>
-                        <p:par>
-                          <p:cTn id="4" fill="hold" nodeType="withGroup">
-                            <p:stCondLst>
-                              <p:cond delay="0"/>
-                            </p:stCondLst>
-                            <p:childTnLst>
-                              <p:par>
-                                <p:cTn id="5" presetID="1" presetClass="entr" presetSubtype="0" fill="hold" grpId="0" nodeType="clickEffect">
-                                  <p:stCondLst>
-                                    <p:cond delay="0"/>
-                                  </p:stCondLst>
-                                  <p:childTnLst>
-                                    <p:set>
-                                      <p:cBhvr>
-                                        <p:cTn id="6" dur="1" fill="hold">
-                                          <p:stCondLst>
-                                            <p:cond delay="0"/>
-                                          </p:stCondLst>
-                                        </p:cTn>
-                                        <p:tgtEl>
-                                          <p:spTgt spid="6146"/>
-                                        </p:tgtEl>
-                                        <p:attrNameLst>
-                                          <p:attrName>style.visibility</p:attrName>
-                                        </p:attrNameLst>
-                                      </p:cBhvr>
-                                      <p:to>
-                                        <p:strVal val="visible"/>
-                                      </p:to>
-                                    </p:set>
-                                  </p:childTnLst>
-                                </p:cTn>
-                              </p:par>
-                            </p:childTnLst>
-                          </p:cTn>
-                        </p:par>
-                      </p:childTnLst>
-                    </p:cTn>
-                  </p:par>
-                  <p:par>
-                    <p:cTn id="7" fill="hold" nodeType="clickPar">
-                      <p:stCondLst>
-                        <p:cond delay="indefinite"/>
-                      </p:stCondLst>
-                      <p:childTnLst>
-                        <p:par>
-                          <p:cTn id="8" fill="hold" nodeType="withGroup">
-                            <p:stCondLst>
-                              <p:cond delay="0"/>
-                            </p:stCondLst>
-                            <p:childTnLst>
-                              <p:par>
-                                <p:cTn id="9" presetID="10" presetClass="entr" presetSubtype="0" fill="hold" grpId="0" nodeType="clickEffect">
-                                  <p:stCondLst>
-                                    <p:cond delay="0"/>
-                                  </p:stCondLst>
-                                  <p:childTnLst>
-                                    <p:set>
-                                      <p:cBhvr>
-                                        <p:cTn id="10" dur="1" fill="hold">
-                                          <p:stCondLst>
-                                            <p:cond delay="0"/>
-                                          </p:stCondLst>
-                                        </p:cTn>
-                                        <p:tgtEl>
-                                          <p:spTgt spid="6147">
-                                            <p:txEl>
-                                              <p:pRg st="0" end="0"/>
-                                            </p:txEl>
-                                          </p:spTgt>
-                                        </p:tgtEl>
-                                        <p:attrNameLst>
-                                          <p:attrName>style.visibility</p:attrName>
-                                        </p:attrNameLst>
-                                      </p:cBhvr>
-                                      <p:to>
-                                        <p:strVal val="visible"/>
-                                      </p:to>
-                                    </p:set>
-                                    <p:animEffect transition="in" filter="fade">
-                                      <p:cBhvr>
-                                        <p:cTn id="11" dur="500"/>
-                                        <p:tgtEl>
-                                          <p:spTgt spid="6147">
-                                            <p:txEl>
-                                              <p:pRg st="0" end="0"/>
-                                            </p:txEl>
-                                          </p:spTgt>
-                                        </p:tgtEl>
-                                      </p:cBhvr>
-                                    </p:animEffect>
-                                  </p:childTnLst>
-                                </p:cTn>
-                              </p:par>
-                            </p:childTnLst>
-                          </p:cTn>
-                        </p:par>
-                      </p:childTnLst>
-                    </p:cTn>
-                  </p:par>
-                  <p:par>
-                    <p:cTn id="12" fill="hold" nodeType="clickPar">
-                      <p:stCondLst>
-                        <p:cond delay="indefinite"/>
-                      </p:stCondLst>
-                      <p:childTnLst>
-                        <p:par>
-                          <p:cTn id="13" fill="hold" nodeType="withGroup">
-                            <p:stCondLst>
-                              <p:cond delay="0"/>
-                            </p:stCondLst>
-                            <p:childTnLst>
-                              <p:par>
-                                <p:cTn id="14" presetID="10" presetClass="entr" presetSubtype="0" fill="hold" grpId="0" nodeType="clickEffect">
-                                  <p:stCondLst>
-                                    <p:cond delay="0"/>
-                                  </p:stCondLst>
-                                  <p:childTnLst>
-                                    <p:set>
-                                      <p:cBhvr>
-                                        <p:cTn id="15" dur="1" fill="hold">
-                                          <p:stCondLst>
-                                            <p:cond delay="0"/>
-                                          </p:stCondLst>
-                                        </p:cTn>
-                                        <p:tgtEl>
-                                          <p:spTgt spid="6147">
-                                            <p:txEl>
-                                              <p:pRg st="1" end="1"/>
-                                            </p:txEl>
-                                          </p:spTgt>
-                                        </p:tgtEl>
-                                        <p:attrNameLst>
-                                          <p:attrName>style.visibility</p:attrName>
-                                        </p:attrNameLst>
-                                      </p:cBhvr>
-                                      <p:to>
-                                        <p:strVal val="visible"/>
-                                      </p:to>
-                                    </p:set>
-                                    <p:animEffect transition="in" filter="fade">
-                                      <p:cBhvr>
-                                        <p:cTn id="16" dur="500"/>
-                                        <p:tgtEl>
-                                          <p:spTgt spid="6147">
-                                            <p:txEl>
-                                              <p:pRg st="1" end="1"/>
-                                            </p:txEl>
-                                          </p:spTgt>
-                                        </p:tgtEl>
-                                      </p:cBhvr>
-                                    </p:animEffect>
-                                  </p:childTnLst>
-                                </p:cTn>
-                              </p:par>
-                            </p:childTnLst>
-                          </p:cTn>
-                        </p:par>
-                      </p:childTnLst>
-                    </p:cTn>
-                  </p:par>
-                  <p:par>
-                    <p:cTn id="17" fill="hold" nodeType="clickPar">
-                      <p:stCondLst>
-                        <p:cond delay="indefinite"/>
-                      </p:stCondLst>
-                      <p:childTnLst>
-                        <p:par>
-                          <p:cTn id="18" fill="hold" nodeType="withGroup">
-                            <p:stCondLst>
-                              <p:cond delay="0"/>
-                            </p:stCondLst>
-                            <p:childTnLst>
-                              <p:par>
-                                <p:cTn id="19" presetID="10" presetClass="entr" presetSubtype="0" fill="hold" grpId="0" nodeType="clickEffect">
-                                  <p:stCondLst>
-                                    <p:cond delay="0"/>
-                                  </p:stCondLst>
-                                  <p:childTnLst>
-                                    <p:set>
-                                      <p:cBhvr>
-                                        <p:cTn id="20" dur="1" fill="hold">
-                                          <p:stCondLst>
-                                            <p:cond delay="0"/>
-                                          </p:stCondLst>
-                                        </p:cTn>
-                                        <p:tgtEl>
-                                          <p:spTgt spid="6147">
-                                            <p:txEl>
-                                              <p:pRg st="2" end="2"/>
-                                            </p:txEl>
-                                          </p:spTgt>
-                                        </p:tgtEl>
-                                        <p:attrNameLst>
-                                          <p:attrName>style.visibility</p:attrName>
-                                        </p:attrNameLst>
-                                      </p:cBhvr>
-                                      <p:to>
-                                        <p:strVal val="visible"/>
-                                      </p:to>
-                                    </p:set>
-                                    <p:animEffect transition="in" filter="fade">
-                                      <p:cBhvr>
-                                        <p:cTn id="21" dur="500"/>
-                                        <p:tgtEl>
-                                          <p:spTgt spid="6147">
-                                            <p:txEl>
-                                              <p:pRg st="2" end="2"/>
-                                            </p:txEl>
-                                          </p:spTgt>
-                                        </p:tgtEl>
-                                      </p:cBhvr>
-                                    </p:animEffect>
-                                  </p:childTnLst>
-                                </p:cTn>
-                              </p:par>
-                            </p:childTnLst>
-                          </p:cTn>
-                        </p:par>
-                      </p:childTnLst>
-                    </p:cTn>
-                  </p:par>
-                  <p:par>
-                    <p:cTn id="22" fill="hold" nodeType="clickPar">
-                      <p:stCondLst>
-                        <p:cond delay="indefinite"/>
-                      </p:stCondLst>
-                      <p:childTnLst>
-                        <p:par>
-                          <p:cTn id="23" fill="hold" nodeType="withGroup">
-                            <p:stCondLst>
-                              <p:cond delay="0"/>
-                            </p:stCondLst>
-                            <p:childTnLst>
-                              <p:par>
-                                <p:cTn id="24" presetID="10" presetClass="entr" presetSubtype="0" fill="hold" grpId="0" nodeType="clickEffect">
-                                  <p:stCondLst>
-                                    <p:cond delay="0"/>
-                                  </p:stCondLst>
-                                  <p:childTnLst>
-                                    <p:set>
-                                      <p:cBhvr>
-                                        <p:cTn id="25" dur="1" fill="hold">
-                                          <p:stCondLst>
-                                            <p:cond delay="0"/>
-                                          </p:stCondLst>
-                                        </p:cTn>
-                                        <p:tgtEl>
-                                          <p:spTgt spid="6147">
-                                            <p:txEl>
-                                              <p:pRg st="3" end="3"/>
-                                            </p:txEl>
-                                          </p:spTgt>
-                                        </p:tgtEl>
-                                        <p:attrNameLst>
-                                          <p:attrName>style.visibility</p:attrName>
-                                        </p:attrNameLst>
-                                      </p:cBhvr>
-                                      <p:to>
-                                        <p:strVal val="visible"/>
-                                      </p:to>
-                                    </p:set>
-                                    <p:animEffect transition="in" filter="fade">
-                                      <p:cBhvr>
-                                        <p:cTn id="26" dur="500"/>
-                                        <p:tgtEl>
-                                          <p:spTgt spid="6147">
-                                            <p:txEl>
-                                              <p:pRg st="3" end="3"/>
-                                            </p:txEl>
-                                          </p:spTgt>
-                                        </p:tgtEl>
-                                      </p:cBhvr>
-                                    </p:animEffect>
-                                  </p:childTnLst>
-                                </p:cTn>
-                              </p:par>
-                            </p:childTnLst>
-                          </p:cTn>
-                        </p:par>
-                      </p:childTnLst>
-                    </p:cTn>
-                  </p:par>
-                </p:childTnLst>
-              </p:cTn>
-              <p:prevCondLst>
-                <p:cond evt="onPrev" delay="0">
-                  <p:tgtEl>
-                    <p:sldTgt/>
-                  </p:tgtEl>
-                </p:cond>
-              </p:prevCondLst>
-              <p:nextCondLst>
-                <p:cond evt="onNext" delay="0">
-                  <p:tgtEl>
-                    <p:sldTgt/>
-                  </p:tgtEl>
-                </p:cond>
-              </p:nextCondLst>
-            </p:seq>
-          </p:childTnLst>
-        </p:cTn>
-      </p:par>
-    </p:tnLst>
     <p:bldLst>
-      <p:bldP spid="6146" grpId="0"/>
-      <p:bldP spid="6147" grpId="0" uiExpand="1" build="p"/>
+      <p:bldP spid="2" grpId="0"/>
     </p:bldLst>
   </p:timing>
 </p:sld>
 </file>
 
-<file path=ppt/slides/slide20.xml><?xml version="1.0" encoding="utf-8"?>
+<file path=ppt/slides/slide24.xml><?xml version="1.0" encoding="utf-8"?>
 <p:sld xmlns:a="http://schemas.openxmlformats.org/drawingml/2006/main" xmlns:r="http://schemas.openxmlformats.org/officeDocument/2006/relationships" xmlns:p="http://schemas.openxmlformats.org/presentationml/2006/main">
   <p:cSld>
     <p:spTree>
@@ -11200,7 +13924,7 @@
 </p:sld>
 </file>
 
-<file path=ppt/slides/slide21.xml><?xml version="1.0" encoding="utf-8"?>
+<file path=ppt/slides/slide25.xml><?xml version="1.0" encoding="utf-8"?>
 <p:sld xmlns:a="http://schemas.openxmlformats.org/drawingml/2006/main" xmlns:r="http://schemas.openxmlformats.org/officeDocument/2006/relationships" xmlns:p="http://schemas.openxmlformats.org/presentationml/2006/main">
   <p:cSld>
     <p:spTree>
@@ -11266,7 +13990,7 @@
 </p:sld>
 </file>
 
-<file path=ppt/slides/slide22.xml><?xml version="1.0" encoding="utf-8"?>
+<file path=ppt/slides/slide26.xml><?xml version="1.0" encoding="utf-8"?>
 <p:sld xmlns:a="http://schemas.openxmlformats.org/drawingml/2006/main" xmlns:r="http://schemas.openxmlformats.org/officeDocument/2006/relationships" xmlns:p="http://schemas.openxmlformats.org/presentationml/2006/main">
   <p:cSld>
     <p:spTree>
@@ -12221,7 +14945,7 @@
 </p:sld>
 </file>
 
-<file path=ppt/slides/slide23.xml><?xml version="1.0" encoding="utf-8"?>
+<file path=ppt/slides/slide27.xml><?xml version="1.0" encoding="utf-8"?>
 <p:sld xmlns:a="http://schemas.openxmlformats.org/drawingml/2006/main" xmlns:r="http://schemas.openxmlformats.org/officeDocument/2006/relationships" xmlns:p="http://schemas.openxmlformats.org/presentationml/2006/main">
   <p:cSld>
     <p:spTree>
@@ -14919,11 +17643,7 @@
             <a:pPr eaLnBrk="1" hangingPunct="1"/>
             <a:r>
               <a:rPr lang="en-US" dirty="0" smtClean="0"/>
-              <a:t>Spatial </a:t>
-            </a:r>
-            <a:r>
-              <a:rPr lang="en-US" dirty="0" smtClean="0"/>
-              <a:t>Domain Filtering: Applies a mean filter on an image to smoothen it, reduces intensity variation between adjacent pixels.</a:t>
+              <a:t>Spatial Domain Filtering: Applies a mean filter on an image to smoothen it, reduces intensity variation between adjacent pixels.</a:t>
             </a:r>
           </a:p>
           <a:p>
@@ -15018,7 +17738,7 @@
                             </p:stCondLst>
                             <p:childTnLst>
                               <p:par>
-                                <p:cTn id="10" presetID="10" presetClass="entr" presetSubtype="0" fill="hold" nodeType="clickEffect">
+                                <p:cTn id="10" presetID="10" presetClass="entr" presetSubtype="0" fill="hold" grpId="0" nodeType="clickEffect">
                                   <p:stCondLst>
                                     <p:cond delay="0"/>
                                   </p:stCondLst>
@@ -15079,7 +17799,7 @@
                             </p:stCondLst>
                             <p:childTnLst>
                               <p:par>
-                                <p:cTn id="15" presetID="10" presetClass="entr" presetSubtype="0" fill="hold" nodeType="clickEffect">
+                                <p:cTn id="15" presetID="10" presetClass="entr" presetSubtype="0" fill="hold" grpId="0" nodeType="clickEffect">
                                   <p:stCondLst>
                                     <p:cond delay="0"/>
                                   </p:stCondLst>
@@ -15150,6 +17870,7 @@
     </p:tnLst>
     <p:bldLst>
       <p:bldP spid="8194" grpId="0"/>
+      <p:bldP spid="8195" grpId="0" build="p"/>
     </p:bldLst>
   </p:timing>
 </p:sld>
@@ -15188,31 +17909,202 @@
           <a:lstStyle/>
           <a:p>
             <a:r>
-              <a:rPr lang="en-US" smtClean="0"/>
-              <a:t>Gaussian Noise:</a:t>
-            </a:r>
+              <a:rPr lang="en-US" dirty="0" smtClean="0"/>
+              <a:t>Process of a Convolution:</a:t>
+            </a:r>
+            <a:endParaRPr lang="en-US" dirty="0" smtClean="0"/>
           </a:p>
         </p:txBody>
       </p:sp>
-      <p:sp>
-        <p:nvSpPr>
-          <p:cNvPr id="9219" name="Content Placeholder 2"/>
-          <p:cNvSpPr>
-            <a:spLocks noGrp="1"/>
-          </p:cNvSpPr>
-          <p:nvPr>
-            <p:ph idx="1"/>
-          </p:nvPr>
-        </p:nvSpPr>
-        <p:spPr/>
-        <p:txBody>
-          <a:bodyPr/>
-          <a:lstStyle/>
-          <a:p>
-            <a:endParaRPr lang="en-US" smtClean="0"/>
-          </a:p>
-        </p:txBody>
-      </p:sp>
+      <mc:AlternateContent xmlns:mc="http://schemas.openxmlformats.org/markup-compatibility/2006">
+        <mc:Choice xmlns:a14="http://schemas.microsoft.com/office/drawing/2010/main" Requires="a14">
+          <p:sp>
+            <p:nvSpPr>
+              <p:cNvPr id="9219" name="Content Placeholder 2"/>
+              <p:cNvSpPr>
+                <a:spLocks noGrp="1"/>
+              </p:cNvSpPr>
+              <p:nvPr>
+                <p:ph idx="1"/>
+              </p:nvPr>
+            </p:nvSpPr>
+            <p:spPr/>
+            <p:txBody>
+              <a:bodyPr/>
+              <a:lstStyle/>
+              <a:p>
+                <a:pPr lvl="0"/>
+                <a:r>
+                  <a:rPr lang="en-US" dirty="0"/>
+                  <a:t>A convolution is done by multiplying a pixel and its neighboring pixels color values by a kernel.</a:t>
+                </a:r>
+              </a:p>
+              <a:p>
+                <a:pPr lvl="0"/>
+                <a:r>
+                  <a:rPr lang="en-US" dirty="0"/>
+                  <a:t>A kernel is usually a small matrix of numbers that is used in image convolutions</a:t>
+                </a:r>
+                <a:r>
+                  <a:rPr lang="en-US" dirty="0" smtClean="0"/>
+                  <a:t>. (</a:t>
+                </a:r>
+                <a:r>
+                  <a:rPr lang="en-US" dirty="0"/>
+                  <a:t>The size of a kernel is </a:t>
+                </a:r>
+                <a:r>
+                  <a:rPr lang="en-US" dirty="0" smtClean="0"/>
+                  <a:t>arbitrary)</a:t>
+                </a:r>
+              </a:p>
+              <a:p>
+                <a:pPr lvl="0"/>
+                <a:r>
+                  <a:rPr lang="en-US" dirty="0" smtClean="0"/>
+                  <a:t>Example of a kernel:</a:t>
+                </a:r>
+              </a:p>
+              <a:p>
+                <a:pPr marL="0" lvl="0" indent="0">
+                  <a:buNone/>
+                </a:pPr>
+                <a:r>
+                  <a:rPr lang="en-US" dirty="0" smtClean="0"/>
+                  <a:t> 					</a:t>
+                </a:r>
+                <a14:m>
+                  <m:oMath xmlns:m="http://schemas.openxmlformats.org/officeDocument/2006/math">
+                    <m:d>
+                      <m:dPr>
+                        <m:begChr m:val="["/>
+                        <m:endChr m:val="]"/>
+                        <m:ctrlPr>
+                          <a:rPr lang="en-US" i="1"/>
+                        </m:ctrlPr>
+                      </m:dPr>
+                      <m:e>
+                        <m:m>
+                          <m:mPr>
+                            <m:mcs>
+                              <m:mc>
+                                <m:mcPr>
+                                  <m:count m:val="3"/>
+                                  <m:mcJc m:val="center"/>
+                                </m:mcPr>
+                              </m:mc>
+                            </m:mcs>
+                            <m:ctrlPr>
+                              <a:rPr lang="en-US" i="1"/>
+                            </m:ctrlPr>
+                          </m:mPr>
+                          <m:mr>
+                            <m:e>
+                              <m:r>
+                                <a:rPr lang="en-US" i="1"/>
+                                <m:t>0</m:t>
+                              </m:r>
+                            </m:e>
+                            <m:e>
+                              <m:r>
+                                <a:rPr lang="en-US" i="1"/>
+                                <m:t>1</m:t>
+                              </m:r>
+                            </m:e>
+                            <m:e>
+                              <m:r>
+                                <a:rPr lang="en-US" i="1"/>
+                                <m:t>0</m:t>
+                              </m:r>
+                            </m:e>
+                          </m:mr>
+                          <m:mr>
+                            <m:e>
+                              <m:r>
+                                <a:rPr lang="en-US" i="1"/>
+                                <m:t>1</m:t>
+                              </m:r>
+                            </m:e>
+                            <m:e>
+                              <m:r>
+                                <a:rPr lang="en-US" i="1"/>
+                                <m:t>1</m:t>
+                              </m:r>
+                            </m:e>
+                            <m:e>
+                              <m:r>
+                                <a:rPr lang="en-US" i="1"/>
+                                <m:t>1</m:t>
+                              </m:r>
+                            </m:e>
+                          </m:mr>
+                          <m:mr>
+                            <m:e>
+                              <m:r>
+                                <a:rPr lang="en-US" i="1"/>
+                                <m:t>0</m:t>
+                              </m:r>
+                            </m:e>
+                            <m:e>
+                              <m:r>
+                                <a:rPr lang="en-US" i="1"/>
+                                <m:t>1</m:t>
+                              </m:r>
+                            </m:e>
+                            <m:e>
+                              <m:r>
+                                <a:rPr lang="en-US" i="1"/>
+                                <m:t>0</m:t>
+                              </m:r>
+                            </m:e>
+                          </m:mr>
+                        </m:m>
+                      </m:e>
+                    </m:d>
+                  </m:oMath>
+                </a14:m>
+                <a:endParaRPr lang="en-US" dirty="0"/>
+              </a:p>
+              <a:p>
+                <a:endParaRPr lang="en-US" dirty="0" smtClean="0"/>
+              </a:p>
+            </p:txBody>
+          </p:sp>
+        </mc:Choice>
+        <mc:Fallback>
+          <p:sp>
+            <p:nvSpPr>
+              <p:cNvPr id="9219" name="Content Placeholder 2"/>
+              <p:cNvSpPr>
+                <a:spLocks noGrp="1" noRot="1" noChangeAspect="1" noMove="1" noResize="1" noEditPoints="1" noAdjustHandles="1" noChangeArrowheads="1" noChangeShapeType="1" noTextEdit="1"/>
+              </p:cNvSpPr>
+              <p:nvPr>
+                <p:ph idx="1"/>
+              </p:nvPr>
+            </p:nvSpPr>
+            <p:spPr>
+              <a:blipFill rotWithShape="0">
+                <a:blip r:embed="rId2"/>
+                <a:stretch>
+                  <a:fillRect l="-341" t="-872"/>
+                </a:stretch>
+              </a:blipFill>
+            </p:spPr>
+            <p:txBody>
+              <a:bodyPr/>
+              <a:lstStyle/>
+              <a:p>
+                <a:r>
+                  <a:rPr lang="en-US">
+                    <a:noFill/>
+                  </a:rPr>
+                  <a:t> </a:t>
+                </a:r>
+              </a:p>
+            </p:txBody>
+          </p:sp>
+        </mc:Fallback>
+      </mc:AlternateContent>
     </p:spTree>
   </p:cSld>
   <p:clrMapOvr>
@@ -15221,14 +18113,1594 @@
   <p:timing>
     <p:tnLst>
       <p:par>
-        <p:cTn id="1" dur="indefinite" restart="never" nodeType="tmRoot"/>
+        <p:cTn id="1" dur="indefinite" restart="never" nodeType="tmRoot">
+          <p:childTnLst>
+            <p:seq concurrent="1" nextAc="seek">
+              <p:cTn id="2" dur="indefinite" nodeType="mainSeq">
+                <p:childTnLst>
+                  <p:par>
+                    <p:cTn id="3" fill="hold">
+                      <p:stCondLst>
+                        <p:cond delay="indefinite"/>
+                      </p:stCondLst>
+                      <p:childTnLst>
+                        <p:par>
+                          <p:cTn id="4" fill="hold">
+                            <p:stCondLst>
+                              <p:cond delay="0"/>
+                            </p:stCondLst>
+                            <p:childTnLst>
+                              <p:par>
+                                <p:cTn id="5" presetID="10" presetClass="entr" presetSubtype="0" fill="hold" grpId="0" nodeType="clickEffect">
+                                  <p:stCondLst>
+                                    <p:cond delay="0"/>
+                                  </p:stCondLst>
+                                  <p:childTnLst>
+                                    <p:set>
+                                      <p:cBhvr>
+                                        <p:cTn id="6" dur="1" fill="hold">
+                                          <p:stCondLst>
+                                            <p:cond delay="0"/>
+                                          </p:stCondLst>
+                                        </p:cTn>
+                                        <p:tgtEl>
+                                          <p:spTgt spid="9218"/>
+                                        </p:tgtEl>
+                                        <p:attrNameLst>
+                                          <p:attrName>style.visibility</p:attrName>
+                                        </p:attrNameLst>
+                                      </p:cBhvr>
+                                      <p:to>
+                                        <p:strVal val="visible"/>
+                                      </p:to>
+                                    </p:set>
+                                    <p:animEffect transition="in" filter="fade">
+                                      <p:cBhvr>
+                                        <p:cTn id="7" dur="500"/>
+                                        <p:tgtEl>
+                                          <p:spTgt spid="9218"/>
+                                        </p:tgtEl>
+                                      </p:cBhvr>
+                                    </p:animEffect>
+                                  </p:childTnLst>
+                                </p:cTn>
+                              </p:par>
+                            </p:childTnLst>
+                          </p:cTn>
+                        </p:par>
+                      </p:childTnLst>
+                    </p:cTn>
+                  </p:par>
+                  <p:par>
+                    <p:cTn id="8" fill="hold">
+                      <p:stCondLst>
+                        <p:cond delay="indefinite"/>
+                      </p:stCondLst>
+                      <p:childTnLst>
+                        <p:par>
+                          <p:cTn id="9" fill="hold">
+                            <p:stCondLst>
+                              <p:cond delay="0"/>
+                            </p:stCondLst>
+                            <p:childTnLst>
+                              <p:par>
+                                <p:cTn id="10" presetID="10" presetClass="entr" presetSubtype="0" fill="hold" grpId="0" nodeType="clickEffect">
+                                  <p:stCondLst>
+                                    <p:cond delay="0"/>
+                                  </p:stCondLst>
+                                  <p:childTnLst>
+                                    <p:set>
+                                      <p:cBhvr>
+                                        <p:cTn id="11" dur="1" fill="hold">
+                                          <p:stCondLst>
+                                            <p:cond delay="0"/>
+                                          </p:stCondLst>
+                                        </p:cTn>
+                                        <p:tgtEl>
+                                          <p:spTgt spid="9219">
+                                            <p:txEl>
+                                              <p:pRg st="0" end="0"/>
+                                            </p:txEl>
+                                          </p:spTgt>
+                                        </p:tgtEl>
+                                        <p:attrNameLst>
+                                          <p:attrName>style.visibility</p:attrName>
+                                        </p:attrNameLst>
+                                      </p:cBhvr>
+                                      <p:to>
+                                        <p:strVal val="visible"/>
+                                      </p:to>
+                                    </p:set>
+                                    <p:animEffect transition="in" filter="fade">
+                                      <p:cBhvr>
+                                        <p:cTn id="12" dur="500"/>
+                                        <p:tgtEl>
+                                          <p:spTgt spid="9219">
+                                            <p:txEl>
+                                              <p:pRg st="0" end="0"/>
+                                            </p:txEl>
+                                          </p:spTgt>
+                                        </p:tgtEl>
+                                      </p:cBhvr>
+                                    </p:animEffect>
+                                  </p:childTnLst>
+                                </p:cTn>
+                              </p:par>
+                            </p:childTnLst>
+                          </p:cTn>
+                        </p:par>
+                      </p:childTnLst>
+                    </p:cTn>
+                  </p:par>
+                  <p:par>
+                    <p:cTn id="13" fill="hold">
+                      <p:stCondLst>
+                        <p:cond delay="indefinite"/>
+                      </p:stCondLst>
+                      <p:childTnLst>
+                        <p:par>
+                          <p:cTn id="14" fill="hold">
+                            <p:stCondLst>
+                              <p:cond delay="0"/>
+                            </p:stCondLst>
+                            <p:childTnLst>
+                              <p:par>
+                                <p:cTn id="15" presetID="10" presetClass="entr" presetSubtype="0" fill="hold" grpId="0" nodeType="clickEffect">
+                                  <p:stCondLst>
+                                    <p:cond delay="0"/>
+                                  </p:stCondLst>
+                                  <p:childTnLst>
+                                    <p:set>
+                                      <p:cBhvr>
+                                        <p:cTn id="16" dur="1" fill="hold">
+                                          <p:stCondLst>
+                                            <p:cond delay="0"/>
+                                          </p:stCondLst>
+                                        </p:cTn>
+                                        <p:tgtEl>
+                                          <p:spTgt spid="9219">
+                                            <p:txEl>
+                                              <p:pRg st="1" end="1"/>
+                                            </p:txEl>
+                                          </p:spTgt>
+                                        </p:tgtEl>
+                                        <p:attrNameLst>
+                                          <p:attrName>style.visibility</p:attrName>
+                                        </p:attrNameLst>
+                                      </p:cBhvr>
+                                      <p:to>
+                                        <p:strVal val="visible"/>
+                                      </p:to>
+                                    </p:set>
+                                    <p:animEffect transition="in" filter="fade">
+                                      <p:cBhvr>
+                                        <p:cTn id="17" dur="500"/>
+                                        <p:tgtEl>
+                                          <p:spTgt spid="9219">
+                                            <p:txEl>
+                                              <p:pRg st="1" end="1"/>
+                                            </p:txEl>
+                                          </p:spTgt>
+                                        </p:tgtEl>
+                                      </p:cBhvr>
+                                    </p:animEffect>
+                                  </p:childTnLst>
+                                </p:cTn>
+                              </p:par>
+                            </p:childTnLst>
+                          </p:cTn>
+                        </p:par>
+                      </p:childTnLst>
+                    </p:cTn>
+                  </p:par>
+                  <p:par>
+                    <p:cTn id="18" fill="hold">
+                      <p:stCondLst>
+                        <p:cond delay="indefinite"/>
+                      </p:stCondLst>
+                      <p:childTnLst>
+                        <p:par>
+                          <p:cTn id="19" fill="hold">
+                            <p:stCondLst>
+                              <p:cond delay="0"/>
+                            </p:stCondLst>
+                            <p:childTnLst>
+                              <p:par>
+                                <p:cTn id="20" presetID="10" presetClass="entr" presetSubtype="0" fill="hold" grpId="0" nodeType="clickEffect">
+                                  <p:stCondLst>
+                                    <p:cond delay="0"/>
+                                  </p:stCondLst>
+                                  <p:childTnLst>
+                                    <p:set>
+                                      <p:cBhvr>
+                                        <p:cTn id="21" dur="1" fill="hold">
+                                          <p:stCondLst>
+                                            <p:cond delay="0"/>
+                                          </p:stCondLst>
+                                        </p:cTn>
+                                        <p:tgtEl>
+                                          <p:spTgt spid="9219">
+                                            <p:txEl>
+                                              <p:pRg st="2" end="2"/>
+                                            </p:txEl>
+                                          </p:spTgt>
+                                        </p:tgtEl>
+                                        <p:attrNameLst>
+                                          <p:attrName>style.visibility</p:attrName>
+                                        </p:attrNameLst>
+                                      </p:cBhvr>
+                                      <p:to>
+                                        <p:strVal val="visible"/>
+                                      </p:to>
+                                    </p:set>
+                                    <p:animEffect transition="in" filter="fade">
+                                      <p:cBhvr>
+                                        <p:cTn id="22" dur="500"/>
+                                        <p:tgtEl>
+                                          <p:spTgt spid="9219">
+                                            <p:txEl>
+                                              <p:pRg st="2" end="2"/>
+                                            </p:txEl>
+                                          </p:spTgt>
+                                        </p:tgtEl>
+                                      </p:cBhvr>
+                                    </p:animEffect>
+                                  </p:childTnLst>
+                                </p:cTn>
+                              </p:par>
+                            </p:childTnLst>
+                          </p:cTn>
+                        </p:par>
+                      </p:childTnLst>
+                    </p:cTn>
+                  </p:par>
+                  <p:par>
+                    <p:cTn id="23" fill="hold">
+                      <p:stCondLst>
+                        <p:cond delay="indefinite"/>
+                      </p:stCondLst>
+                      <p:childTnLst>
+                        <p:par>
+                          <p:cTn id="24" fill="hold">
+                            <p:stCondLst>
+                              <p:cond delay="0"/>
+                            </p:stCondLst>
+                            <p:childTnLst>
+                              <p:par>
+                                <p:cTn id="25" presetID="10" presetClass="entr" presetSubtype="0" fill="hold" grpId="0" nodeType="clickEffect">
+                                  <p:stCondLst>
+                                    <p:cond delay="0"/>
+                                  </p:stCondLst>
+                                  <p:childTnLst>
+                                    <p:set>
+                                      <p:cBhvr>
+                                        <p:cTn id="26" dur="1" fill="hold">
+                                          <p:stCondLst>
+                                            <p:cond delay="0"/>
+                                          </p:stCondLst>
+                                        </p:cTn>
+                                        <p:tgtEl>
+                                          <p:spTgt spid="9219">
+                                            <p:txEl>
+                                              <p:pRg st="3" end="3"/>
+                                            </p:txEl>
+                                          </p:spTgt>
+                                        </p:tgtEl>
+                                        <p:attrNameLst>
+                                          <p:attrName>style.visibility</p:attrName>
+                                        </p:attrNameLst>
+                                      </p:cBhvr>
+                                      <p:to>
+                                        <p:strVal val="visible"/>
+                                      </p:to>
+                                    </p:set>
+                                    <p:animEffect transition="in" filter="fade">
+                                      <p:cBhvr>
+                                        <p:cTn id="27" dur="500"/>
+                                        <p:tgtEl>
+                                          <p:spTgt spid="9219">
+                                            <p:txEl>
+                                              <p:pRg st="3" end="3"/>
+                                            </p:txEl>
+                                          </p:spTgt>
+                                        </p:tgtEl>
+                                      </p:cBhvr>
+                                    </p:animEffect>
+                                  </p:childTnLst>
+                                </p:cTn>
+                              </p:par>
+                            </p:childTnLst>
+                          </p:cTn>
+                        </p:par>
+                      </p:childTnLst>
+                    </p:cTn>
+                  </p:par>
+                </p:childTnLst>
+              </p:cTn>
+              <p:prevCondLst>
+                <p:cond evt="onPrev" delay="0">
+                  <p:tgtEl>
+                    <p:sldTgt/>
+                  </p:tgtEl>
+                </p:cond>
+              </p:prevCondLst>
+              <p:nextCondLst>
+                <p:cond evt="onNext" delay="0">
+                  <p:tgtEl>
+                    <p:sldTgt/>
+                  </p:tgtEl>
+                </p:cond>
+              </p:nextCondLst>
+            </p:seq>
+          </p:childTnLst>
+        </p:cTn>
       </p:par>
     </p:tnLst>
+    <p:bldLst>
+      <p:bldP spid="9218" grpId="0"/>
+      <p:bldP spid="9219" grpId="0" build="p"/>
+    </p:bldLst>
   </p:timing>
 </p:sld>
 </file>
 
 <file path=ppt/slides/slide8.xml><?xml version="1.0" encoding="utf-8"?>
+<p:sld xmlns:a="http://schemas.openxmlformats.org/drawingml/2006/main" xmlns:r="http://schemas.openxmlformats.org/officeDocument/2006/relationships" xmlns:p="http://schemas.openxmlformats.org/presentationml/2006/main">
+  <p:cSld>
+    <p:spTree>
+      <p:nvGrpSpPr>
+        <p:cNvPr id="1" name=""/>
+        <p:cNvGrpSpPr/>
+        <p:nvPr/>
+      </p:nvGrpSpPr>
+      <p:grpSpPr>
+        <a:xfrm>
+          <a:off x="0" y="0"/>
+          <a:ext cx="0" cy="0"/>
+          <a:chOff x="0" y="0"/>
+          <a:chExt cx="0" cy="0"/>
+        </a:xfrm>
+      </p:grpSpPr>
+      <p:sp>
+        <p:nvSpPr>
+          <p:cNvPr id="2" name="Title 1"/>
+          <p:cNvSpPr>
+            <a:spLocks noGrp="1"/>
+          </p:cNvSpPr>
+          <p:nvPr>
+            <p:ph type="title"/>
+          </p:nvPr>
+        </p:nvSpPr>
+        <p:spPr/>
+        <p:txBody>
+          <a:bodyPr/>
+          <a:lstStyle/>
+          <a:p>
+            <a:r>
+              <a:rPr lang="en-US" dirty="0"/>
+              <a:t>worked </a:t>
+            </a:r>
+            <a:r>
+              <a:rPr lang="en-US" dirty="0" smtClean="0"/>
+              <a:t>example…</a:t>
+            </a:r>
+            <a:r>
+              <a:rPr lang="en-US" dirty="0"/>
+              <a:t/>
+            </a:r>
+            <a:br>
+              <a:rPr lang="en-US" dirty="0"/>
+            </a:br>
+            <a:endParaRPr lang="en-US" dirty="0"/>
+          </a:p>
+        </p:txBody>
+      </p:sp>
+      <p:pic>
+        <p:nvPicPr>
+          <p:cNvPr id="4" name="Content Placeholder 3"/>
+          <p:cNvPicPr>
+            <a:picLocks noGrp="1" noChangeAspect="1"/>
+          </p:cNvPicPr>
+          <p:nvPr>
+            <p:ph idx="1"/>
+          </p:nvPr>
+        </p:nvPicPr>
+        <p:blipFill>
+          <a:blip r:embed="rId2">
+            <a:extLst>
+              <a:ext uri="{28A0092B-C50C-407E-A947-70E740481C1C}">
+                <a14:useLocalDpi xmlns:a14="http://schemas.microsoft.com/office/drawing/2010/main" val="0"/>
+              </a:ext>
+            </a:extLst>
+          </a:blip>
+          <a:stretch>
+            <a:fillRect/>
+          </a:stretch>
+        </p:blipFill>
+        <p:spPr>
+          <a:xfrm>
+            <a:off x="988931" y="1379803"/>
+            <a:ext cx="2235231" cy="2198284"/>
+          </a:xfrm>
+        </p:spPr>
+      </p:pic>
+      <p:pic>
+        <p:nvPicPr>
+          <p:cNvPr id="5" name="Picture 4"/>
+          <p:cNvPicPr>
+            <a:picLocks noChangeAspect="1"/>
+          </p:cNvPicPr>
+          <p:nvPr/>
+        </p:nvPicPr>
+        <p:blipFill>
+          <a:blip r:embed="rId3">
+            <a:extLst>
+              <a:ext uri="{28A0092B-C50C-407E-A947-70E740481C1C}">
+                <a14:useLocalDpi xmlns:a14="http://schemas.microsoft.com/office/drawing/2010/main" val="0"/>
+              </a:ext>
+            </a:extLst>
+          </a:blip>
+          <a:stretch>
+            <a:fillRect/>
+          </a:stretch>
+        </p:blipFill>
+        <p:spPr>
+          <a:xfrm>
+            <a:off x="3427265" y="1380111"/>
+            <a:ext cx="2235231" cy="2197976"/>
+          </a:xfrm>
+          <a:prstGeom prst="rect">
+            <a:avLst/>
+          </a:prstGeom>
+        </p:spPr>
+      </p:pic>
+      <p:pic>
+        <p:nvPicPr>
+          <p:cNvPr id="6" name="Picture 5"/>
+          <p:cNvPicPr>
+            <a:picLocks noChangeAspect="1"/>
+          </p:cNvPicPr>
+          <p:nvPr/>
+        </p:nvPicPr>
+        <p:blipFill>
+          <a:blip r:embed="rId4">
+            <a:extLst>
+              <a:ext uri="{28A0092B-C50C-407E-A947-70E740481C1C}">
+                <a14:useLocalDpi xmlns:a14="http://schemas.microsoft.com/office/drawing/2010/main" val="0"/>
+              </a:ext>
+            </a:extLst>
+          </a:blip>
+          <a:stretch>
+            <a:fillRect/>
+          </a:stretch>
+        </p:blipFill>
+        <p:spPr>
+          <a:xfrm>
+            <a:off x="5865599" y="1379803"/>
+            <a:ext cx="2235544" cy="2198284"/>
+          </a:xfrm>
+          <a:prstGeom prst="rect">
+            <a:avLst/>
+          </a:prstGeom>
+        </p:spPr>
+      </p:pic>
+      <p:pic>
+        <p:nvPicPr>
+          <p:cNvPr id="7" name="Picture 6"/>
+          <p:cNvPicPr>
+            <a:picLocks noChangeAspect="1"/>
+          </p:cNvPicPr>
+          <p:nvPr/>
+        </p:nvPicPr>
+        <p:blipFill>
+          <a:blip r:embed="rId5">
+            <a:extLst>
+              <a:ext uri="{28A0092B-C50C-407E-A947-70E740481C1C}">
+                <a14:useLocalDpi xmlns:a14="http://schemas.microsoft.com/office/drawing/2010/main" val="0"/>
+              </a:ext>
+            </a:extLst>
+          </a:blip>
+          <a:stretch>
+            <a:fillRect/>
+          </a:stretch>
+        </p:blipFill>
+        <p:spPr>
+          <a:xfrm>
+            <a:off x="988931" y="3906216"/>
+            <a:ext cx="2235231" cy="2197976"/>
+          </a:xfrm>
+          <a:prstGeom prst="rect">
+            <a:avLst/>
+          </a:prstGeom>
+        </p:spPr>
+      </p:pic>
+      <p:pic>
+        <p:nvPicPr>
+          <p:cNvPr id="8" name="Picture 7"/>
+          <p:cNvPicPr>
+            <a:picLocks noChangeAspect="1"/>
+          </p:cNvPicPr>
+          <p:nvPr/>
+        </p:nvPicPr>
+        <p:blipFill>
+          <a:blip r:embed="rId6">
+            <a:extLst>
+              <a:ext uri="{28A0092B-C50C-407E-A947-70E740481C1C}">
+                <a14:useLocalDpi xmlns:a14="http://schemas.microsoft.com/office/drawing/2010/main" val="0"/>
+              </a:ext>
+            </a:extLst>
+          </a:blip>
+          <a:stretch>
+            <a:fillRect/>
+          </a:stretch>
+        </p:blipFill>
+        <p:spPr>
+          <a:xfrm>
+            <a:off x="3536181" y="3896277"/>
+            <a:ext cx="2235873" cy="2197976"/>
+          </a:xfrm>
+          <a:prstGeom prst="rect">
+            <a:avLst/>
+          </a:prstGeom>
+        </p:spPr>
+      </p:pic>
+      <mc:AlternateContent xmlns:mc="http://schemas.openxmlformats.org/markup-compatibility/2006">
+        <mc:Choice xmlns:a14="http://schemas.microsoft.com/office/drawing/2010/main" Requires="a14">
+          <p:sp>
+            <p:nvSpPr>
+              <p:cNvPr id="9" name="Rectangle 8"/>
+              <p:cNvSpPr/>
+              <p:nvPr/>
+            </p:nvSpPr>
+            <p:spPr>
+              <a:xfrm>
+                <a:off x="6421720" y="5385086"/>
+                <a:ext cx="4362235" cy="824906"/>
+              </a:xfrm>
+              <a:prstGeom prst="rect">
+                <a:avLst/>
+              </a:prstGeom>
+            </p:spPr>
+            <p:txBody>
+              <a:bodyPr wrap="square">
+                <a:spAutoFit/>
+              </a:bodyPr>
+              <a:lstStyle/>
+              <a:p>
+                <a14:m>
+                  <m:oMathPara xmlns:m="http://schemas.openxmlformats.org/officeDocument/2006/math">
+                    <m:oMathParaPr>
+                      <m:jc m:val="centerGroup"/>
+                    </m:oMathParaPr>
+                    <m:oMath xmlns:m="http://schemas.openxmlformats.org/officeDocument/2006/math">
+                      <m:d>
+                        <m:dPr>
+                          <m:begChr m:val="["/>
+                          <m:endChr m:val="]"/>
+                          <m:ctrlPr>
+                            <a:rPr lang="en-US">
+                              <a:latin typeface="Cambria Math" panose="02040503050406030204" pitchFamily="18" charset="0"/>
+                            </a:rPr>
+                          </m:ctrlPr>
+                        </m:dPr>
+                        <m:e>
+                          <m:m>
+                            <m:mPr>
+                              <m:mcs>
+                                <m:mc>
+                                  <m:mcPr>
+                                    <m:count m:val="3"/>
+                                    <m:mcJc m:val="center"/>
+                                  </m:mcPr>
+                                </m:mc>
+                              </m:mcs>
+                              <m:ctrlPr>
+                                <a:rPr lang="en-US">
+                                  <a:latin typeface="Cambria Math" panose="02040503050406030204" pitchFamily="18" charset="0"/>
+                                </a:rPr>
+                              </m:ctrlPr>
+                            </m:mPr>
+                            <m:mr>
+                              <m:e>
+                                <m:r>
+                                  <a:rPr lang="en-US">
+                                    <a:latin typeface="Cambria Math" panose="02040503050406030204" pitchFamily="18" charset="0"/>
+                                  </a:rPr>
+                                  <m:t>164</m:t>
+                                </m:r>
+                              </m:e>
+                              <m:e>
+                                <m:r>
+                                  <a:rPr lang="en-US" i="0">
+                                    <a:latin typeface="Cambria Math" panose="02040503050406030204" pitchFamily="18" charset="0"/>
+                                  </a:rPr>
+                                  <m:t>188</m:t>
+                                </m:r>
+                              </m:e>
+                              <m:e>
+                                <m:r>
+                                  <a:rPr lang="en-US" i="0">
+                                    <a:latin typeface="Cambria Math" panose="02040503050406030204" pitchFamily="18" charset="0"/>
+                                  </a:rPr>
+                                  <m:t>164</m:t>
+                                </m:r>
+                              </m:e>
+                            </m:mr>
+                            <m:mr>
+                              <m:e>
+                                <m:r>
+                                  <a:rPr lang="en-US" i="0">
+                                    <a:latin typeface="Cambria Math" panose="02040503050406030204" pitchFamily="18" charset="0"/>
+                                  </a:rPr>
+                                  <m:t>178</m:t>
+                                </m:r>
+                              </m:e>
+                              <m:e>
+                                <m:r>
+                                  <a:rPr lang="en-US" i="0">
+                                    <a:latin typeface="Cambria Math" panose="02040503050406030204" pitchFamily="18" charset="0"/>
+                                  </a:rPr>
+                                  <m:t>201</m:t>
+                                </m:r>
+                              </m:e>
+                              <m:e>
+                                <m:r>
+                                  <a:rPr lang="en-US" i="0">
+                                    <a:latin typeface="Cambria Math" panose="02040503050406030204" pitchFamily="18" charset="0"/>
+                                  </a:rPr>
+                                  <m:t>197</m:t>
+                                </m:r>
+                              </m:e>
+                            </m:mr>
+                            <m:mr>
+                              <m:e>
+                                <m:r>
+                                  <a:rPr lang="en-US" i="0">
+                                    <a:latin typeface="Cambria Math" panose="02040503050406030204" pitchFamily="18" charset="0"/>
+                                  </a:rPr>
+                                  <m:t>174</m:t>
+                                </m:r>
+                              </m:e>
+                              <m:e>
+                                <m:r>
+                                  <a:rPr lang="en-US" i="0">
+                                    <a:latin typeface="Cambria Math" panose="02040503050406030204" pitchFamily="18" charset="0"/>
+                                  </a:rPr>
+                                  <m:t>168</m:t>
+                                </m:r>
+                              </m:e>
+                              <m:e>
+                                <m:r>
+                                  <a:rPr lang="en-US" i="0">
+                                    <a:latin typeface="Cambria Math" panose="02040503050406030204" pitchFamily="18" charset="0"/>
+                                  </a:rPr>
+                                  <m:t>181</m:t>
+                                </m:r>
+                              </m:e>
+                            </m:mr>
+                          </m:m>
+                        </m:e>
+                      </m:d>
+                      <m:r>
+                        <a:rPr lang="en-US" i="0">
+                          <a:latin typeface="Cambria Math" panose="02040503050406030204" pitchFamily="18" charset="0"/>
+                        </a:rPr>
+                        <m:t>∗</m:t>
+                      </m:r>
+                      <m:d>
+                        <m:dPr>
+                          <m:begChr m:val="["/>
+                          <m:endChr m:val="]"/>
+                          <m:ctrlPr>
+                            <a:rPr lang="en-US" i="1">
+                              <a:latin typeface="Cambria Math" panose="02040503050406030204" pitchFamily="18" charset="0"/>
+                            </a:rPr>
+                          </m:ctrlPr>
+                        </m:dPr>
+                        <m:e>
+                          <m:m>
+                            <m:mPr>
+                              <m:mcs>
+                                <m:mc>
+                                  <m:mcPr>
+                                    <m:count m:val="3"/>
+                                    <m:mcJc m:val="center"/>
+                                  </m:mcPr>
+                                </m:mc>
+                              </m:mcs>
+                              <m:ctrlPr>
+                                <a:rPr lang="en-US" i="1">
+                                  <a:latin typeface="Cambria Math" panose="02040503050406030204" pitchFamily="18" charset="0"/>
+                                </a:rPr>
+                              </m:ctrlPr>
+                            </m:mPr>
+                            <m:mr>
+                              <m:e>
+                                <m:r>
+                                  <a:rPr lang="en-US" i="0">
+                                    <a:latin typeface="Cambria Math" panose="02040503050406030204" pitchFamily="18" charset="0"/>
+                                  </a:rPr>
+                                  <m:t>0</m:t>
+                                </m:r>
+                              </m:e>
+                              <m:e>
+                                <m:r>
+                                  <a:rPr lang="en-US" i="0">
+                                    <a:latin typeface="Cambria Math" panose="02040503050406030204" pitchFamily="18" charset="0"/>
+                                  </a:rPr>
+                                  <m:t>1</m:t>
+                                </m:r>
+                              </m:e>
+                              <m:e>
+                                <m:r>
+                                  <a:rPr lang="en-US" i="0">
+                                    <a:latin typeface="Cambria Math" panose="02040503050406030204" pitchFamily="18" charset="0"/>
+                                  </a:rPr>
+                                  <m:t>0</m:t>
+                                </m:r>
+                              </m:e>
+                            </m:mr>
+                            <m:mr>
+                              <m:e>
+                                <m:r>
+                                  <a:rPr lang="en-US" i="0">
+                                    <a:latin typeface="Cambria Math" panose="02040503050406030204" pitchFamily="18" charset="0"/>
+                                  </a:rPr>
+                                  <m:t>1</m:t>
+                                </m:r>
+                              </m:e>
+                              <m:e>
+                                <m:r>
+                                  <a:rPr lang="en-US" i="0">
+                                    <a:latin typeface="Cambria Math" panose="02040503050406030204" pitchFamily="18" charset="0"/>
+                                  </a:rPr>
+                                  <m:t>1</m:t>
+                                </m:r>
+                              </m:e>
+                              <m:e>
+                                <m:r>
+                                  <a:rPr lang="en-US" i="0">
+                                    <a:latin typeface="Cambria Math" panose="02040503050406030204" pitchFamily="18" charset="0"/>
+                                  </a:rPr>
+                                  <m:t>1</m:t>
+                                </m:r>
+                              </m:e>
+                            </m:mr>
+                            <m:mr>
+                              <m:e>
+                                <m:r>
+                                  <a:rPr lang="en-US" i="0">
+                                    <a:latin typeface="Cambria Math" panose="02040503050406030204" pitchFamily="18" charset="0"/>
+                                  </a:rPr>
+                                  <m:t>0</m:t>
+                                </m:r>
+                              </m:e>
+                              <m:e>
+                                <m:r>
+                                  <a:rPr lang="en-US" i="0">
+                                    <a:latin typeface="Cambria Math" panose="02040503050406030204" pitchFamily="18" charset="0"/>
+                                  </a:rPr>
+                                  <m:t>1</m:t>
+                                </m:r>
+                              </m:e>
+                              <m:e>
+                                <m:r>
+                                  <a:rPr lang="en-US" i="0">
+                                    <a:latin typeface="Cambria Math" panose="02040503050406030204" pitchFamily="18" charset="0"/>
+                                  </a:rPr>
+                                  <m:t>0</m:t>
+                                </m:r>
+                              </m:e>
+                            </m:mr>
+                          </m:m>
+                        </m:e>
+                      </m:d>
+                      <m:r>
+                        <a:rPr lang="en-US" i="0">
+                          <a:latin typeface="Cambria Math" panose="02040503050406030204" pitchFamily="18" charset="0"/>
+                        </a:rPr>
+                        <m:t>=</m:t>
+                      </m:r>
+                      <m:f>
+                        <m:fPr>
+                          <m:ctrlPr>
+                            <a:rPr lang="en-US" i="1">
+                              <a:latin typeface="Cambria Math" panose="02040503050406030204" pitchFamily="18" charset="0"/>
+                            </a:rPr>
+                          </m:ctrlPr>
+                        </m:fPr>
+                        <m:num>
+                          <m:r>
+                            <a:rPr lang="en-US" i="0">
+                              <a:latin typeface="Cambria Math" panose="02040503050406030204" pitchFamily="18" charset="0"/>
+                            </a:rPr>
+                            <m:t>932</m:t>
+                          </m:r>
+                        </m:num>
+                        <m:den>
+                          <m:r>
+                            <a:rPr lang="en-US" i="0">
+                              <a:latin typeface="Cambria Math" panose="02040503050406030204" pitchFamily="18" charset="0"/>
+                            </a:rPr>
+                            <m:t>5</m:t>
+                          </m:r>
+                        </m:den>
+                      </m:f>
+                    </m:oMath>
+                  </m:oMathPara>
+                </a14:m>
+                <a:endParaRPr lang="en-US" dirty="0"/>
+              </a:p>
+            </p:txBody>
+          </p:sp>
+        </mc:Choice>
+        <mc:Fallback>
+          <p:sp>
+            <p:nvSpPr>
+              <p:cNvPr id="9" name="Rectangle 8"/>
+              <p:cNvSpPr>
+                <a:spLocks noRot="1" noChangeAspect="1" noMove="1" noResize="1" noEditPoints="1" noAdjustHandles="1" noChangeArrowheads="1" noChangeShapeType="1" noTextEdit="1"/>
+              </p:cNvSpPr>
+              <p:nvPr/>
+            </p:nvSpPr>
+            <p:spPr>
+              <a:xfrm>
+                <a:off x="6421720" y="5385086"/>
+                <a:ext cx="4362235" cy="824906"/>
+              </a:xfrm>
+              <a:prstGeom prst="rect">
+                <a:avLst/>
+              </a:prstGeom>
+              <a:blipFill rotWithShape="0">
+                <a:blip r:embed="rId7"/>
+                <a:stretch>
+                  <a:fillRect/>
+                </a:stretch>
+              </a:blipFill>
+            </p:spPr>
+            <p:txBody>
+              <a:bodyPr/>
+              <a:lstStyle/>
+              <a:p>
+                <a:r>
+                  <a:rPr lang="en-US">
+                    <a:noFill/>
+                  </a:rPr>
+                  <a:t> </a:t>
+                </a:r>
+              </a:p>
+            </p:txBody>
+          </p:sp>
+        </mc:Fallback>
+      </mc:AlternateContent>
+      <mc:AlternateContent xmlns:mc="http://schemas.openxmlformats.org/markup-compatibility/2006">
+        <mc:Choice xmlns:a14="http://schemas.microsoft.com/office/drawing/2010/main" Requires="a14">
+          <p:sp>
+            <p:nvSpPr>
+              <p:cNvPr id="10" name="Rectangle 9"/>
+              <p:cNvSpPr/>
+              <p:nvPr/>
+            </p:nvSpPr>
+            <p:spPr>
+              <a:xfrm>
+                <a:off x="6682618" y="4286316"/>
+                <a:ext cx="3367845" cy="914096"/>
+              </a:xfrm>
+              <a:prstGeom prst="rect">
+                <a:avLst/>
+              </a:prstGeom>
+            </p:spPr>
+            <p:txBody>
+              <a:bodyPr wrap="none">
+                <a:spAutoFit/>
+              </a:bodyPr>
+              <a:lstStyle/>
+              <a:p>
+                <a14:m>
+                  <m:oMathPara xmlns:m="http://schemas.openxmlformats.org/officeDocument/2006/math">
+                    <m:oMathParaPr>
+                      <m:jc m:val="centerGroup"/>
+                    </m:oMathParaPr>
+                    <m:oMath xmlns:m="http://schemas.openxmlformats.org/officeDocument/2006/math">
+                      <m:r>
+                        <a:rPr lang="en-US" sz="2400" i="1">
+                          <a:latin typeface="Cambria Math" panose="02040503050406030204" pitchFamily="18" charset="0"/>
+                        </a:rPr>
+                        <m:t>𝑉</m:t>
+                      </m:r>
+                      <m:r>
+                        <a:rPr lang="en-US" sz="2400" i="0">
+                          <a:latin typeface="Cambria Math" panose="02040503050406030204" pitchFamily="18" charset="0"/>
+                        </a:rPr>
+                        <m:t>=</m:t>
+                      </m:r>
+                      <m:d>
+                        <m:dPr>
+                          <m:begChr m:val="⌈"/>
+                          <m:endChr m:val="⌉"/>
+                          <m:ctrlPr>
+                            <a:rPr lang="en-US" sz="2400" i="1">
+                              <a:latin typeface="Cambria Math" panose="02040503050406030204" pitchFamily="18" charset="0"/>
+                            </a:rPr>
+                          </m:ctrlPr>
+                        </m:dPr>
+                        <m:e>
+                          <m:f>
+                            <m:fPr>
+                              <m:ctrlPr>
+                                <a:rPr lang="en-US" sz="2400" i="1">
+                                  <a:latin typeface="Cambria Math" panose="02040503050406030204" pitchFamily="18" charset="0"/>
+                                </a:rPr>
+                              </m:ctrlPr>
+                            </m:fPr>
+                            <m:num>
+                              <m:nary>
+                                <m:naryPr>
+                                  <m:chr m:val="∑"/>
+                                  <m:limLoc m:val="undOvr"/>
+                                  <m:ctrlPr>
+                                    <a:rPr lang="en-US" sz="2400" i="1">
+                                      <a:latin typeface="Cambria Math" panose="02040503050406030204" pitchFamily="18" charset="0"/>
+                                    </a:rPr>
+                                  </m:ctrlPr>
+                                </m:naryPr>
+                                <m:sub>
+                                  <m:r>
+                                    <a:rPr lang="en-US" sz="2400" i="1">
+                                      <a:latin typeface="Cambria Math" panose="02040503050406030204" pitchFamily="18" charset="0"/>
+                                    </a:rPr>
+                                    <m:t>𝑖</m:t>
+                                  </m:r>
+                                  <m:r>
+                                    <a:rPr lang="en-US" sz="2400" i="0">
+                                      <a:latin typeface="Cambria Math" panose="02040503050406030204" pitchFamily="18" charset="0"/>
+                                    </a:rPr>
+                                    <m:t>=1</m:t>
+                                  </m:r>
+                                </m:sub>
+                                <m:sup>
+                                  <m:r>
+                                    <a:rPr lang="en-US" sz="2400" i="1">
+                                      <a:latin typeface="Cambria Math" panose="02040503050406030204" pitchFamily="18" charset="0"/>
+                                    </a:rPr>
+                                    <m:t>𝑛</m:t>
+                                  </m:r>
+                                </m:sup>
+                                <m:e>
+                                  <m:d>
+                                    <m:dPr>
+                                      <m:ctrlPr>
+                                        <a:rPr lang="en-US" sz="2400" i="1">
+                                          <a:latin typeface="Cambria Math" panose="02040503050406030204" pitchFamily="18" charset="0"/>
+                                        </a:rPr>
+                                      </m:ctrlPr>
+                                    </m:dPr>
+                                    <m:e>
+                                      <m:nary>
+                                        <m:naryPr>
+                                          <m:chr m:val="∑"/>
+                                          <m:limLoc m:val="undOvr"/>
+                                          <m:ctrlPr>
+                                            <a:rPr lang="en-US" sz="2400" i="1">
+                                              <a:latin typeface="Cambria Math" panose="02040503050406030204" pitchFamily="18" charset="0"/>
+                                            </a:rPr>
+                                          </m:ctrlPr>
+                                        </m:naryPr>
+                                        <m:sub>
+                                          <m:r>
+                                            <a:rPr lang="en-US" sz="2400" i="1">
+                                              <a:latin typeface="Cambria Math" panose="02040503050406030204" pitchFamily="18" charset="0"/>
+                                            </a:rPr>
+                                            <m:t>𝑗</m:t>
+                                          </m:r>
+                                          <m:r>
+                                            <a:rPr lang="en-US" sz="2400" i="0">
+                                              <a:latin typeface="Cambria Math" panose="02040503050406030204" pitchFamily="18" charset="0"/>
+                                            </a:rPr>
+                                            <m:t>=1</m:t>
+                                          </m:r>
+                                        </m:sub>
+                                        <m:sup>
+                                          <m:r>
+                                            <a:rPr lang="en-US" sz="2400" i="1">
+                                              <a:latin typeface="Cambria Math" panose="02040503050406030204" pitchFamily="18" charset="0"/>
+                                            </a:rPr>
+                                            <m:t>𝑛</m:t>
+                                          </m:r>
+                                        </m:sup>
+                                        <m:e>
+                                          <m:sSub>
+                                            <m:sSubPr>
+                                              <m:ctrlPr>
+                                                <a:rPr lang="en-US" sz="2400" i="1">
+                                                  <a:latin typeface="Cambria Math" panose="02040503050406030204" pitchFamily="18" charset="0"/>
+                                                </a:rPr>
+                                              </m:ctrlPr>
+                                            </m:sSubPr>
+                                            <m:e>
+                                              <m:r>
+                                                <a:rPr lang="en-US" sz="2400" i="1">
+                                                  <a:latin typeface="Cambria Math" panose="02040503050406030204" pitchFamily="18" charset="0"/>
+                                                </a:rPr>
+                                                <m:t>𝑓</m:t>
+                                              </m:r>
+                                            </m:e>
+                                            <m:sub>
+                                              <m:r>
+                                                <a:rPr lang="en-US" sz="2400" i="1">
+                                                  <a:latin typeface="Cambria Math" panose="02040503050406030204" pitchFamily="18" charset="0"/>
+                                                </a:rPr>
+                                                <m:t>𝑖𝑗</m:t>
+                                              </m:r>
+                                            </m:sub>
+                                          </m:sSub>
+                                          <m:sSub>
+                                            <m:sSubPr>
+                                              <m:ctrlPr>
+                                                <a:rPr lang="en-US" sz="2400" i="1">
+                                                  <a:latin typeface="Cambria Math" panose="02040503050406030204" pitchFamily="18" charset="0"/>
+                                                </a:rPr>
+                                              </m:ctrlPr>
+                                            </m:sSubPr>
+                                            <m:e>
+                                              <m:r>
+                                                <a:rPr lang="en-US" sz="2400" i="1">
+                                                  <a:latin typeface="Cambria Math" panose="02040503050406030204" pitchFamily="18" charset="0"/>
+                                                </a:rPr>
+                                                <m:t>𝑑</m:t>
+                                              </m:r>
+                                            </m:e>
+                                            <m:sub>
+                                              <m:r>
+                                                <a:rPr lang="en-US" sz="2400" i="1">
+                                                  <a:latin typeface="Cambria Math" panose="02040503050406030204" pitchFamily="18" charset="0"/>
+                                                </a:rPr>
+                                                <m:t>𝑖𝑗</m:t>
+                                              </m:r>
+                                            </m:sub>
+                                          </m:sSub>
+                                        </m:e>
+                                      </m:nary>
+                                    </m:e>
+                                  </m:d>
+                                </m:e>
+                              </m:nary>
+                            </m:num>
+                            <m:den>
+                              <m:r>
+                                <a:rPr lang="en-US" sz="2400" i="1">
+                                  <a:latin typeface="Cambria Math" panose="02040503050406030204" pitchFamily="18" charset="0"/>
+                                </a:rPr>
+                                <m:t>𝐹</m:t>
+                              </m:r>
+                            </m:den>
+                          </m:f>
+                        </m:e>
+                      </m:d>
+                    </m:oMath>
+                  </m:oMathPara>
+                </a14:m>
+                <a:endParaRPr lang="en-US" dirty="0"/>
+              </a:p>
+            </p:txBody>
+          </p:sp>
+        </mc:Choice>
+        <mc:Fallback>
+          <p:sp>
+            <p:nvSpPr>
+              <p:cNvPr id="10" name="Rectangle 9"/>
+              <p:cNvSpPr>
+                <a:spLocks noRot="1" noChangeAspect="1" noMove="1" noResize="1" noEditPoints="1" noAdjustHandles="1" noChangeArrowheads="1" noChangeShapeType="1" noTextEdit="1"/>
+              </p:cNvSpPr>
+              <p:nvPr/>
+            </p:nvSpPr>
+            <p:spPr>
+              <a:xfrm>
+                <a:off x="6682618" y="4286316"/>
+                <a:ext cx="3367845" cy="914096"/>
+              </a:xfrm>
+              <a:prstGeom prst="rect">
+                <a:avLst/>
+              </a:prstGeom>
+              <a:blipFill rotWithShape="0">
+                <a:blip r:embed="rId8"/>
+                <a:stretch>
+                  <a:fillRect/>
+                </a:stretch>
+              </a:blipFill>
+            </p:spPr>
+            <p:txBody>
+              <a:bodyPr/>
+              <a:lstStyle/>
+              <a:p>
+                <a:r>
+                  <a:rPr lang="en-US">
+                    <a:noFill/>
+                  </a:rPr>
+                  <a:t> </a:t>
+                </a:r>
+              </a:p>
+            </p:txBody>
+          </p:sp>
+        </mc:Fallback>
+      </mc:AlternateContent>
+    </p:spTree>
+    <p:extLst>
+      <p:ext uri="{BB962C8B-B14F-4D97-AF65-F5344CB8AC3E}">
+        <p14:creationId xmlns:p14="http://schemas.microsoft.com/office/powerpoint/2010/main" val="1991289594"/>
+      </p:ext>
+    </p:extLst>
+  </p:cSld>
+  <p:clrMapOvr>
+    <a:masterClrMapping/>
+  </p:clrMapOvr>
+  <p:timing>
+    <p:tnLst>
+      <p:par>
+        <p:cTn id="1" dur="indefinite" restart="never" nodeType="tmRoot">
+          <p:childTnLst>
+            <p:seq concurrent="1" nextAc="seek">
+              <p:cTn id="2" dur="indefinite" nodeType="mainSeq">
+                <p:childTnLst>
+                  <p:par>
+                    <p:cTn id="3" fill="hold">
+                      <p:stCondLst>
+                        <p:cond delay="indefinite"/>
+                      </p:stCondLst>
+                      <p:childTnLst>
+                        <p:par>
+                          <p:cTn id="4" fill="hold">
+                            <p:stCondLst>
+                              <p:cond delay="0"/>
+                            </p:stCondLst>
+                            <p:childTnLst>
+                              <p:par>
+                                <p:cTn id="5" presetID="10" presetClass="entr" presetSubtype="0" fill="hold" nodeType="clickEffect">
+                                  <p:stCondLst>
+                                    <p:cond delay="0"/>
+                                  </p:stCondLst>
+                                  <p:childTnLst>
+                                    <p:set>
+                                      <p:cBhvr>
+                                        <p:cTn id="6" dur="1" fill="hold">
+                                          <p:stCondLst>
+                                            <p:cond delay="0"/>
+                                          </p:stCondLst>
+                                        </p:cTn>
+                                        <p:tgtEl>
+                                          <p:spTgt spid="4"/>
+                                        </p:tgtEl>
+                                        <p:attrNameLst>
+                                          <p:attrName>style.visibility</p:attrName>
+                                        </p:attrNameLst>
+                                      </p:cBhvr>
+                                      <p:to>
+                                        <p:strVal val="visible"/>
+                                      </p:to>
+                                    </p:set>
+                                    <p:animEffect transition="in" filter="fade">
+                                      <p:cBhvr>
+                                        <p:cTn id="7" dur="500"/>
+                                        <p:tgtEl>
+                                          <p:spTgt spid="4"/>
+                                        </p:tgtEl>
+                                      </p:cBhvr>
+                                    </p:animEffect>
+                                  </p:childTnLst>
+                                </p:cTn>
+                              </p:par>
+                            </p:childTnLst>
+                          </p:cTn>
+                        </p:par>
+                      </p:childTnLst>
+                    </p:cTn>
+                  </p:par>
+                  <p:par>
+                    <p:cTn id="8" fill="hold">
+                      <p:stCondLst>
+                        <p:cond delay="indefinite"/>
+                      </p:stCondLst>
+                      <p:childTnLst>
+                        <p:par>
+                          <p:cTn id="9" fill="hold">
+                            <p:stCondLst>
+                              <p:cond delay="0"/>
+                            </p:stCondLst>
+                            <p:childTnLst>
+                              <p:par>
+                                <p:cTn id="10" presetID="10" presetClass="entr" presetSubtype="0" fill="hold" nodeType="clickEffect">
+                                  <p:stCondLst>
+                                    <p:cond delay="0"/>
+                                  </p:stCondLst>
+                                  <p:childTnLst>
+                                    <p:set>
+                                      <p:cBhvr>
+                                        <p:cTn id="11" dur="1" fill="hold">
+                                          <p:stCondLst>
+                                            <p:cond delay="0"/>
+                                          </p:stCondLst>
+                                        </p:cTn>
+                                        <p:tgtEl>
+                                          <p:spTgt spid="5"/>
+                                        </p:tgtEl>
+                                        <p:attrNameLst>
+                                          <p:attrName>style.visibility</p:attrName>
+                                        </p:attrNameLst>
+                                      </p:cBhvr>
+                                      <p:to>
+                                        <p:strVal val="visible"/>
+                                      </p:to>
+                                    </p:set>
+                                    <p:animEffect transition="in" filter="fade">
+                                      <p:cBhvr>
+                                        <p:cTn id="12" dur="500"/>
+                                        <p:tgtEl>
+                                          <p:spTgt spid="5"/>
+                                        </p:tgtEl>
+                                      </p:cBhvr>
+                                    </p:animEffect>
+                                  </p:childTnLst>
+                                </p:cTn>
+                              </p:par>
+                            </p:childTnLst>
+                          </p:cTn>
+                        </p:par>
+                      </p:childTnLst>
+                    </p:cTn>
+                  </p:par>
+                  <p:par>
+                    <p:cTn id="13" fill="hold">
+                      <p:stCondLst>
+                        <p:cond delay="indefinite"/>
+                      </p:stCondLst>
+                      <p:childTnLst>
+                        <p:par>
+                          <p:cTn id="14" fill="hold">
+                            <p:stCondLst>
+                              <p:cond delay="0"/>
+                            </p:stCondLst>
+                            <p:childTnLst>
+                              <p:par>
+                                <p:cTn id="15" presetID="10" presetClass="entr" presetSubtype="0" fill="hold" nodeType="clickEffect">
+                                  <p:stCondLst>
+                                    <p:cond delay="0"/>
+                                  </p:stCondLst>
+                                  <p:childTnLst>
+                                    <p:set>
+                                      <p:cBhvr>
+                                        <p:cTn id="16" dur="1" fill="hold">
+                                          <p:stCondLst>
+                                            <p:cond delay="0"/>
+                                          </p:stCondLst>
+                                        </p:cTn>
+                                        <p:tgtEl>
+                                          <p:spTgt spid="6"/>
+                                        </p:tgtEl>
+                                        <p:attrNameLst>
+                                          <p:attrName>style.visibility</p:attrName>
+                                        </p:attrNameLst>
+                                      </p:cBhvr>
+                                      <p:to>
+                                        <p:strVal val="visible"/>
+                                      </p:to>
+                                    </p:set>
+                                    <p:animEffect transition="in" filter="fade">
+                                      <p:cBhvr>
+                                        <p:cTn id="17" dur="500"/>
+                                        <p:tgtEl>
+                                          <p:spTgt spid="6"/>
+                                        </p:tgtEl>
+                                      </p:cBhvr>
+                                    </p:animEffect>
+                                  </p:childTnLst>
+                                </p:cTn>
+                              </p:par>
+                            </p:childTnLst>
+                          </p:cTn>
+                        </p:par>
+                      </p:childTnLst>
+                    </p:cTn>
+                  </p:par>
+                  <p:par>
+                    <p:cTn id="18" fill="hold">
+                      <p:stCondLst>
+                        <p:cond delay="indefinite"/>
+                      </p:stCondLst>
+                      <p:childTnLst>
+                        <p:par>
+                          <p:cTn id="19" fill="hold">
+                            <p:stCondLst>
+                              <p:cond delay="0"/>
+                            </p:stCondLst>
+                            <p:childTnLst>
+                              <p:par>
+                                <p:cTn id="20" presetID="10" presetClass="entr" presetSubtype="0" fill="hold" nodeType="clickEffect">
+                                  <p:stCondLst>
+                                    <p:cond delay="0"/>
+                                  </p:stCondLst>
+                                  <p:childTnLst>
+                                    <p:set>
+                                      <p:cBhvr>
+                                        <p:cTn id="21" dur="1" fill="hold">
+                                          <p:stCondLst>
+                                            <p:cond delay="0"/>
+                                          </p:stCondLst>
+                                        </p:cTn>
+                                        <p:tgtEl>
+                                          <p:spTgt spid="7"/>
+                                        </p:tgtEl>
+                                        <p:attrNameLst>
+                                          <p:attrName>style.visibility</p:attrName>
+                                        </p:attrNameLst>
+                                      </p:cBhvr>
+                                      <p:to>
+                                        <p:strVal val="visible"/>
+                                      </p:to>
+                                    </p:set>
+                                    <p:animEffect transition="in" filter="fade">
+                                      <p:cBhvr>
+                                        <p:cTn id="22" dur="500"/>
+                                        <p:tgtEl>
+                                          <p:spTgt spid="7"/>
+                                        </p:tgtEl>
+                                      </p:cBhvr>
+                                    </p:animEffect>
+                                  </p:childTnLst>
+                                </p:cTn>
+                              </p:par>
+                            </p:childTnLst>
+                          </p:cTn>
+                        </p:par>
+                      </p:childTnLst>
+                    </p:cTn>
+                  </p:par>
+                  <p:par>
+                    <p:cTn id="23" fill="hold">
+                      <p:stCondLst>
+                        <p:cond delay="indefinite"/>
+                      </p:stCondLst>
+                      <p:childTnLst>
+                        <p:par>
+                          <p:cTn id="24" fill="hold">
+                            <p:stCondLst>
+                              <p:cond delay="0"/>
+                            </p:stCondLst>
+                            <p:childTnLst>
+                              <p:par>
+                                <p:cTn id="25" presetID="10" presetClass="entr" presetSubtype="0" fill="hold" nodeType="clickEffect">
+                                  <p:stCondLst>
+                                    <p:cond delay="0"/>
+                                  </p:stCondLst>
+                                  <p:childTnLst>
+                                    <p:set>
+                                      <p:cBhvr>
+                                        <p:cTn id="26" dur="1" fill="hold">
+                                          <p:stCondLst>
+                                            <p:cond delay="0"/>
+                                          </p:stCondLst>
+                                        </p:cTn>
+                                        <p:tgtEl>
+                                          <p:spTgt spid="8"/>
+                                        </p:tgtEl>
+                                        <p:attrNameLst>
+                                          <p:attrName>style.visibility</p:attrName>
+                                        </p:attrNameLst>
+                                      </p:cBhvr>
+                                      <p:to>
+                                        <p:strVal val="visible"/>
+                                      </p:to>
+                                    </p:set>
+                                    <p:animEffect transition="in" filter="fade">
+                                      <p:cBhvr>
+                                        <p:cTn id="27" dur="500"/>
+                                        <p:tgtEl>
+                                          <p:spTgt spid="8"/>
+                                        </p:tgtEl>
+                                      </p:cBhvr>
+                                    </p:animEffect>
+                                  </p:childTnLst>
+                                </p:cTn>
+                              </p:par>
+                            </p:childTnLst>
+                          </p:cTn>
+                        </p:par>
+                      </p:childTnLst>
+                    </p:cTn>
+                  </p:par>
+                  <p:par>
+                    <p:cTn id="28" fill="hold">
+                      <p:stCondLst>
+                        <p:cond delay="indefinite"/>
+                      </p:stCondLst>
+                      <p:childTnLst>
+                        <p:par>
+                          <p:cTn id="29" fill="hold">
+                            <p:stCondLst>
+                              <p:cond delay="0"/>
+                            </p:stCondLst>
+                            <p:childTnLst>
+                              <p:par>
+                                <p:cTn id="30" presetID="2" presetClass="entr" presetSubtype="4" fill="hold" grpId="0" nodeType="clickEffect">
+                                  <p:stCondLst>
+                                    <p:cond delay="0"/>
+                                  </p:stCondLst>
+                                  <p:childTnLst>
+                                    <p:set>
+                                      <p:cBhvr>
+                                        <p:cTn id="31" dur="1" fill="hold">
+                                          <p:stCondLst>
+                                            <p:cond delay="0"/>
+                                          </p:stCondLst>
+                                        </p:cTn>
+                                        <p:tgtEl>
+                                          <p:spTgt spid="10"/>
+                                        </p:tgtEl>
+                                        <p:attrNameLst>
+                                          <p:attrName>style.visibility</p:attrName>
+                                        </p:attrNameLst>
+                                      </p:cBhvr>
+                                      <p:to>
+                                        <p:strVal val="visible"/>
+                                      </p:to>
+                                    </p:set>
+                                    <p:anim calcmode="lin" valueType="num">
+                                      <p:cBhvr additive="base">
+                                        <p:cTn id="32" dur="500" fill="hold"/>
+                                        <p:tgtEl>
+                                          <p:spTgt spid="10"/>
+                                        </p:tgtEl>
+                                        <p:attrNameLst>
+                                          <p:attrName>ppt_x</p:attrName>
+                                        </p:attrNameLst>
+                                      </p:cBhvr>
+                                      <p:tavLst>
+                                        <p:tav tm="0">
+                                          <p:val>
+                                            <p:strVal val="#ppt_x"/>
+                                          </p:val>
+                                        </p:tav>
+                                        <p:tav tm="100000">
+                                          <p:val>
+                                            <p:strVal val="#ppt_x"/>
+                                          </p:val>
+                                        </p:tav>
+                                      </p:tavLst>
+                                    </p:anim>
+                                    <p:anim calcmode="lin" valueType="num">
+                                      <p:cBhvr additive="base">
+                                        <p:cTn id="33" dur="500" fill="hold"/>
+                                        <p:tgtEl>
+                                          <p:spTgt spid="10"/>
+                                        </p:tgtEl>
+                                        <p:attrNameLst>
+                                          <p:attrName>ppt_y</p:attrName>
+                                        </p:attrNameLst>
+                                      </p:cBhvr>
+                                      <p:tavLst>
+                                        <p:tav tm="0">
+                                          <p:val>
+                                            <p:strVal val="1+#ppt_h/2"/>
+                                          </p:val>
+                                        </p:tav>
+                                        <p:tav tm="100000">
+                                          <p:val>
+                                            <p:strVal val="#ppt_y"/>
+                                          </p:val>
+                                        </p:tav>
+                                      </p:tavLst>
+                                    </p:anim>
+                                  </p:childTnLst>
+                                </p:cTn>
+                              </p:par>
+                              <p:par>
+                                <p:cTn id="34" presetID="2" presetClass="entr" presetSubtype="4" fill="hold" grpId="0" nodeType="withEffect">
+                                  <p:stCondLst>
+                                    <p:cond delay="0"/>
+                                  </p:stCondLst>
+                                  <p:childTnLst>
+                                    <p:set>
+                                      <p:cBhvr>
+                                        <p:cTn id="35" dur="1" fill="hold">
+                                          <p:stCondLst>
+                                            <p:cond delay="0"/>
+                                          </p:stCondLst>
+                                        </p:cTn>
+                                        <p:tgtEl>
+                                          <p:spTgt spid="9"/>
+                                        </p:tgtEl>
+                                        <p:attrNameLst>
+                                          <p:attrName>style.visibility</p:attrName>
+                                        </p:attrNameLst>
+                                      </p:cBhvr>
+                                      <p:to>
+                                        <p:strVal val="visible"/>
+                                      </p:to>
+                                    </p:set>
+                                    <p:anim calcmode="lin" valueType="num">
+                                      <p:cBhvr additive="base">
+                                        <p:cTn id="36" dur="500" fill="hold"/>
+                                        <p:tgtEl>
+                                          <p:spTgt spid="9"/>
+                                        </p:tgtEl>
+                                        <p:attrNameLst>
+                                          <p:attrName>ppt_x</p:attrName>
+                                        </p:attrNameLst>
+                                      </p:cBhvr>
+                                      <p:tavLst>
+                                        <p:tav tm="0">
+                                          <p:val>
+                                            <p:strVal val="#ppt_x"/>
+                                          </p:val>
+                                        </p:tav>
+                                        <p:tav tm="100000">
+                                          <p:val>
+                                            <p:strVal val="#ppt_x"/>
+                                          </p:val>
+                                        </p:tav>
+                                      </p:tavLst>
+                                    </p:anim>
+                                    <p:anim calcmode="lin" valueType="num">
+                                      <p:cBhvr additive="base">
+                                        <p:cTn id="37" dur="500" fill="hold"/>
+                                        <p:tgtEl>
+                                          <p:spTgt spid="9"/>
+                                        </p:tgtEl>
+                                        <p:attrNameLst>
+                                          <p:attrName>ppt_y</p:attrName>
+                                        </p:attrNameLst>
+                                      </p:cBhvr>
+                                      <p:tavLst>
+                                        <p:tav tm="0">
+                                          <p:val>
+                                            <p:strVal val="1+#ppt_h/2"/>
+                                          </p:val>
+                                        </p:tav>
+                                        <p:tav tm="100000">
+                                          <p:val>
+                                            <p:strVal val="#ppt_y"/>
+                                          </p:val>
+                                        </p:tav>
+                                      </p:tavLst>
+                                    </p:anim>
+                                  </p:childTnLst>
+                                </p:cTn>
+                              </p:par>
+                            </p:childTnLst>
+                          </p:cTn>
+                        </p:par>
+                      </p:childTnLst>
+                    </p:cTn>
+                  </p:par>
+                </p:childTnLst>
+              </p:cTn>
+              <p:prevCondLst>
+                <p:cond evt="onPrev" delay="0">
+                  <p:tgtEl>
+                    <p:sldTgt/>
+                  </p:tgtEl>
+                </p:cond>
+              </p:prevCondLst>
+              <p:nextCondLst>
+                <p:cond evt="onNext" delay="0">
+                  <p:tgtEl>
+                    <p:sldTgt/>
+                  </p:tgtEl>
+                </p:cond>
+              </p:nextCondLst>
+            </p:seq>
+          </p:childTnLst>
+        </p:cTn>
+      </p:par>
+    </p:tnLst>
+    <p:bldLst>
+      <p:bldP spid="9" grpId="0"/>
+      <p:bldP spid="10" grpId="0"/>
+    </p:bldLst>
+  </p:timing>
+</p:sld>
+</file>
+
+<file path=ppt/slides/slide9.xml><?xml version="1.0" encoding="utf-8"?>
 <p:sld xmlns:a="http://schemas.openxmlformats.org/drawingml/2006/main" xmlns:r="http://schemas.openxmlformats.org/officeDocument/2006/relationships" xmlns:p="http://schemas.openxmlformats.org/presentationml/2006/main">
   <p:cSld>
     <p:spTree>
@@ -15261,7 +19733,7 @@
           <a:lstStyle/>
           <a:p>
             <a:r>
-              <a:rPr lang="en-US" smtClean="0"/>
+              <a:rPr lang="en-US" dirty="0" smtClean="0"/>
               <a:t>Edge Extrapolation:</a:t>
             </a:r>
           </a:p>
@@ -15277,289 +19749,65 @@
             <p:ph idx="1"/>
           </p:nvPr>
         </p:nvSpPr>
-        <p:spPr/>
+        <p:spPr>
+          <a:xfrm>
+            <a:off x="1103313" y="2052638"/>
+            <a:ext cx="8947150" cy="4348162"/>
+          </a:xfrm>
+        </p:spPr>
         <p:txBody>
           <a:bodyPr/>
           <a:lstStyle/>
           <a:p>
-            <a:endParaRPr lang="en-US" smtClean="0"/>
-          </a:p>
-        </p:txBody>
-      </p:sp>
-    </p:spTree>
-  </p:cSld>
-  <p:clrMapOvr>
-    <a:masterClrMapping/>
-  </p:clrMapOvr>
-  <p:timing>
-    <p:tnLst>
-      <p:par>
-        <p:cTn id="1" dur="indefinite" restart="never" nodeType="tmRoot"/>
-      </p:par>
-    </p:tnLst>
-  </p:timing>
-</p:sld>
-</file>
-
-<file path=ppt/slides/slide9.xml><?xml version="1.0" encoding="utf-8"?>
-<p:sld xmlns:a="http://schemas.openxmlformats.org/drawingml/2006/main" xmlns:r="http://schemas.openxmlformats.org/officeDocument/2006/relationships" xmlns:p="http://schemas.openxmlformats.org/presentationml/2006/main">
-  <p:cSld>
-    <p:spTree>
-      <p:nvGrpSpPr>
-        <p:cNvPr id="1" name=""/>
-        <p:cNvGrpSpPr/>
-        <p:nvPr/>
-      </p:nvGrpSpPr>
-      <p:grpSpPr>
-        <a:xfrm>
-          <a:off x="0" y="0"/>
-          <a:ext cx="0" cy="0"/>
-          <a:chOff x="0" y="0"/>
-          <a:chExt cx="0" cy="0"/>
-        </a:xfrm>
-      </p:grpSpPr>
-      <p:sp>
-        <p:nvSpPr>
-          <p:cNvPr id="11266" name="Title 1"/>
-          <p:cNvSpPr>
-            <a:spLocks noGrp="1"/>
-          </p:cNvSpPr>
-          <p:nvPr>
-            <p:ph type="title"/>
-          </p:nvPr>
-        </p:nvSpPr>
-        <p:spPr/>
-        <p:txBody>
-          <a:bodyPr/>
-          <a:lstStyle/>
-          <a:p>
-            <a:pPr eaLnBrk="1" hangingPunct="1"/>
+            <a:r>
+              <a:rPr lang="en-ZA" dirty="0"/>
+              <a:t>What to do when you process a pixel at a edge</a:t>
+            </a:r>
             <a:r>
               <a:rPr lang="en-ZA" dirty="0" smtClean="0"/>
-              <a:t>Parallel Implementation</a:t>
-            </a:r>
-            <a:r>
-              <a:rPr lang="en-US" dirty="0" smtClean="0"/>
-              <a:t>:</a:t>
-            </a:r>
-            <a:br>
-              <a:rPr lang="en-US" dirty="0" smtClean="0"/>
-            </a:br>
+              <a:t>?</a:t>
+            </a:r>
+          </a:p>
+          <a:p>
+            <a:endParaRPr lang="en-ZA" dirty="0" smtClean="0"/>
+          </a:p>
+          <a:p>
+            <a:endParaRPr lang="en-ZA" dirty="0"/>
+          </a:p>
+          <a:p>
+            <a:endParaRPr lang="en-ZA" dirty="0" smtClean="0"/>
+          </a:p>
+          <a:p>
+            <a:endParaRPr lang="en-ZA" dirty="0"/>
+          </a:p>
+          <a:p>
+            <a:endParaRPr lang="en-ZA" dirty="0" smtClean="0"/>
+          </a:p>
+          <a:p>
+            <a:endParaRPr lang="en-ZA" dirty="0"/>
+          </a:p>
+          <a:p>
+            <a:endParaRPr lang="en-ZA" dirty="0" smtClean="0"/>
+          </a:p>
+          <a:p>
+            <a:endParaRPr lang="en-ZA" dirty="0" smtClean="0"/>
+          </a:p>
+          <a:p>
+            <a:r>
+              <a:rPr lang="en-ZA" dirty="0" smtClean="0"/>
+              <a:t>Need to extrapolate out from the edge.</a:t>
+            </a:r>
+          </a:p>
+          <a:p>
             <a:endParaRPr lang="en-US" dirty="0" smtClean="0"/>
-          </a:p>
-        </p:txBody>
-      </p:sp>
-      <p:sp>
-        <p:nvSpPr>
-          <p:cNvPr id="3" name="Content Placeholder 2"/>
-          <p:cNvSpPr>
-            <a:spLocks noGrp="1"/>
-          </p:cNvSpPr>
-          <p:nvPr>
-            <p:ph idx="1"/>
-          </p:nvPr>
-        </p:nvSpPr>
-        <p:spPr>
-          <a:xfrm>
-            <a:off x="1103313" y="1357313"/>
-            <a:ext cx="8947150" cy="5162550"/>
-          </a:xfrm>
-        </p:spPr>
-        <p:txBody>
-          <a:bodyPr rtlCol="0">
-            <a:normAutofit/>
-          </a:bodyPr>
-          <a:lstStyle/>
-          <a:p>
-            <a:pPr eaLnBrk="1" fontAlgn="auto" hangingPunct="1">
-              <a:spcAft>
-                <a:spcPts val="0"/>
-              </a:spcAft>
-              <a:buClr>
-                <a:schemeClr val="bg2">
-                  <a:lumMod val="40000"/>
-                  <a:lumOff val="60000"/>
-                </a:schemeClr>
-              </a:buClr>
-              <a:buFont typeface="Wingdings 3" charset="2"/>
-              <a:buChar char=""/>
-              <a:defRPr/>
-            </a:pPr>
-            <a:r>
-              <a:rPr lang="en-ZA" dirty="0"/>
-              <a:t>Instead of one thread doing the kernel for a single pixel at a time, we have several</a:t>
-            </a:r>
-            <a:r>
-              <a:rPr lang="en-ZA" dirty="0" smtClean="0"/>
-              <a:t>.</a:t>
-            </a:r>
-            <a:endParaRPr lang="en-US" dirty="0"/>
-          </a:p>
-          <a:p>
-            <a:pPr eaLnBrk="1" fontAlgn="auto" hangingPunct="1">
-              <a:spcAft>
-                <a:spcPts val="0"/>
-              </a:spcAft>
-              <a:buClr>
-                <a:schemeClr val="bg2">
-                  <a:lumMod val="40000"/>
-                  <a:lumOff val="60000"/>
-                </a:schemeClr>
-              </a:buClr>
-              <a:buFont typeface="Wingdings 3" charset="2"/>
-              <a:buChar char=""/>
-              <a:defRPr/>
-            </a:pPr>
-            <a:r>
-              <a:rPr lang="en-ZA" dirty="0"/>
-              <a:t>Let each thread handle one vertical “chunk” of the image. </a:t>
-            </a:r>
-            <a:r>
-              <a:rPr lang="en-US" dirty="0" smtClean="0"/>
-              <a:t>Converting </a:t>
-            </a:r>
-            <a:r>
-              <a:rPr lang="en-US" dirty="0"/>
-              <a:t>Images into a matrix representation of their pixel color values. Both BW and RGB.</a:t>
-            </a:r>
-          </a:p>
-          <a:p>
-            <a:pPr eaLnBrk="1" fontAlgn="auto" hangingPunct="1">
-              <a:spcAft>
-                <a:spcPts val="0"/>
-              </a:spcAft>
-              <a:buClr>
-                <a:schemeClr val="bg2">
-                  <a:lumMod val="40000"/>
-                  <a:lumOff val="60000"/>
-                </a:schemeClr>
-              </a:buClr>
-              <a:buFont typeface="Wingdings 3" charset="2"/>
-              <a:buChar char=""/>
-              <a:defRPr/>
-            </a:pPr>
-            <a:r>
-              <a:rPr lang="en-ZA" dirty="0"/>
-              <a:t>All threads use the same object </a:t>
-            </a:r>
-            <a:endParaRPr lang="en-ZA" dirty="0" smtClean="0"/>
-          </a:p>
-          <a:p>
-            <a:pPr marL="0" indent="0" eaLnBrk="1" fontAlgn="auto" hangingPunct="1">
-              <a:spcAft>
-                <a:spcPts val="0"/>
-              </a:spcAft>
-              <a:buClr>
-                <a:schemeClr val="bg2">
-                  <a:lumMod val="40000"/>
-                  <a:lumOff val="60000"/>
-                </a:schemeClr>
-              </a:buClr>
-              <a:buFont typeface="Wingdings 3" panose="05040102010807070707" pitchFamily="18" charset="2"/>
-              <a:buNone/>
-              <a:defRPr/>
-            </a:pPr>
-            <a:r>
-              <a:rPr lang="en-ZA" dirty="0"/>
-              <a:t> </a:t>
-            </a:r>
-            <a:r>
-              <a:rPr lang="en-ZA" dirty="0" smtClean="0"/>
-              <a:t>    for </a:t>
-            </a:r>
-            <a:r>
-              <a:rPr lang="en-ZA" dirty="0"/>
-              <a:t>reading pixels and the same </a:t>
-            </a:r>
-            <a:endParaRPr lang="en-ZA" dirty="0" smtClean="0"/>
-          </a:p>
-          <a:p>
-            <a:pPr marL="0" indent="0" eaLnBrk="1" fontAlgn="auto" hangingPunct="1">
-              <a:spcAft>
-                <a:spcPts val="0"/>
-              </a:spcAft>
-              <a:buClr>
-                <a:schemeClr val="bg2">
-                  <a:lumMod val="40000"/>
-                  <a:lumOff val="60000"/>
-                </a:schemeClr>
-              </a:buClr>
-              <a:buFont typeface="Wingdings 3" panose="05040102010807070707" pitchFamily="18" charset="2"/>
-              <a:buNone/>
-              <a:defRPr/>
-            </a:pPr>
-            <a:r>
-              <a:rPr lang="en-ZA" dirty="0"/>
-              <a:t> </a:t>
-            </a:r>
-            <a:r>
-              <a:rPr lang="en-ZA" dirty="0" smtClean="0"/>
-              <a:t>    object </a:t>
-            </a:r>
-            <a:r>
-              <a:rPr lang="en-ZA" dirty="0"/>
-              <a:t>for writing pixels.</a:t>
-            </a:r>
-            <a:endParaRPr lang="en-US" dirty="0" smtClean="0"/>
-          </a:p>
-          <a:p>
-            <a:pPr eaLnBrk="1" fontAlgn="auto" hangingPunct="1">
-              <a:spcAft>
-                <a:spcPts val="0"/>
-              </a:spcAft>
-              <a:buClr>
-                <a:schemeClr val="bg2">
-                  <a:lumMod val="40000"/>
-                  <a:lumOff val="60000"/>
-                </a:schemeClr>
-              </a:buClr>
-              <a:buFont typeface="Wingdings 3" charset="2"/>
-              <a:buChar char=""/>
-              <a:defRPr/>
-            </a:pPr>
-            <a:endParaRPr lang="en-US" dirty="0"/>
-          </a:p>
-          <a:p>
-            <a:pPr eaLnBrk="1" fontAlgn="auto" hangingPunct="1">
-              <a:spcAft>
-                <a:spcPts val="0"/>
-              </a:spcAft>
-              <a:buClr>
-                <a:schemeClr val="bg2">
-                  <a:lumMod val="40000"/>
-                  <a:lumOff val="60000"/>
-                </a:schemeClr>
-              </a:buClr>
-              <a:buFont typeface="Wingdings 3" charset="2"/>
-              <a:buChar char=""/>
-              <a:defRPr/>
-            </a:pPr>
-            <a:endParaRPr lang="en-US" dirty="0"/>
-          </a:p>
-          <a:p>
-            <a:pPr eaLnBrk="1" fontAlgn="auto" hangingPunct="1">
-              <a:spcAft>
-                <a:spcPts val="0"/>
-              </a:spcAft>
-              <a:buClr>
-                <a:schemeClr val="bg2">
-                  <a:lumMod val="40000"/>
-                  <a:lumOff val="60000"/>
-                </a:schemeClr>
-              </a:buClr>
-              <a:buFont typeface="Wingdings 3" charset="2"/>
-              <a:buChar char=""/>
-              <a:defRPr/>
-            </a:pPr>
-            <a:endParaRPr lang="en-US" dirty="0"/>
           </a:p>
         </p:txBody>
       </p:sp>
       <p:pic>
         <p:nvPicPr>
-          <p:cNvPr id="11268" name="Picture 3"/>
+          <p:cNvPr id="2" name="Picture 1"/>
           <p:cNvPicPr>
-            <a:picLocks noChangeAspect="1" noChangeArrowheads="1"/>
+            <a:picLocks noChangeAspect="1"/>
           </p:cNvPicPr>
           <p:nvPr/>
         </p:nvPicPr>
@@ -15571,56 +19819,18 @@
               </a:ext>
             </a:extLst>
           </a:blip>
-          <a:srcRect/>
           <a:stretch>
             <a:fillRect/>
           </a:stretch>
         </p:blipFill>
-        <p:spPr bwMode="auto">
+        <p:spPr>
           <a:xfrm>
-            <a:off x="5826125" y="2946400"/>
-            <a:ext cx="3300413" cy="3275013"/>
+            <a:off x="2337936" y="2707269"/>
+            <a:ext cx="3238952" cy="3038899"/>
           </a:xfrm>
           <a:prstGeom prst="rect">
             <a:avLst/>
           </a:prstGeom>
-          <a:noFill/>
-          <a:ln>
-            <a:noFill/>
-          </a:ln>
-          <a:effectLst/>
-          <a:extLst>
-            <a:ext uri="{909E8E84-426E-40DD-AFC4-6F175D3DCCD1}">
-              <a14:hiddenFill xmlns:a14="http://schemas.microsoft.com/office/drawing/2010/main">
-                <a:blipFill dpi="0" rotWithShape="0">
-                  <a:blip/>
-                  <a:srcRect/>
-                  <a:stretch>
-                    <a:fillRect/>
-                  </a:stretch>
-                </a:blipFill>
-              </a14:hiddenFill>
-            </a:ext>
-            <a:ext uri="{91240B29-F687-4F45-9708-019B960494DF}">
-              <a14:hiddenLine xmlns:a14="http://schemas.microsoft.com/office/drawing/2010/main" w="9525">
-                <a:solidFill>
-                  <a:srgbClr val="3465A4"/>
-                </a:solidFill>
-                <a:round/>
-                <a:headEnd/>
-                <a:tailEnd/>
-              </a14:hiddenLine>
-            </a:ext>
-            <a:ext uri="{AF507438-7753-43E0-B8FC-AC1667EBCBE1}">
-              <a14:hiddenEffects xmlns:a14="http://schemas.microsoft.com/office/drawing/2010/main">
-                <a:effectLst>
-                  <a:outerShdw dist="35921" dir="2700000" algn="ctr" rotWithShape="0">
-                    <a:srgbClr val="808080"/>
-                  </a:outerShdw>
-                </a:effectLst>
-              </a14:hiddenEffects>
-            </a:ext>
-          </a:extLst>
         </p:spPr>
       </p:pic>
     </p:spTree>
@@ -15662,7 +19872,7 @@
                                           </p:stCondLst>
                                         </p:cTn>
                                         <p:tgtEl>
-                                          <p:spTgt spid="11266"/>
+                                          <p:spTgt spid="10242"/>
                                         </p:tgtEl>
                                         <p:attrNameLst>
                                           <p:attrName>style.visibility</p:attrName>
@@ -15676,7 +19886,7 @@
                                       <p:cBhvr>
                                         <p:cTn id="7" dur="500"/>
                                         <p:tgtEl>
-                                          <p:spTgt spid="11266"/>
+                                          <p:spTgt spid="10242"/>
                                         </p:tgtEl>
                                       </p:cBhvr>
                                     </p:animEffect>
@@ -15715,7 +19925,7 @@
                                           </p:stCondLst>
                                         </p:cTn>
                                         <p:tgtEl>
-                                          <p:spTgt spid="3">
+                                          <p:spTgt spid="10243">
                                             <p:txEl>
                                               <p:pRg st="0" end="0"/>
                                             </p:txEl>
@@ -15733,7 +19943,7 @@
                                       <p:cBhvr>
                                         <p:cTn id="12" dur="500"/>
                                         <p:tgtEl>
-                                          <p:spTgt spid="3">
+                                          <p:spTgt spid="10243">
                                             <p:txEl>
                                               <p:pRg st="0" end="0"/>
                                             </p:txEl>
@@ -15763,7 +19973,7 @@
                             </p:stCondLst>
                             <p:childTnLst>
                               <p:par>
-                                <p:cTn id="15" presetID="10" presetClass="entr" presetSubtype="0" fill="hold" nodeType="clickEffect">
+                                <p:cTn id="15" presetID="2" presetClass="entr" presetSubtype="4" fill="hold" nodeType="clickEffect">
                                   <p:stCondLst>
                                     <p:cond delay="0"/>
                                   </p:stCondLst>
@@ -15776,68 +19986,7 @@
                                           </p:stCondLst>
                                         </p:cTn>
                                         <p:tgtEl>
-                                          <p:spTgt spid="3">
-                                            <p:txEl>
-                                              <p:pRg st="1" end="1"/>
-                                            </p:txEl>
-                                          </p:spTgt>
-                                        </p:tgtEl>
-                                        <p:attrNameLst>
-                                          <p:attrName>style.visibility</p:attrName>
-                                        </p:attrNameLst>
-                                      </p:cBhvr>
-                                      <p:to>
-                                        <p:strVal val="visible"/>
-                                      </p:to>
-                                    </p:set>
-                                    <p:animEffect transition="in" filter="fade">
-                                      <p:cBhvr>
-                                        <p:cTn id="17" dur="500"/>
-                                        <p:tgtEl>
-                                          <p:spTgt spid="3">
-                                            <p:txEl>
-                                              <p:pRg st="1" end="1"/>
-                                            </p:txEl>
-                                          </p:spTgt>
-                                        </p:tgtEl>
-                                      </p:cBhvr>
-                                    </p:animEffect>
-                                  </p:childTnLst>
-                                </p:cTn>
-                              </p:par>
-                            </p:childTnLst>
-                          </p:cTn>
-                        </p:par>
-                      </p:childTnLst>
-                    </p:cTn>
-                  </p:par>
-                  <p:par>
-                    <p:cTn id="18" fill="hold">
-                      <p:stCondLst>
-                        <p:cond delay="indefinite"/>
-                      </p:stCondLst>
-                      <p:childTnLst>
-                        <p:par>
-                          <p:cTn id="19" fill="hold">
-                            <p:stCondLst>
-                              <p:cond delay="0"/>
-                            </p:stCondLst>
-                            <p:childTnLst>
-                              <p:par>
-                                <p:cTn id="20" presetID="2" presetClass="entr" presetSubtype="4" fill="hold" nodeType="clickEffect">
-                                  <p:stCondLst>
-                                    <p:cond delay="0"/>
-                                  </p:stCondLst>
-                                  <p:childTnLst>
-                                    <p:set>
-                                      <p:cBhvr>
-                                        <p:cTn id="21" dur="1" fill="hold">
-                                          <p:stCondLst>
-                                            <p:cond delay="0"/>
-                                          </p:stCondLst>
-                                        </p:cTn>
-                                        <p:tgtEl>
-                                          <p:spTgt spid="11268"/>
+                                          <p:spTgt spid="2"/>
                                         </p:tgtEl>
                                         <p:attrNameLst>
                                           <p:attrName>style.visibility</p:attrName>
@@ -15849,9 +19998,9 @@
                                     </p:set>
                                     <p:anim calcmode="lin" valueType="num">
                                       <p:cBhvr additive="base">
-                                        <p:cTn id="22" dur="500" fill="hold"/>
-                                        <p:tgtEl>
-                                          <p:spTgt spid="11268"/>
+                                        <p:cTn id="17" dur="500" fill="hold"/>
+                                        <p:tgtEl>
+                                          <p:spTgt spid="2"/>
                                         </p:tgtEl>
                                         <p:attrNameLst>
                                           <p:attrName>ppt_x</p:attrName>
@@ -15872,9 +20021,9 @@
                                     </p:anim>
                                     <p:anim calcmode="lin" valueType="num">
                                       <p:cBhvr additive="base">
-                                        <p:cTn id="23" dur="500" fill="hold"/>
-                                        <p:tgtEl>
-                                          <p:spTgt spid="11268"/>
+                                        <p:cTn id="18" dur="500" fill="hold"/>
+                                        <p:tgtEl>
+                                          <p:spTgt spid="2"/>
                                         </p:tgtEl>
                                         <p:attrNameLst>
                                           <p:attrName>ppt_y</p:attrName>
@@ -15903,34 +20052,34 @@
                     </p:cTn>
                   </p:par>
                   <p:par>
-                    <p:cTn id="24" fill="hold">
+                    <p:cTn id="19" fill="hold">
                       <p:stCondLst>
                         <p:cond delay="indefinite"/>
                       </p:stCondLst>
                       <p:childTnLst>
                         <p:par>
-                          <p:cTn id="25" fill="hold">
+                          <p:cTn id="20" fill="hold">
                             <p:stCondLst>
                               <p:cond delay="0"/>
                             </p:stCondLst>
                             <p:childTnLst>
                               <p:par>
-                                <p:cTn id="26" presetID="10" presetClass="entr" presetSubtype="0" fill="hold" nodeType="clickEffect">
+                                <p:cTn id="21" presetID="10" presetClass="entr" presetSubtype="0" fill="hold" nodeType="clickEffect">
                                   <p:stCondLst>
                                     <p:cond delay="0"/>
                                   </p:stCondLst>
                                   <p:childTnLst>
                                     <p:set>
                                       <p:cBhvr>
-                                        <p:cTn id="27" dur="1" fill="hold">
+                                        <p:cTn id="22" dur="1" fill="hold">
                                           <p:stCondLst>
                                             <p:cond delay="0"/>
                                           </p:stCondLst>
                                         </p:cTn>
                                         <p:tgtEl>
-                                          <p:spTgt spid="3">
+                                          <p:spTgt spid="10243">
                                             <p:txEl>
-                                              <p:pRg st="2" end="2"/>
+                                              <p:pRg st="9" end="9"/>
                                             </p:txEl>
                                           </p:spTgt>
                                         </p:tgtEl>
@@ -15944,97 +20093,11 @@
                                     </p:set>
                                     <p:animEffect transition="in" filter="fade">
                                       <p:cBhvr>
-                                        <p:cTn id="28" dur="500"/>
-                                        <p:tgtEl>
-                                          <p:spTgt spid="3">
+                                        <p:cTn id="23" dur="500"/>
+                                        <p:tgtEl>
+                                          <p:spTgt spid="10243">
                                             <p:txEl>
-                                              <p:pRg st="2" end="2"/>
-                                            </p:txEl>
-                                          </p:spTgt>
-                                        </p:tgtEl>
-                                      </p:cBhvr>
-                                    </p:animEffect>
-                                  </p:childTnLst>
-                                </p:cTn>
-                              </p:par>
-                              <p:par>
-                                <p:cTn id="29" presetID="10" presetClass="entr" presetSubtype="0" fill="hold" nodeType="withEffect">
-                                  <p:stCondLst>
-                                    <p:cond delay="0"/>
-                                  </p:stCondLst>
-                                  <p:childTnLst>
-                                    <p:set>
-                                      <p:cBhvr>
-                                        <p:cTn id="30" dur="1" fill="hold">
-                                          <p:stCondLst>
-                                            <p:cond delay="0"/>
-                                          </p:stCondLst>
-                                        </p:cTn>
-                                        <p:tgtEl>
-                                          <p:spTgt spid="3">
-                                            <p:txEl>
-                                              <p:pRg st="3" end="3"/>
-                                            </p:txEl>
-                                          </p:spTgt>
-                                        </p:tgtEl>
-                                        <p:attrNameLst>
-                                          <p:attrName>style.visibility</p:attrName>
-                                        </p:attrNameLst>
-                                      </p:cBhvr>
-                                      <p:to>
-                                        <p:strVal val="visible"/>
-                                      </p:to>
-                                    </p:set>
-                                    <p:animEffect transition="in" filter="fade">
-                                      <p:cBhvr>
-                                        <p:cTn id="31" dur="500"/>
-                                        <p:tgtEl>
-                                          <p:spTgt spid="3">
-                                            <p:txEl>
-                                              <p:pRg st="3" end="3"/>
-                                            </p:txEl>
-                                          </p:spTgt>
-                                        </p:tgtEl>
-                                      </p:cBhvr>
-                                    </p:animEffect>
-                                  </p:childTnLst>
-                                </p:cTn>
-                              </p:par>
-                              <p:par>
-                                <p:cTn id="32" presetID="10" presetClass="entr" presetSubtype="0" fill="hold" nodeType="withEffect">
-                                  <p:stCondLst>
-                                    <p:cond delay="0"/>
-                                  </p:stCondLst>
-                                  <p:childTnLst>
-                                    <p:set>
-                                      <p:cBhvr>
-                                        <p:cTn id="33" dur="1" fill="hold">
-                                          <p:stCondLst>
-                                            <p:cond delay="0"/>
-                                          </p:stCondLst>
-                                        </p:cTn>
-                                        <p:tgtEl>
-                                          <p:spTgt spid="3">
-                                            <p:txEl>
-                                              <p:pRg st="4" end="4"/>
-                                            </p:txEl>
-                                          </p:spTgt>
-                                        </p:tgtEl>
-                                        <p:attrNameLst>
-                                          <p:attrName>style.visibility</p:attrName>
-                                        </p:attrNameLst>
-                                      </p:cBhvr>
-                                      <p:to>
-                                        <p:strVal val="visible"/>
-                                      </p:to>
-                                    </p:set>
-                                    <p:animEffect transition="in" filter="fade">
-                                      <p:cBhvr>
-                                        <p:cTn id="34" dur="500"/>
-                                        <p:tgtEl>
-                                          <p:spTgt spid="3">
-                                            <p:txEl>
-                                              <p:pRg st="4" end="4"/>
+                                              <p:pRg st="9" end="9"/>
                                             </p:txEl>
                                           </p:spTgt>
                                         </p:tgtEl>
@@ -16071,7 +20134,7 @@
       </p:par>
     </p:tnLst>
     <p:bldLst>
-      <p:bldP spid="11266" grpId="0"/>
+      <p:bldP spid="10242" grpId="0"/>
     </p:bldLst>
   </p:timing>
 </p:sld>
